--- a/AP-BrownBag(Javascript).pptx
+++ b/AP-BrownBag(Javascript).pptx
@@ -5,7 +5,7 @@
     <p:sldMasterId id="2147483648" r:id="rId4"/>
   </p:sldMasterIdLst>
   <p:notesMasterIdLst>
-    <p:notesMasterId r:id="rId16"/>
+    <p:notesMasterId r:id="rId31"/>
   </p:notesMasterIdLst>
   <p:sldIdLst>
     <p:sldId id="646" r:id="rId5"/>
@@ -13,12 +13,27 @@
     <p:sldId id="457" r:id="rId7"/>
     <p:sldId id="546" r:id="rId8"/>
     <p:sldId id="640" r:id="rId9"/>
-    <p:sldId id="641" r:id="rId10"/>
-    <p:sldId id="569" r:id="rId11"/>
-    <p:sldId id="620" r:id="rId12"/>
-    <p:sldId id="559" r:id="rId13"/>
-    <p:sldId id="621" r:id="rId14"/>
-    <p:sldId id="622" r:id="rId15"/>
+    <p:sldId id="647" r:id="rId10"/>
+    <p:sldId id="648" r:id="rId11"/>
+    <p:sldId id="649" r:id="rId12"/>
+    <p:sldId id="651" r:id="rId13"/>
+    <p:sldId id="658" r:id="rId14"/>
+    <p:sldId id="652" r:id="rId15"/>
+    <p:sldId id="653" r:id="rId16"/>
+    <p:sldId id="655" r:id="rId17"/>
+    <p:sldId id="656" r:id="rId18"/>
+    <p:sldId id="657" r:id="rId19"/>
+    <p:sldId id="659" r:id="rId20"/>
+    <p:sldId id="660" r:id="rId21"/>
+    <p:sldId id="662" r:id="rId22"/>
+    <p:sldId id="663" r:id="rId23"/>
+    <p:sldId id="661" r:id="rId24"/>
+    <p:sldId id="650" r:id="rId25"/>
+    <p:sldId id="569" r:id="rId26"/>
+    <p:sldId id="620" r:id="rId27"/>
+    <p:sldId id="559" r:id="rId28"/>
+    <p:sldId id="621" r:id="rId29"/>
+    <p:sldId id="622" r:id="rId30"/>
   </p:sldIdLst>
   <p:sldSz cx="9144000" cy="6858000" type="screen4x3"/>
   <p:notesSz cx="6858000" cy="9144000"/>
@@ -800,7 +815,7 @@
           </a:bodyPr>
           <a:lstStyle/>
           <a:p>
-            <a:endParaRPr lang="en-US" dirty="0"/>
+            <a:endParaRPr lang="fr-LU"/>
           </a:p>
         </p:txBody>
       </p:sp>
@@ -822,7 +837,7 @@
             <a:fld id="{1723DFB0-B4C9-47EE-B82C-757E5342C1E8}" type="slidenum">
               <a:rPr lang="fr-LU" smtClean="0"/>
               <a:pPr/>
-              <a:t>6</a:t>
+              <a:t>23</a:t>
             </a:fld>
             <a:endParaRPr lang="fr-LU"/>
           </a:p>
@@ -831,7 +846,7 @@
     </p:spTree>
     <p:extLst>
       <p:ext uri="{BB962C8B-B14F-4D97-AF65-F5344CB8AC3E}">
-        <p14:creationId xmlns:p14="http://schemas.microsoft.com/office/powerpoint/2010/main" val="2279801862"/>
+        <p14:creationId xmlns:p14="http://schemas.microsoft.com/office/powerpoint/2010/main" val="3695108460"/>
       </p:ext>
     </p:extLst>
   </p:cSld>
@@ -909,94 +924,7 @@
             <a:fld id="{1723DFB0-B4C9-47EE-B82C-757E5342C1E8}" type="slidenum">
               <a:rPr lang="fr-LU" smtClean="0"/>
               <a:pPr/>
-              <a:t>8</a:t>
-            </a:fld>
-            <a:endParaRPr lang="fr-LU"/>
-          </a:p>
-        </p:txBody>
-      </p:sp>
-    </p:spTree>
-    <p:extLst>
-      <p:ext uri="{BB962C8B-B14F-4D97-AF65-F5344CB8AC3E}">
-        <p14:creationId xmlns:p14="http://schemas.microsoft.com/office/powerpoint/2010/main" val="3695108460"/>
-      </p:ext>
-    </p:extLst>
-  </p:cSld>
-  <p:clrMapOvr>
-    <a:masterClrMapping/>
-  </p:clrMapOvr>
-</p:notes>
-</file>
-
-<file path=ppt/notesSlides/notesSlide5.xml><?xml version="1.0" encoding="utf-8"?>
-<p:notes xmlns:a="http://schemas.openxmlformats.org/drawingml/2006/main" xmlns:r="http://schemas.openxmlformats.org/officeDocument/2006/relationships" xmlns:p="http://schemas.openxmlformats.org/presentationml/2006/main">
-  <p:cSld>
-    <p:spTree>
-      <p:nvGrpSpPr>
-        <p:cNvPr id="1" name=""/>
-        <p:cNvGrpSpPr/>
-        <p:nvPr/>
-      </p:nvGrpSpPr>
-      <p:grpSpPr>
-        <a:xfrm>
-          <a:off x="0" y="0"/>
-          <a:ext cx="0" cy="0"/>
-          <a:chOff x="0" y="0"/>
-          <a:chExt cx="0" cy="0"/>
-        </a:xfrm>
-      </p:grpSpPr>
-      <p:sp>
-        <p:nvSpPr>
-          <p:cNvPr id="2" name="Slide Image Placeholder 1"/>
-          <p:cNvSpPr>
-            <a:spLocks noGrp="1" noRot="1" noChangeAspect="1"/>
-          </p:cNvSpPr>
-          <p:nvPr>
-            <p:ph type="sldImg"/>
-          </p:nvPr>
-        </p:nvSpPr>
-        <p:spPr/>
-      </p:sp>
-      <p:sp>
-        <p:nvSpPr>
-          <p:cNvPr id="3" name="Notes Placeholder 2"/>
-          <p:cNvSpPr>
-            <a:spLocks noGrp="1"/>
-          </p:cNvSpPr>
-          <p:nvPr>
-            <p:ph type="body" idx="1"/>
-          </p:nvPr>
-        </p:nvSpPr>
-        <p:spPr/>
-        <p:txBody>
-          <a:bodyPr>
-            <a:normAutofit/>
-          </a:bodyPr>
-          <a:lstStyle/>
-          <a:p>
-            <a:endParaRPr lang="fr-LU"/>
-          </a:p>
-        </p:txBody>
-      </p:sp>
-      <p:sp>
-        <p:nvSpPr>
-          <p:cNvPr id="4" name="Slide Number Placeholder 3"/>
-          <p:cNvSpPr>
-            <a:spLocks noGrp="1"/>
-          </p:cNvSpPr>
-          <p:nvPr>
-            <p:ph type="sldNum" sz="quarter" idx="10"/>
-          </p:nvPr>
-        </p:nvSpPr>
-        <p:spPr/>
-        <p:txBody>
-          <a:bodyPr/>
-          <a:lstStyle/>
-          <a:p>
-            <a:fld id="{1723DFB0-B4C9-47EE-B82C-757E5342C1E8}" type="slidenum">
-              <a:rPr lang="fr-LU" smtClean="0"/>
-              <a:pPr/>
-              <a:t>11</a:t>
+              <a:t>26</a:t>
             </a:fld>
             <a:endParaRPr lang="fr-LU"/>
           </a:p>
@@ -4397,7 +4325,7 @@
       </p:grpSpPr>
       <p:sp>
         <p:nvSpPr>
-          <p:cNvPr id="2" name="Title 1"/>
+          <p:cNvPr id="27653" name="Title 5"/>
           <p:cNvSpPr>
             <a:spLocks noGrp="1"/>
           </p:cNvSpPr>
@@ -4410,154 +4338,13 @@
           <a:bodyPr/>
           <a:lstStyle/>
           <a:p>
-            <a:r>
-              <a:rPr lang="en-US" dirty="0" smtClean="0"/>
-              <a:t>A FEW MORE QUESTIONS…</a:t>
-            </a:r>
-            <a:endParaRPr lang="en-US" dirty="0"/>
-          </a:p>
-        </p:txBody>
-      </p:sp>
-      <p:sp>
-        <p:nvSpPr>
-          <p:cNvPr id="3" name="Content Placeholder 2"/>
-          <p:cNvSpPr>
-            <a:spLocks noGrp="1"/>
-          </p:cNvSpPr>
-          <p:nvPr>
-            <p:ph idx="1"/>
-          </p:nvPr>
-        </p:nvSpPr>
-        <p:spPr/>
-        <p:txBody>
-          <a:bodyPr/>
-          <a:lstStyle/>
-          <a:p>
-            <a:r>
-              <a:rPr lang="fr-LU" dirty="0" err="1" smtClean="0"/>
-              <a:t>What</a:t>
-            </a:r>
-            <a:r>
-              <a:rPr lang="fr-LU" dirty="0" smtClean="0"/>
-              <a:t> </a:t>
-            </a:r>
-            <a:r>
-              <a:rPr lang="fr-LU" dirty="0" err="1" smtClean="0"/>
-              <a:t>did</a:t>
-            </a:r>
-            <a:r>
-              <a:rPr lang="fr-LU" dirty="0" smtClean="0"/>
-              <a:t> </a:t>
-            </a:r>
-            <a:r>
-              <a:rPr lang="fr-LU" dirty="0" err="1" smtClean="0"/>
-              <a:t>you</a:t>
-            </a:r>
-            <a:r>
-              <a:rPr lang="fr-LU" dirty="0" smtClean="0"/>
-              <a:t> </a:t>
-            </a:r>
-            <a:r>
-              <a:rPr lang="fr-LU" dirty="0" err="1" smtClean="0"/>
-              <a:t>like</a:t>
-            </a:r>
-            <a:r>
-              <a:rPr lang="fr-LU" dirty="0" smtClean="0"/>
-              <a:t> about </a:t>
-            </a:r>
-            <a:r>
-              <a:rPr lang="fr-LU" dirty="0" err="1" smtClean="0"/>
-              <a:t>it</a:t>
-            </a:r>
-            <a:r>
-              <a:rPr lang="fr-LU" dirty="0" smtClean="0"/>
-              <a:t>?</a:t>
-            </a:r>
-          </a:p>
-          <a:p>
             <a:endParaRPr lang="fr-LU" dirty="0" smtClean="0"/>
           </a:p>
-          <a:p>
-            <a:r>
-              <a:rPr lang="fr-LU" dirty="0" smtClean="0"/>
-              <a:t>To make it </a:t>
-            </a:r>
-            <a:r>
-              <a:rPr lang="fr-LU" dirty="0" smtClean="0"/>
-              <a:t>better… </a:t>
-            </a:r>
-            <a:r>
-              <a:rPr lang="fr-LU" dirty="0" smtClean="0"/>
-              <a:t>what shall we do?</a:t>
-            </a:r>
-          </a:p>
-          <a:p>
-            <a:endParaRPr lang="fr-LU" dirty="0"/>
-          </a:p>
-          <a:p>
-            <a:r>
-              <a:rPr lang="fr-LU" dirty="0" err="1" smtClean="0"/>
-              <a:t>What</a:t>
-            </a:r>
-            <a:r>
-              <a:rPr lang="fr-LU" dirty="0" smtClean="0"/>
-              <a:t> </a:t>
-            </a:r>
-            <a:r>
-              <a:rPr lang="fr-LU" dirty="0" err="1" smtClean="0"/>
-              <a:t>topic</a:t>
-            </a:r>
-            <a:r>
-              <a:rPr lang="fr-LU" dirty="0" smtClean="0"/>
-              <a:t>(s) </a:t>
-            </a:r>
-            <a:r>
-              <a:rPr lang="fr-LU" dirty="0" err="1" smtClean="0"/>
-              <a:t>would</a:t>
-            </a:r>
-            <a:r>
-              <a:rPr lang="fr-LU" dirty="0" smtClean="0"/>
-              <a:t> </a:t>
-            </a:r>
-            <a:r>
-              <a:rPr lang="fr-LU" dirty="0" err="1" smtClean="0"/>
-              <a:t>you</a:t>
-            </a:r>
-            <a:r>
-              <a:rPr lang="fr-LU" dirty="0" smtClean="0"/>
-              <a:t> </a:t>
-            </a:r>
-            <a:r>
-              <a:rPr lang="fr-LU" dirty="0" err="1" smtClean="0"/>
-              <a:t>like</a:t>
-            </a:r>
-            <a:r>
-              <a:rPr lang="fr-LU" dirty="0" smtClean="0"/>
-              <a:t> to </a:t>
-            </a:r>
-            <a:r>
-              <a:rPr lang="fr-LU" dirty="0" err="1" smtClean="0"/>
-              <a:t>discuss</a:t>
-            </a:r>
-            <a:r>
-              <a:rPr lang="fr-LU" dirty="0" smtClean="0"/>
-              <a:t> </a:t>
-            </a:r>
-            <a:r>
-              <a:rPr lang="fr-LU" dirty="0" err="1" smtClean="0"/>
-              <a:t>during</a:t>
-            </a:r>
-            <a:r>
-              <a:rPr lang="fr-LU" dirty="0" smtClean="0"/>
-              <a:t> a future session?</a:t>
-            </a:r>
-            <a:endParaRPr lang="fr-LU" dirty="0"/>
-          </a:p>
-        </p:txBody>
-      </p:sp>
-      <p:sp>
-        <p:nvSpPr>
-          <p:cNvPr id="4" name="Date Placeholder 3"/>
+        </p:txBody>
+      </p:sp>
+      <p:sp>
+        <p:nvSpPr>
+          <p:cNvPr id="3" name="Date Placeholder 2"/>
           <p:cNvSpPr>
             <a:spLocks noGrp="1"/>
           </p:cNvSpPr>
@@ -4570,6 +4357,9 @@
           <a:bodyPr/>
           <a:lstStyle/>
           <a:p>
+            <a:pPr>
+              <a:defRPr/>
+            </a:pPr>
             <a:r>
               <a:rPr lang="en-US" smtClean="0"/>
               <a:t>28 Feb. 2013</a:t>
@@ -4593,6 +4383,9 @@
           <a:bodyPr/>
           <a:lstStyle/>
           <a:p>
+            <a:pPr>
+              <a:defRPr/>
+            </a:pPr>
             <a:r>
               <a:rPr lang="fr-LU" smtClean="0"/>
               <a:t>Introduction to agile methods</a:t>
@@ -4603,7 +4396,7 @@
       </p:sp>
       <p:sp>
         <p:nvSpPr>
-          <p:cNvPr id="6" name="Slide Number Placeholder 5"/>
+          <p:cNvPr id="4" name="Slide Number Placeholder 3"/>
           <p:cNvSpPr>
             <a:spLocks noGrp="1"/>
           </p:cNvSpPr>
@@ -4616,25 +4409,84 @@
           <a:bodyPr/>
           <a:lstStyle/>
           <a:p>
-            <a:fld id="{9716DCE3-3314-4329-BDB9-F369F3DB74C6}" type="slidenum">
-              <a:rPr lang="en-GB" smtClean="0"/>
-              <a:pPr/>
+            <a:pPr>
+              <a:defRPr/>
+            </a:pPr>
+            <a:fld id="{684DB56D-94B7-41CB-A6D7-5E8E90856FDB}" type="slidenum">
+              <a:rPr lang="en-GB"/>
+              <a:pPr>
+                <a:defRPr/>
+              </a:pPr>
               <a:t>10</a:t>
             </a:fld>
             <a:endParaRPr lang="en-GB"/>
           </a:p>
         </p:txBody>
       </p:sp>
+      <p:sp>
+        <p:nvSpPr>
+          <p:cNvPr id="2" name="Content Placeholder 1"/>
+          <p:cNvSpPr>
+            <a:spLocks noGrp="1"/>
+          </p:cNvSpPr>
+          <p:nvPr>
+            <p:ph idx="1"/>
+          </p:nvPr>
+        </p:nvSpPr>
+        <p:spPr/>
+        <p:txBody>
+          <a:bodyPr/>
+          <a:lstStyle/>
+          <a:p>
+            <a:r>
+              <a:rPr lang="en-US" dirty="0" smtClean="0"/>
+              <a:t>Server</a:t>
+            </a:r>
+          </a:p>
+          <a:p>
+            <a:endParaRPr lang="en-US" dirty="0"/>
+          </a:p>
+          <a:p>
+            <a:pPr lvl="1"/>
+            <a:r>
+              <a:rPr lang="en-US" dirty="0" smtClean="0"/>
+              <a:t>Layered in :</a:t>
+            </a:r>
+          </a:p>
+          <a:p>
+            <a:pPr lvl="2"/>
+            <a:r>
+              <a:rPr lang="en-US" dirty="0" smtClean="0"/>
+              <a:t>Routes (controller)</a:t>
+            </a:r>
+          </a:p>
+          <a:p>
+            <a:pPr lvl="2"/>
+            <a:r>
+              <a:rPr lang="en-US" dirty="0" smtClean="0"/>
+              <a:t>Services</a:t>
+            </a:r>
+          </a:p>
+          <a:p>
+            <a:pPr lvl="2"/>
+            <a:r>
+              <a:rPr lang="en-US" dirty="0" smtClean="0"/>
+              <a:t>Repository</a:t>
+            </a:r>
+          </a:p>
+        </p:txBody>
+      </p:sp>
     </p:spTree>
     <p:extLst>
       <p:ext uri="{BB962C8B-B14F-4D97-AF65-F5344CB8AC3E}">
-        <p14:creationId xmlns:p14="http://schemas.microsoft.com/office/powerpoint/2010/main" val="1988118765"/>
+        <p14:creationId xmlns:p14="http://schemas.microsoft.com/office/powerpoint/2010/main" val="207026272"/>
       </p:ext>
     </p:extLst>
   </p:cSld>
   <p:clrMapOvr>
     <a:masterClrMapping/>
   </p:clrMapOvr>
+  <p:transition/>
   <p:timing>
     <p:tnLst>
       <p:par>
@@ -4664,6 +4516,3062 @@
       </p:grpSpPr>
       <p:sp>
         <p:nvSpPr>
+          <p:cNvPr id="27653" name="Title 5"/>
+          <p:cNvSpPr>
+            <a:spLocks noGrp="1"/>
+          </p:cNvSpPr>
+          <p:nvPr>
+            <p:ph type="title"/>
+          </p:nvPr>
+        </p:nvSpPr>
+        <p:spPr/>
+        <p:txBody>
+          <a:bodyPr/>
+          <a:lstStyle/>
+          <a:p>
+            <a:endParaRPr lang="fr-LU" dirty="0" smtClean="0"/>
+          </a:p>
+        </p:txBody>
+      </p:sp>
+      <p:sp>
+        <p:nvSpPr>
+          <p:cNvPr id="3" name="Date Placeholder 2"/>
+          <p:cNvSpPr>
+            <a:spLocks noGrp="1"/>
+          </p:cNvSpPr>
+          <p:nvPr>
+            <p:ph type="dt" sz="half" idx="10"/>
+          </p:nvPr>
+        </p:nvSpPr>
+        <p:spPr/>
+        <p:txBody>
+          <a:bodyPr/>
+          <a:lstStyle/>
+          <a:p>
+            <a:pPr>
+              <a:defRPr/>
+            </a:pPr>
+            <a:r>
+              <a:rPr lang="en-US" smtClean="0"/>
+              <a:t>28 Feb. 2013</a:t>
+            </a:r>
+            <a:endParaRPr lang="en-GB" dirty="0"/>
+          </a:p>
+        </p:txBody>
+      </p:sp>
+      <p:sp>
+        <p:nvSpPr>
+          <p:cNvPr id="5" name="Footer Placeholder 4"/>
+          <p:cNvSpPr>
+            <a:spLocks noGrp="1"/>
+          </p:cNvSpPr>
+          <p:nvPr>
+            <p:ph type="ftr" sz="quarter" idx="11"/>
+          </p:nvPr>
+        </p:nvSpPr>
+        <p:spPr/>
+        <p:txBody>
+          <a:bodyPr/>
+          <a:lstStyle/>
+          <a:p>
+            <a:pPr>
+              <a:defRPr/>
+            </a:pPr>
+            <a:r>
+              <a:rPr lang="fr-LU" smtClean="0"/>
+              <a:t>Introduction to agile methods</a:t>
+            </a:r>
+            <a:endParaRPr lang="en-GB" dirty="0"/>
+          </a:p>
+        </p:txBody>
+      </p:sp>
+      <p:sp>
+        <p:nvSpPr>
+          <p:cNvPr id="4" name="Slide Number Placeholder 3"/>
+          <p:cNvSpPr>
+            <a:spLocks noGrp="1"/>
+          </p:cNvSpPr>
+          <p:nvPr>
+            <p:ph type="sldNum" sz="quarter" idx="12"/>
+          </p:nvPr>
+        </p:nvSpPr>
+        <p:spPr/>
+        <p:txBody>
+          <a:bodyPr/>
+          <a:lstStyle/>
+          <a:p>
+            <a:pPr>
+              <a:defRPr/>
+            </a:pPr>
+            <a:fld id="{684DB56D-94B7-41CB-A6D7-5E8E90856FDB}" type="slidenum">
+              <a:rPr lang="en-GB"/>
+              <a:pPr>
+                <a:defRPr/>
+              </a:pPr>
+              <a:t>11</a:t>
+            </a:fld>
+            <a:endParaRPr lang="en-GB"/>
+          </a:p>
+        </p:txBody>
+      </p:sp>
+      <p:sp>
+        <p:nvSpPr>
+          <p:cNvPr id="2" name="Content Placeholder 1"/>
+          <p:cNvSpPr>
+            <a:spLocks noGrp="1"/>
+          </p:cNvSpPr>
+          <p:nvPr>
+            <p:ph idx="1"/>
+          </p:nvPr>
+        </p:nvSpPr>
+        <p:spPr/>
+        <p:txBody>
+          <a:bodyPr/>
+          <a:lstStyle/>
+          <a:p>
+            <a:r>
+              <a:rPr lang="en-US" dirty="0" smtClean="0"/>
+              <a:t>Best practice, tooling, etc.</a:t>
+            </a:r>
+          </a:p>
+        </p:txBody>
+      </p:sp>
+    </p:spTree>
+    <p:extLst>
+      <p:ext uri="{BB962C8B-B14F-4D97-AF65-F5344CB8AC3E}">
+        <p14:creationId xmlns:p14="http://schemas.microsoft.com/office/powerpoint/2010/main" val="1276673168"/>
+      </p:ext>
+    </p:extLst>
+  </p:cSld>
+  <p:clrMapOvr>
+    <a:masterClrMapping/>
+  </p:clrMapOvr>
+  <p:transition/>
+  <p:timing>
+    <p:tnLst>
+      <p:par>
+        <p:cTn id="1" dur="indefinite" restart="never" nodeType="tmRoot"/>
+      </p:par>
+    </p:tnLst>
+  </p:timing>
+</p:sld>
+</file>
+
+<file path=ppt/slides/slide12.xml><?xml version="1.0" encoding="utf-8"?>
+<p:sld xmlns:a="http://schemas.openxmlformats.org/drawingml/2006/main" xmlns:r="http://schemas.openxmlformats.org/officeDocument/2006/relationships" xmlns:p="http://schemas.openxmlformats.org/presentationml/2006/main">
+  <p:cSld>
+    <p:spTree>
+      <p:nvGrpSpPr>
+        <p:cNvPr id="1" name=""/>
+        <p:cNvGrpSpPr/>
+        <p:nvPr/>
+      </p:nvGrpSpPr>
+      <p:grpSpPr>
+        <a:xfrm>
+          <a:off x="0" y="0"/>
+          <a:ext cx="0" cy="0"/>
+          <a:chOff x="0" y="0"/>
+          <a:chExt cx="0" cy="0"/>
+        </a:xfrm>
+      </p:grpSpPr>
+      <p:sp>
+        <p:nvSpPr>
+          <p:cNvPr id="27653" name="Title 5"/>
+          <p:cNvSpPr>
+            <a:spLocks noGrp="1"/>
+          </p:cNvSpPr>
+          <p:nvPr>
+            <p:ph type="title"/>
+          </p:nvPr>
+        </p:nvSpPr>
+        <p:spPr/>
+        <p:txBody>
+          <a:bodyPr/>
+          <a:lstStyle/>
+          <a:p>
+            <a:endParaRPr lang="fr-LU" dirty="0" smtClean="0"/>
+          </a:p>
+        </p:txBody>
+      </p:sp>
+      <p:sp>
+        <p:nvSpPr>
+          <p:cNvPr id="3" name="Date Placeholder 2"/>
+          <p:cNvSpPr>
+            <a:spLocks noGrp="1"/>
+          </p:cNvSpPr>
+          <p:nvPr>
+            <p:ph type="dt" sz="half" idx="10"/>
+          </p:nvPr>
+        </p:nvSpPr>
+        <p:spPr/>
+        <p:txBody>
+          <a:bodyPr/>
+          <a:lstStyle/>
+          <a:p>
+            <a:pPr>
+              <a:defRPr/>
+            </a:pPr>
+            <a:r>
+              <a:rPr lang="en-US" smtClean="0"/>
+              <a:t>28 Feb. 2013</a:t>
+            </a:r>
+            <a:endParaRPr lang="en-GB" dirty="0"/>
+          </a:p>
+        </p:txBody>
+      </p:sp>
+      <p:sp>
+        <p:nvSpPr>
+          <p:cNvPr id="5" name="Footer Placeholder 4"/>
+          <p:cNvSpPr>
+            <a:spLocks noGrp="1"/>
+          </p:cNvSpPr>
+          <p:nvPr>
+            <p:ph type="ftr" sz="quarter" idx="11"/>
+          </p:nvPr>
+        </p:nvSpPr>
+        <p:spPr/>
+        <p:txBody>
+          <a:bodyPr/>
+          <a:lstStyle/>
+          <a:p>
+            <a:pPr>
+              <a:defRPr/>
+            </a:pPr>
+            <a:r>
+              <a:rPr lang="fr-LU" smtClean="0"/>
+              <a:t>Introduction to agile methods</a:t>
+            </a:r>
+            <a:endParaRPr lang="en-GB" dirty="0"/>
+          </a:p>
+        </p:txBody>
+      </p:sp>
+      <p:sp>
+        <p:nvSpPr>
+          <p:cNvPr id="4" name="Slide Number Placeholder 3"/>
+          <p:cNvSpPr>
+            <a:spLocks noGrp="1"/>
+          </p:cNvSpPr>
+          <p:nvPr>
+            <p:ph type="sldNum" sz="quarter" idx="12"/>
+          </p:nvPr>
+        </p:nvSpPr>
+        <p:spPr/>
+        <p:txBody>
+          <a:bodyPr/>
+          <a:lstStyle/>
+          <a:p>
+            <a:pPr>
+              <a:defRPr/>
+            </a:pPr>
+            <a:fld id="{684DB56D-94B7-41CB-A6D7-5E8E90856FDB}" type="slidenum">
+              <a:rPr lang="en-GB"/>
+              <a:pPr>
+                <a:defRPr/>
+              </a:pPr>
+              <a:t>12</a:t>
+            </a:fld>
+            <a:endParaRPr lang="en-GB"/>
+          </a:p>
+        </p:txBody>
+      </p:sp>
+      <p:sp>
+        <p:nvSpPr>
+          <p:cNvPr id="2" name="Content Placeholder 1"/>
+          <p:cNvSpPr>
+            <a:spLocks noGrp="1"/>
+          </p:cNvSpPr>
+          <p:nvPr>
+            <p:ph idx="1"/>
+          </p:nvPr>
+        </p:nvSpPr>
+        <p:spPr/>
+        <p:txBody>
+          <a:bodyPr/>
+          <a:lstStyle/>
+          <a:p>
+            <a:r>
+              <a:rPr lang="en-US" dirty="0" smtClean="0"/>
+              <a:t>Unit test - </a:t>
+            </a:r>
+            <a:r>
+              <a:rPr lang="en-US" dirty="0" err="1" smtClean="0"/>
+              <a:t>sinonJS</a:t>
+            </a:r>
+            <a:endParaRPr lang="en-US" dirty="0" smtClean="0"/>
+          </a:p>
+          <a:p>
+            <a:endParaRPr lang="en-US" dirty="0" smtClean="0"/>
+          </a:p>
+          <a:p>
+            <a:pPr lvl="1"/>
+            <a:r>
+              <a:rPr lang="en-US" dirty="0" smtClean="0"/>
+              <a:t>Runtime: mocha</a:t>
+            </a:r>
+            <a:endParaRPr lang="en-US" dirty="0"/>
+          </a:p>
+          <a:p>
+            <a:pPr lvl="1"/>
+            <a:r>
+              <a:rPr lang="en-US" dirty="0" smtClean="0"/>
+              <a:t>Framework: </a:t>
+            </a:r>
+            <a:r>
+              <a:rPr lang="en-US" dirty="0" err="1" smtClean="0"/>
+              <a:t>sinonJS</a:t>
+            </a:r>
+            <a:endParaRPr lang="en-US" dirty="0"/>
+          </a:p>
+          <a:p>
+            <a:pPr lvl="2"/>
+            <a:r>
+              <a:rPr lang="en-US" dirty="0" smtClean="0"/>
+              <a:t>Spies</a:t>
+            </a:r>
+          </a:p>
+          <a:p>
+            <a:pPr lvl="2"/>
+            <a:r>
+              <a:rPr lang="en-US" dirty="0" smtClean="0"/>
+              <a:t>Mocks</a:t>
+            </a:r>
+          </a:p>
+          <a:p>
+            <a:pPr lvl="2"/>
+            <a:r>
+              <a:rPr lang="en-US" dirty="0" smtClean="0"/>
+              <a:t>Stubs</a:t>
+            </a:r>
+          </a:p>
+          <a:p>
+            <a:pPr lvl="2"/>
+            <a:r>
+              <a:rPr lang="en-US" dirty="0" smtClean="0"/>
+              <a:t>And more…</a:t>
+            </a:r>
+          </a:p>
+        </p:txBody>
+      </p:sp>
+    </p:spTree>
+    <p:extLst>
+      <p:ext uri="{BB962C8B-B14F-4D97-AF65-F5344CB8AC3E}">
+        <p14:creationId xmlns:p14="http://schemas.microsoft.com/office/powerpoint/2010/main" val="1232056856"/>
+      </p:ext>
+    </p:extLst>
+  </p:cSld>
+  <p:clrMapOvr>
+    <a:masterClrMapping/>
+  </p:clrMapOvr>
+  <p:transition/>
+  <p:timing>
+    <p:tnLst>
+      <p:par>
+        <p:cTn id="1" dur="indefinite" restart="never" nodeType="tmRoot"/>
+      </p:par>
+    </p:tnLst>
+  </p:timing>
+</p:sld>
+</file>
+
+<file path=ppt/slides/slide13.xml><?xml version="1.0" encoding="utf-8"?>
+<p:sld xmlns:a="http://schemas.openxmlformats.org/drawingml/2006/main" xmlns:r="http://schemas.openxmlformats.org/officeDocument/2006/relationships" xmlns:p="http://schemas.openxmlformats.org/presentationml/2006/main">
+  <p:cSld>
+    <p:spTree>
+      <p:nvGrpSpPr>
+        <p:cNvPr id="1" name=""/>
+        <p:cNvGrpSpPr/>
+        <p:nvPr/>
+      </p:nvGrpSpPr>
+      <p:grpSpPr>
+        <a:xfrm>
+          <a:off x="0" y="0"/>
+          <a:ext cx="0" cy="0"/>
+          <a:chOff x="0" y="0"/>
+          <a:chExt cx="0" cy="0"/>
+        </a:xfrm>
+      </p:grpSpPr>
+      <p:sp>
+        <p:nvSpPr>
+          <p:cNvPr id="27653" name="Title 5"/>
+          <p:cNvSpPr>
+            <a:spLocks noGrp="1"/>
+          </p:cNvSpPr>
+          <p:nvPr>
+            <p:ph type="title"/>
+          </p:nvPr>
+        </p:nvSpPr>
+        <p:spPr/>
+        <p:txBody>
+          <a:bodyPr/>
+          <a:lstStyle/>
+          <a:p>
+            <a:endParaRPr lang="fr-LU" dirty="0" smtClean="0"/>
+          </a:p>
+        </p:txBody>
+      </p:sp>
+      <p:sp>
+        <p:nvSpPr>
+          <p:cNvPr id="3" name="Date Placeholder 2"/>
+          <p:cNvSpPr>
+            <a:spLocks noGrp="1"/>
+          </p:cNvSpPr>
+          <p:nvPr>
+            <p:ph type="dt" sz="half" idx="10"/>
+          </p:nvPr>
+        </p:nvSpPr>
+        <p:spPr/>
+        <p:txBody>
+          <a:bodyPr/>
+          <a:lstStyle/>
+          <a:p>
+            <a:pPr>
+              <a:defRPr/>
+            </a:pPr>
+            <a:r>
+              <a:rPr lang="en-US" smtClean="0"/>
+              <a:t>28 Feb. 2013</a:t>
+            </a:r>
+            <a:endParaRPr lang="en-GB" dirty="0"/>
+          </a:p>
+        </p:txBody>
+      </p:sp>
+      <p:sp>
+        <p:nvSpPr>
+          <p:cNvPr id="5" name="Footer Placeholder 4"/>
+          <p:cNvSpPr>
+            <a:spLocks noGrp="1"/>
+          </p:cNvSpPr>
+          <p:nvPr>
+            <p:ph type="ftr" sz="quarter" idx="11"/>
+          </p:nvPr>
+        </p:nvSpPr>
+        <p:spPr/>
+        <p:txBody>
+          <a:bodyPr/>
+          <a:lstStyle/>
+          <a:p>
+            <a:pPr>
+              <a:defRPr/>
+            </a:pPr>
+            <a:r>
+              <a:rPr lang="fr-LU" smtClean="0"/>
+              <a:t>Introduction to agile methods</a:t>
+            </a:r>
+            <a:endParaRPr lang="en-GB" dirty="0"/>
+          </a:p>
+        </p:txBody>
+      </p:sp>
+      <p:sp>
+        <p:nvSpPr>
+          <p:cNvPr id="4" name="Slide Number Placeholder 3"/>
+          <p:cNvSpPr>
+            <a:spLocks noGrp="1"/>
+          </p:cNvSpPr>
+          <p:nvPr>
+            <p:ph type="sldNum" sz="quarter" idx="12"/>
+          </p:nvPr>
+        </p:nvSpPr>
+        <p:spPr/>
+        <p:txBody>
+          <a:bodyPr/>
+          <a:lstStyle/>
+          <a:p>
+            <a:pPr>
+              <a:defRPr/>
+            </a:pPr>
+            <a:fld id="{684DB56D-94B7-41CB-A6D7-5E8E90856FDB}" type="slidenum">
+              <a:rPr lang="en-GB"/>
+              <a:pPr>
+                <a:defRPr/>
+              </a:pPr>
+              <a:t>13</a:t>
+            </a:fld>
+            <a:endParaRPr lang="en-GB"/>
+          </a:p>
+        </p:txBody>
+      </p:sp>
+      <p:sp>
+        <p:nvSpPr>
+          <p:cNvPr id="2" name="Content Placeholder 1"/>
+          <p:cNvSpPr>
+            <a:spLocks noGrp="1"/>
+          </p:cNvSpPr>
+          <p:nvPr>
+            <p:ph idx="1"/>
+          </p:nvPr>
+        </p:nvSpPr>
+        <p:spPr/>
+        <p:txBody>
+          <a:bodyPr/>
+          <a:lstStyle/>
+          <a:p>
+            <a:r>
+              <a:rPr lang="en-US" dirty="0" err="1" smtClean="0"/>
+              <a:t>sinonJS</a:t>
+            </a:r>
+            <a:r>
+              <a:rPr lang="en-US" dirty="0" smtClean="0"/>
+              <a:t> - Spies</a:t>
+            </a:r>
+          </a:p>
+          <a:p>
+            <a:endParaRPr lang="en-US" dirty="0"/>
+          </a:p>
+          <a:p>
+            <a:pPr lvl="1"/>
+            <a:r>
+              <a:rPr lang="en-US" dirty="0" smtClean="0"/>
+              <a:t>A </a:t>
+            </a:r>
+            <a:r>
+              <a:rPr lang="en-US" dirty="0"/>
+              <a:t>test spy is a function </a:t>
+            </a:r>
+            <a:r>
+              <a:rPr lang="en-US" b="1" dirty="0"/>
+              <a:t>that records arguments, return value, the value </a:t>
+            </a:r>
+            <a:r>
+              <a:rPr lang="en-US" dirty="0"/>
+              <a:t>of this and exception thrown (if any) for all its calls. A test spy </a:t>
+            </a:r>
+            <a:r>
+              <a:rPr lang="en-US" b="1" dirty="0"/>
+              <a:t>can be an anonymous function or it can wrap an existing function.</a:t>
+            </a:r>
+            <a:endParaRPr lang="en-US" b="1" dirty="0" smtClean="0"/>
+          </a:p>
+        </p:txBody>
+      </p:sp>
+    </p:spTree>
+    <p:extLst>
+      <p:ext uri="{BB962C8B-B14F-4D97-AF65-F5344CB8AC3E}">
+        <p14:creationId xmlns:p14="http://schemas.microsoft.com/office/powerpoint/2010/main" val="1255387090"/>
+      </p:ext>
+    </p:extLst>
+  </p:cSld>
+  <p:clrMapOvr>
+    <a:masterClrMapping/>
+  </p:clrMapOvr>
+  <p:transition/>
+  <p:timing>
+    <p:tnLst>
+      <p:par>
+        <p:cTn id="1" dur="indefinite" restart="never" nodeType="tmRoot"/>
+      </p:par>
+    </p:tnLst>
+  </p:timing>
+</p:sld>
+</file>
+
+<file path=ppt/slides/slide14.xml><?xml version="1.0" encoding="utf-8"?>
+<p:sld xmlns:a="http://schemas.openxmlformats.org/drawingml/2006/main" xmlns:r="http://schemas.openxmlformats.org/officeDocument/2006/relationships" xmlns:p="http://schemas.openxmlformats.org/presentationml/2006/main">
+  <p:cSld>
+    <p:spTree>
+      <p:nvGrpSpPr>
+        <p:cNvPr id="1" name=""/>
+        <p:cNvGrpSpPr/>
+        <p:nvPr/>
+      </p:nvGrpSpPr>
+      <p:grpSpPr>
+        <a:xfrm>
+          <a:off x="0" y="0"/>
+          <a:ext cx="0" cy="0"/>
+          <a:chOff x="0" y="0"/>
+          <a:chExt cx="0" cy="0"/>
+        </a:xfrm>
+      </p:grpSpPr>
+      <p:sp>
+        <p:nvSpPr>
+          <p:cNvPr id="27653" name="Title 5"/>
+          <p:cNvSpPr>
+            <a:spLocks noGrp="1"/>
+          </p:cNvSpPr>
+          <p:nvPr>
+            <p:ph type="title"/>
+          </p:nvPr>
+        </p:nvSpPr>
+        <p:spPr/>
+        <p:txBody>
+          <a:bodyPr/>
+          <a:lstStyle/>
+          <a:p>
+            <a:endParaRPr lang="fr-LU" dirty="0" smtClean="0"/>
+          </a:p>
+        </p:txBody>
+      </p:sp>
+      <p:sp>
+        <p:nvSpPr>
+          <p:cNvPr id="3" name="Date Placeholder 2"/>
+          <p:cNvSpPr>
+            <a:spLocks noGrp="1"/>
+          </p:cNvSpPr>
+          <p:nvPr>
+            <p:ph type="dt" sz="half" idx="10"/>
+          </p:nvPr>
+        </p:nvSpPr>
+        <p:spPr/>
+        <p:txBody>
+          <a:bodyPr/>
+          <a:lstStyle/>
+          <a:p>
+            <a:pPr>
+              <a:defRPr/>
+            </a:pPr>
+            <a:r>
+              <a:rPr lang="en-US" smtClean="0"/>
+              <a:t>28 Feb. 2013</a:t>
+            </a:r>
+            <a:endParaRPr lang="en-GB" dirty="0"/>
+          </a:p>
+        </p:txBody>
+      </p:sp>
+      <p:sp>
+        <p:nvSpPr>
+          <p:cNvPr id="5" name="Footer Placeholder 4"/>
+          <p:cNvSpPr>
+            <a:spLocks noGrp="1"/>
+          </p:cNvSpPr>
+          <p:nvPr>
+            <p:ph type="ftr" sz="quarter" idx="11"/>
+          </p:nvPr>
+        </p:nvSpPr>
+        <p:spPr/>
+        <p:txBody>
+          <a:bodyPr/>
+          <a:lstStyle/>
+          <a:p>
+            <a:pPr>
+              <a:defRPr/>
+            </a:pPr>
+            <a:r>
+              <a:rPr lang="fr-LU" smtClean="0"/>
+              <a:t>Introduction to agile methods</a:t>
+            </a:r>
+            <a:endParaRPr lang="en-GB" dirty="0"/>
+          </a:p>
+        </p:txBody>
+      </p:sp>
+      <p:sp>
+        <p:nvSpPr>
+          <p:cNvPr id="4" name="Slide Number Placeholder 3"/>
+          <p:cNvSpPr>
+            <a:spLocks noGrp="1"/>
+          </p:cNvSpPr>
+          <p:nvPr>
+            <p:ph type="sldNum" sz="quarter" idx="12"/>
+          </p:nvPr>
+        </p:nvSpPr>
+        <p:spPr/>
+        <p:txBody>
+          <a:bodyPr/>
+          <a:lstStyle/>
+          <a:p>
+            <a:pPr>
+              <a:defRPr/>
+            </a:pPr>
+            <a:fld id="{684DB56D-94B7-41CB-A6D7-5E8E90856FDB}" type="slidenum">
+              <a:rPr lang="en-GB"/>
+              <a:pPr>
+                <a:defRPr/>
+              </a:pPr>
+              <a:t>14</a:t>
+            </a:fld>
+            <a:endParaRPr lang="en-GB"/>
+          </a:p>
+        </p:txBody>
+      </p:sp>
+      <p:sp>
+        <p:nvSpPr>
+          <p:cNvPr id="2" name="Content Placeholder 1"/>
+          <p:cNvSpPr>
+            <a:spLocks noGrp="1"/>
+          </p:cNvSpPr>
+          <p:nvPr>
+            <p:ph idx="1"/>
+          </p:nvPr>
+        </p:nvSpPr>
+        <p:spPr/>
+        <p:txBody>
+          <a:bodyPr/>
+          <a:lstStyle/>
+          <a:p>
+            <a:r>
+              <a:rPr lang="en-US" dirty="0" err="1" smtClean="0"/>
+              <a:t>sinonJS</a:t>
+            </a:r>
+            <a:r>
+              <a:rPr lang="en-US" dirty="0" smtClean="0"/>
+              <a:t> - Stubs</a:t>
+            </a:r>
+          </a:p>
+          <a:p>
+            <a:endParaRPr lang="en-US" dirty="0"/>
+          </a:p>
+          <a:p>
+            <a:pPr lvl="1"/>
+            <a:r>
+              <a:rPr lang="en-US" dirty="0"/>
+              <a:t>Test stubs are functions (spies) with </a:t>
+            </a:r>
+            <a:r>
+              <a:rPr lang="en-US" b="1" dirty="0"/>
+              <a:t>pre-programmed </a:t>
+            </a:r>
+            <a:r>
+              <a:rPr lang="en-US" b="1" dirty="0" smtClean="0"/>
+              <a:t>behavior</a:t>
+            </a:r>
+            <a:r>
+              <a:rPr lang="en-US" dirty="0" smtClean="0"/>
+              <a:t>.</a:t>
+            </a:r>
+            <a:br>
+              <a:rPr lang="en-US" dirty="0" smtClean="0"/>
+            </a:br>
+            <a:r>
+              <a:rPr lang="en-US" dirty="0" smtClean="0"/>
+              <a:t>They </a:t>
+            </a:r>
+            <a:r>
+              <a:rPr lang="en-US" dirty="0"/>
+              <a:t>support the full test spy API in addition to methods which can be used to alter the stub’s </a:t>
+            </a:r>
+            <a:r>
+              <a:rPr lang="en-US" dirty="0" smtClean="0"/>
+              <a:t>behavior.</a:t>
+            </a:r>
+            <a:br>
+              <a:rPr lang="en-US" dirty="0" smtClean="0"/>
+            </a:br>
+            <a:r>
+              <a:rPr lang="en-US" dirty="0" smtClean="0"/>
+              <a:t>As </a:t>
+            </a:r>
+            <a:r>
+              <a:rPr lang="en-US" dirty="0"/>
+              <a:t>spies, stubs can be either anonymous, or wrap existing functions. When wrapping an existing function with a stub, the original function is not called.</a:t>
+            </a:r>
+            <a:endParaRPr lang="en-US" b="1" dirty="0" smtClean="0"/>
+          </a:p>
+        </p:txBody>
+      </p:sp>
+    </p:spTree>
+    <p:extLst>
+      <p:ext uri="{BB962C8B-B14F-4D97-AF65-F5344CB8AC3E}">
+        <p14:creationId xmlns:p14="http://schemas.microsoft.com/office/powerpoint/2010/main" val="690367770"/>
+      </p:ext>
+    </p:extLst>
+  </p:cSld>
+  <p:clrMapOvr>
+    <a:masterClrMapping/>
+  </p:clrMapOvr>
+  <p:transition/>
+  <p:timing>
+    <p:tnLst>
+      <p:par>
+        <p:cTn id="1" dur="indefinite" restart="never" nodeType="tmRoot"/>
+      </p:par>
+    </p:tnLst>
+  </p:timing>
+</p:sld>
+</file>
+
+<file path=ppt/slides/slide15.xml><?xml version="1.0" encoding="utf-8"?>
+<p:sld xmlns:a="http://schemas.openxmlformats.org/drawingml/2006/main" xmlns:r="http://schemas.openxmlformats.org/officeDocument/2006/relationships" xmlns:p="http://schemas.openxmlformats.org/presentationml/2006/main">
+  <p:cSld>
+    <p:spTree>
+      <p:nvGrpSpPr>
+        <p:cNvPr id="1" name=""/>
+        <p:cNvGrpSpPr/>
+        <p:nvPr/>
+      </p:nvGrpSpPr>
+      <p:grpSpPr>
+        <a:xfrm>
+          <a:off x="0" y="0"/>
+          <a:ext cx="0" cy="0"/>
+          <a:chOff x="0" y="0"/>
+          <a:chExt cx="0" cy="0"/>
+        </a:xfrm>
+      </p:grpSpPr>
+      <p:sp>
+        <p:nvSpPr>
+          <p:cNvPr id="27653" name="Title 5"/>
+          <p:cNvSpPr>
+            <a:spLocks noGrp="1"/>
+          </p:cNvSpPr>
+          <p:nvPr>
+            <p:ph type="title"/>
+          </p:nvPr>
+        </p:nvSpPr>
+        <p:spPr/>
+        <p:txBody>
+          <a:bodyPr/>
+          <a:lstStyle/>
+          <a:p>
+            <a:endParaRPr lang="fr-LU" dirty="0" smtClean="0"/>
+          </a:p>
+        </p:txBody>
+      </p:sp>
+      <p:sp>
+        <p:nvSpPr>
+          <p:cNvPr id="3" name="Date Placeholder 2"/>
+          <p:cNvSpPr>
+            <a:spLocks noGrp="1"/>
+          </p:cNvSpPr>
+          <p:nvPr>
+            <p:ph type="dt" sz="half" idx="10"/>
+          </p:nvPr>
+        </p:nvSpPr>
+        <p:spPr/>
+        <p:txBody>
+          <a:bodyPr/>
+          <a:lstStyle/>
+          <a:p>
+            <a:pPr>
+              <a:defRPr/>
+            </a:pPr>
+            <a:r>
+              <a:rPr lang="en-US" smtClean="0"/>
+              <a:t>28 Feb. 2013</a:t>
+            </a:r>
+            <a:endParaRPr lang="en-GB" dirty="0"/>
+          </a:p>
+        </p:txBody>
+      </p:sp>
+      <p:sp>
+        <p:nvSpPr>
+          <p:cNvPr id="5" name="Footer Placeholder 4"/>
+          <p:cNvSpPr>
+            <a:spLocks noGrp="1"/>
+          </p:cNvSpPr>
+          <p:nvPr>
+            <p:ph type="ftr" sz="quarter" idx="11"/>
+          </p:nvPr>
+        </p:nvSpPr>
+        <p:spPr/>
+        <p:txBody>
+          <a:bodyPr/>
+          <a:lstStyle/>
+          <a:p>
+            <a:pPr>
+              <a:defRPr/>
+            </a:pPr>
+            <a:r>
+              <a:rPr lang="fr-LU" smtClean="0"/>
+              <a:t>Introduction to agile methods</a:t>
+            </a:r>
+            <a:endParaRPr lang="en-GB" dirty="0"/>
+          </a:p>
+        </p:txBody>
+      </p:sp>
+      <p:sp>
+        <p:nvSpPr>
+          <p:cNvPr id="4" name="Slide Number Placeholder 3"/>
+          <p:cNvSpPr>
+            <a:spLocks noGrp="1"/>
+          </p:cNvSpPr>
+          <p:nvPr>
+            <p:ph type="sldNum" sz="quarter" idx="12"/>
+          </p:nvPr>
+        </p:nvSpPr>
+        <p:spPr/>
+        <p:txBody>
+          <a:bodyPr/>
+          <a:lstStyle/>
+          <a:p>
+            <a:pPr>
+              <a:defRPr/>
+            </a:pPr>
+            <a:fld id="{684DB56D-94B7-41CB-A6D7-5E8E90856FDB}" type="slidenum">
+              <a:rPr lang="en-GB"/>
+              <a:pPr>
+                <a:defRPr/>
+              </a:pPr>
+              <a:t>15</a:t>
+            </a:fld>
+            <a:endParaRPr lang="en-GB"/>
+          </a:p>
+        </p:txBody>
+      </p:sp>
+      <p:sp>
+        <p:nvSpPr>
+          <p:cNvPr id="2" name="Content Placeholder 1"/>
+          <p:cNvSpPr>
+            <a:spLocks noGrp="1"/>
+          </p:cNvSpPr>
+          <p:nvPr>
+            <p:ph idx="1"/>
+          </p:nvPr>
+        </p:nvSpPr>
+        <p:spPr/>
+        <p:txBody>
+          <a:bodyPr/>
+          <a:lstStyle/>
+          <a:p>
+            <a:r>
+              <a:rPr lang="en-US" dirty="0" err="1" smtClean="0"/>
+              <a:t>sinonJS</a:t>
+            </a:r>
+            <a:r>
+              <a:rPr lang="en-US" dirty="0" smtClean="0"/>
+              <a:t> - Mock</a:t>
+            </a:r>
+          </a:p>
+          <a:p>
+            <a:endParaRPr lang="en-US" dirty="0"/>
+          </a:p>
+          <a:p>
+            <a:pPr lvl="1"/>
+            <a:r>
+              <a:rPr lang="en-US" dirty="0"/>
+              <a:t>Mocks (and mock expectations) are fake methods (like spies) with pre-programmed behavior (like stubs) as well </a:t>
+            </a:r>
+            <a:r>
+              <a:rPr lang="en-US" b="1" dirty="0"/>
+              <a:t>as pre-programmed expectations</a:t>
+            </a:r>
+            <a:r>
+              <a:rPr lang="en-US" dirty="0"/>
+              <a:t>. </a:t>
+            </a:r>
+            <a:br>
+              <a:rPr lang="en-US" dirty="0"/>
+            </a:br>
+            <a:r>
+              <a:rPr lang="en-US" dirty="0" smtClean="0"/>
+              <a:t>A </a:t>
+            </a:r>
+            <a:r>
+              <a:rPr lang="en-US" dirty="0"/>
+              <a:t>mock will fail your test if it is not used as expected.</a:t>
+            </a:r>
+            <a:endParaRPr lang="en-US" b="1" dirty="0" smtClean="0"/>
+          </a:p>
+        </p:txBody>
+      </p:sp>
+    </p:spTree>
+    <p:extLst>
+      <p:ext uri="{BB962C8B-B14F-4D97-AF65-F5344CB8AC3E}">
+        <p14:creationId xmlns:p14="http://schemas.microsoft.com/office/powerpoint/2010/main" val="1761250573"/>
+      </p:ext>
+    </p:extLst>
+  </p:cSld>
+  <p:clrMapOvr>
+    <a:masterClrMapping/>
+  </p:clrMapOvr>
+  <p:transition/>
+  <p:timing>
+    <p:tnLst>
+      <p:par>
+        <p:cTn id="1" dur="indefinite" restart="never" nodeType="tmRoot"/>
+      </p:par>
+    </p:tnLst>
+  </p:timing>
+</p:sld>
+</file>
+
+<file path=ppt/slides/slide16.xml><?xml version="1.0" encoding="utf-8"?>
+<p:sld xmlns:a="http://schemas.openxmlformats.org/drawingml/2006/main" xmlns:r="http://schemas.openxmlformats.org/officeDocument/2006/relationships" xmlns:p="http://schemas.openxmlformats.org/presentationml/2006/main">
+  <p:cSld>
+    <p:spTree>
+      <p:nvGrpSpPr>
+        <p:cNvPr id="1" name=""/>
+        <p:cNvGrpSpPr/>
+        <p:nvPr/>
+      </p:nvGrpSpPr>
+      <p:grpSpPr>
+        <a:xfrm>
+          <a:off x="0" y="0"/>
+          <a:ext cx="0" cy="0"/>
+          <a:chOff x="0" y="0"/>
+          <a:chExt cx="0" cy="0"/>
+        </a:xfrm>
+      </p:grpSpPr>
+      <p:sp>
+        <p:nvSpPr>
+          <p:cNvPr id="27653" name="Title 5"/>
+          <p:cNvSpPr>
+            <a:spLocks noGrp="1"/>
+          </p:cNvSpPr>
+          <p:nvPr>
+            <p:ph type="title"/>
+          </p:nvPr>
+        </p:nvSpPr>
+        <p:spPr/>
+        <p:txBody>
+          <a:bodyPr/>
+          <a:lstStyle/>
+          <a:p>
+            <a:endParaRPr lang="fr-LU" dirty="0" smtClean="0"/>
+          </a:p>
+        </p:txBody>
+      </p:sp>
+      <p:sp>
+        <p:nvSpPr>
+          <p:cNvPr id="3" name="Date Placeholder 2"/>
+          <p:cNvSpPr>
+            <a:spLocks noGrp="1"/>
+          </p:cNvSpPr>
+          <p:nvPr>
+            <p:ph type="dt" sz="half" idx="10"/>
+          </p:nvPr>
+        </p:nvSpPr>
+        <p:spPr/>
+        <p:txBody>
+          <a:bodyPr/>
+          <a:lstStyle/>
+          <a:p>
+            <a:pPr>
+              <a:defRPr/>
+            </a:pPr>
+            <a:r>
+              <a:rPr lang="en-US" smtClean="0"/>
+              <a:t>28 Feb. 2013</a:t>
+            </a:r>
+            <a:endParaRPr lang="en-GB" dirty="0"/>
+          </a:p>
+        </p:txBody>
+      </p:sp>
+      <p:sp>
+        <p:nvSpPr>
+          <p:cNvPr id="5" name="Footer Placeholder 4"/>
+          <p:cNvSpPr>
+            <a:spLocks noGrp="1"/>
+          </p:cNvSpPr>
+          <p:nvPr>
+            <p:ph type="ftr" sz="quarter" idx="11"/>
+          </p:nvPr>
+        </p:nvSpPr>
+        <p:spPr/>
+        <p:txBody>
+          <a:bodyPr/>
+          <a:lstStyle/>
+          <a:p>
+            <a:pPr>
+              <a:defRPr/>
+            </a:pPr>
+            <a:r>
+              <a:rPr lang="fr-LU" smtClean="0"/>
+              <a:t>Introduction to agile methods</a:t>
+            </a:r>
+            <a:endParaRPr lang="en-GB" dirty="0"/>
+          </a:p>
+        </p:txBody>
+      </p:sp>
+      <p:sp>
+        <p:nvSpPr>
+          <p:cNvPr id="4" name="Slide Number Placeholder 3"/>
+          <p:cNvSpPr>
+            <a:spLocks noGrp="1"/>
+          </p:cNvSpPr>
+          <p:nvPr>
+            <p:ph type="sldNum" sz="quarter" idx="12"/>
+          </p:nvPr>
+        </p:nvSpPr>
+        <p:spPr/>
+        <p:txBody>
+          <a:bodyPr/>
+          <a:lstStyle/>
+          <a:p>
+            <a:pPr>
+              <a:defRPr/>
+            </a:pPr>
+            <a:fld id="{684DB56D-94B7-41CB-A6D7-5E8E90856FDB}" type="slidenum">
+              <a:rPr lang="en-GB"/>
+              <a:pPr>
+                <a:defRPr/>
+              </a:pPr>
+              <a:t>16</a:t>
+            </a:fld>
+            <a:endParaRPr lang="en-GB"/>
+          </a:p>
+        </p:txBody>
+      </p:sp>
+      <p:sp>
+        <p:nvSpPr>
+          <p:cNvPr id="2" name="Content Placeholder 1"/>
+          <p:cNvSpPr>
+            <a:spLocks noGrp="1"/>
+          </p:cNvSpPr>
+          <p:nvPr>
+            <p:ph idx="1"/>
+          </p:nvPr>
+        </p:nvSpPr>
+        <p:spPr/>
+        <p:txBody>
+          <a:bodyPr/>
+          <a:lstStyle/>
+          <a:p>
+            <a:r>
+              <a:rPr lang="en-US" dirty="0" smtClean="0"/>
+              <a:t>Server</a:t>
+            </a:r>
+          </a:p>
+          <a:p>
+            <a:endParaRPr lang="en-US" dirty="0"/>
+          </a:p>
+          <a:p>
+            <a:pPr lvl="1"/>
+            <a:r>
+              <a:rPr lang="en-US" dirty="0" smtClean="0"/>
+              <a:t>Layered in :</a:t>
+            </a:r>
+          </a:p>
+          <a:p>
+            <a:pPr lvl="2"/>
+            <a:r>
+              <a:rPr lang="en-US" dirty="0" smtClean="0"/>
+              <a:t>Routes (controller)</a:t>
+            </a:r>
+          </a:p>
+          <a:p>
+            <a:pPr lvl="2"/>
+            <a:r>
+              <a:rPr lang="en-US" dirty="0" smtClean="0"/>
+              <a:t>Services</a:t>
+            </a:r>
+          </a:p>
+          <a:p>
+            <a:pPr lvl="2"/>
+            <a:r>
+              <a:rPr lang="en-US" dirty="0" smtClean="0"/>
+              <a:t>Repository</a:t>
+            </a:r>
+          </a:p>
+        </p:txBody>
+      </p:sp>
+    </p:spTree>
+    <p:extLst>
+      <p:ext uri="{BB962C8B-B14F-4D97-AF65-F5344CB8AC3E}">
+        <p14:creationId xmlns:p14="http://schemas.microsoft.com/office/powerpoint/2010/main" val="2006138722"/>
+      </p:ext>
+    </p:extLst>
+  </p:cSld>
+  <p:clrMapOvr>
+    <a:masterClrMapping/>
+  </p:clrMapOvr>
+  <p:transition/>
+  <p:timing>
+    <p:tnLst>
+      <p:par>
+        <p:cTn id="1" dur="indefinite" restart="never" nodeType="tmRoot"/>
+      </p:par>
+    </p:tnLst>
+  </p:timing>
+</p:sld>
+</file>
+
+<file path=ppt/slides/slide17.xml><?xml version="1.0" encoding="utf-8"?>
+<p:sld xmlns:a="http://schemas.openxmlformats.org/drawingml/2006/main" xmlns:r="http://schemas.openxmlformats.org/officeDocument/2006/relationships" xmlns:p="http://schemas.openxmlformats.org/presentationml/2006/main">
+  <p:cSld>
+    <p:spTree>
+      <p:nvGrpSpPr>
+        <p:cNvPr id="1" name=""/>
+        <p:cNvGrpSpPr/>
+        <p:nvPr/>
+      </p:nvGrpSpPr>
+      <p:grpSpPr>
+        <a:xfrm>
+          <a:off x="0" y="0"/>
+          <a:ext cx="0" cy="0"/>
+          <a:chOff x="0" y="0"/>
+          <a:chExt cx="0" cy="0"/>
+        </a:xfrm>
+      </p:grpSpPr>
+      <p:sp>
+        <p:nvSpPr>
+          <p:cNvPr id="27653" name="Title 5"/>
+          <p:cNvSpPr>
+            <a:spLocks noGrp="1"/>
+          </p:cNvSpPr>
+          <p:nvPr>
+            <p:ph type="title"/>
+          </p:nvPr>
+        </p:nvSpPr>
+        <p:spPr/>
+        <p:txBody>
+          <a:bodyPr/>
+          <a:lstStyle/>
+          <a:p>
+            <a:endParaRPr lang="fr-LU" dirty="0" smtClean="0"/>
+          </a:p>
+        </p:txBody>
+      </p:sp>
+      <p:sp>
+        <p:nvSpPr>
+          <p:cNvPr id="3" name="Date Placeholder 2"/>
+          <p:cNvSpPr>
+            <a:spLocks noGrp="1"/>
+          </p:cNvSpPr>
+          <p:nvPr>
+            <p:ph type="dt" sz="half" idx="10"/>
+          </p:nvPr>
+        </p:nvSpPr>
+        <p:spPr/>
+        <p:txBody>
+          <a:bodyPr/>
+          <a:lstStyle/>
+          <a:p>
+            <a:pPr>
+              <a:defRPr/>
+            </a:pPr>
+            <a:r>
+              <a:rPr lang="en-US" smtClean="0"/>
+              <a:t>28 Feb. 2013</a:t>
+            </a:r>
+            <a:endParaRPr lang="en-GB" dirty="0"/>
+          </a:p>
+        </p:txBody>
+      </p:sp>
+      <p:sp>
+        <p:nvSpPr>
+          <p:cNvPr id="5" name="Footer Placeholder 4"/>
+          <p:cNvSpPr>
+            <a:spLocks noGrp="1"/>
+          </p:cNvSpPr>
+          <p:nvPr>
+            <p:ph type="ftr" sz="quarter" idx="11"/>
+          </p:nvPr>
+        </p:nvSpPr>
+        <p:spPr/>
+        <p:txBody>
+          <a:bodyPr/>
+          <a:lstStyle/>
+          <a:p>
+            <a:pPr>
+              <a:defRPr/>
+            </a:pPr>
+            <a:r>
+              <a:rPr lang="fr-LU" smtClean="0"/>
+              <a:t>Introduction to agile methods</a:t>
+            </a:r>
+            <a:endParaRPr lang="en-GB" dirty="0"/>
+          </a:p>
+        </p:txBody>
+      </p:sp>
+      <p:sp>
+        <p:nvSpPr>
+          <p:cNvPr id="4" name="Slide Number Placeholder 3"/>
+          <p:cNvSpPr>
+            <a:spLocks noGrp="1"/>
+          </p:cNvSpPr>
+          <p:nvPr>
+            <p:ph type="sldNum" sz="quarter" idx="12"/>
+          </p:nvPr>
+        </p:nvSpPr>
+        <p:spPr/>
+        <p:txBody>
+          <a:bodyPr/>
+          <a:lstStyle/>
+          <a:p>
+            <a:pPr>
+              <a:defRPr/>
+            </a:pPr>
+            <a:fld id="{684DB56D-94B7-41CB-A6D7-5E8E90856FDB}" type="slidenum">
+              <a:rPr lang="en-GB"/>
+              <a:pPr>
+                <a:defRPr/>
+              </a:pPr>
+              <a:t>17</a:t>
+            </a:fld>
+            <a:endParaRPr lang="en-GB"/>
+          </a:p>
+        </p:txBody>
+      </p:sp>
+      <p:sp>
+        <p:nvSpPr>
+          <p:cNvPr id="2" name="Content Placeholder 1"/>
+          <p:cNvSpPr>
+            <a:spLocks noGrp="1"/>
+          </p:cNvSpPr>
+          <p:nvPr>
+            <p:ph idx="1"/>
+          </p:nvPr>
+        </p:nvSpPr>
+        <p:spPr/>
+        <p:txBody>
+          <a:bodyPr/>
+          <a:lstStyle/>
+          <a:p>
+            <a:r>
+              <a:rPr lang="en-US" dirty="0" smtClean="0"/>
+              <a:t>Server</a:t>
+            </a:r>
+          </a:p>
+          <a:p>
+            <a:endParaRPr lang="en-US" dirty="0"/>
+          </a:p>
+          <a:p>
+            <a:pPr lvl="1"/>
+            <a:r>
+              <a:rPr lang="en-US" dirty="0" smtClean="0"/>
+              <a:t>Layered in :</a:t>
+            </a:r>
+          </a:p>
+          <a:p>
+            <a:pPr lvl="2"/>
+            <a:r>
+              <a:rPr lang="en-US" dirty="0" smtClean="0"/>
+              <a:t>Routes (controller) </a:t>
+            </a:r>
+            <a:r>
+              <a:rPr lang="en-US" dirty="0" smtClean="0">
+                <a:sym typeface="Wingdings"/>
+              </a:rPr>
+              <a:t> i/o glue</a:t>
+            </a:r>
+            <a:endParaRPr lang="en-US" dirty="0" smtClean="0"/>
+          </a:p>
+          <a:p>
+            <a:pPr lvl="2"/>
+            <a:r>
+              <a:rPr lang="en-US" dirty="0" smtClean="0"/>
+              <a:t>Services </a:t>
+            </a:r>
+            <a:r>
+              <a:rPr lang="en-US" dirty="0" smtClean="0">
+                <a:sym typeface="Wingdings"/>
+              </a:rPr>
+              <a:t> Business logic</a:t>
+            </a:r>
+            <a:endParaRPr lang="en-US" dirty="0" smtClean="0"/>
+          </a:p>
+          <a:p>
+            <a:pPr lvl="2"/>
+            <a:r>
+              <a:rPr lang="en-US" dirty="0" smtClean="0"/>
+              <a:t>Repository </a:t>
+            </a:r>
+            <a:r>
+              <a:rPr lang="en-US" dirty="0" smtClean="0">
+                <a:sym typeface="Wingdings"/>
+              </a:rPr>
+              <a:t> </a:t>
+            </a:r>
+            <a:r>
+              <a:rPr lang="en-US" dirty="0" err="1" smtClean="0">
+                <a:sym typeface="Wingdings"/>
+              </a:rPr>
+              <a:t>db</a:t>
+            </a:r>
+            <a:r>
+              <a:rPr lang="en-US" dirty="0" smtClean="0">
+                <a:sym typeface="Wingdings"/>
+              </a:rPr>
+              <a:t> glue</a:t>
+            </a:r>
+            <a:endParaRPr lang="en-US" dirty="0" smtClean="0"/>
+          </a:p>
+        </p:txBody>
+      </p:sp>
+    </p:spTree>
+    <p:extLst>
+      <p:ext uri="{BB962C8B-B14F-4D97-AF65-F5344CB8AC3E}">
+        <p14:creationId xmlns:p14="http://schemas.microsoft.com/office/powerpoint/2010/main" val="63299708"/>
+      </p:ext>
+    </p:extLst>
+  </p:cSld>
+  <p:clrMapOvr>
+    <a:masterClrMapping/>
+  </p:clrMapOvr>
+  <p:transition/>
+  <p:timing>
+    <p:tnLst>
+      <p:par>
+        <p:cTn id="1" dur="indefinite" restart="never" nodeType="tmRoot"/>
+      </p:par>
+    </p:tnLst>
+  </p:timing>
+</p:sld>
+</file>
+
+<file path=ppt/slides/slide18.xml><?xml version="1.0" encoding="utf-8"?>
+<p:sld xmlns:a="http://schemas.openxmlformats.org/drawingml/2006/main" xmlns:r="http://schemas.openxmlformats.org/officeDocument/2006/relationships" xmlns:p="http://schemas.openxmlformats.org/presentationml/2006/main">
+  <p:cSld>
+    <p:spTree>
+      <p:nvGrpSpPr>
+        <p:cNvPr id="1" name=""/>
+        <p:cNvGrpSpPr/>
+        <p:nvPr/>
+      </p:nvGrpSpPr>
+      <p:grpSpPr>
+        <a:xfrm>
+          <a:off x="0" y="0"/>
+          <a:ext cx="0" cy="0"/>
+          <a:chOff x="0" y="0"/>
+          <a:chExt cx="0" cy="0"/>
+        </a:xfrm>
+      </p:grpSpPr>
+      <p:sp>
+        <p:nvSpPr>
+          <p:cNvPr id="27653" name="Title 5"/>
+          <p:cNvSpPr>
+            <a:spLocks noGrp="1"/>
+          </p:cNvSpPr>
+          <p:nvPr>
+            <p:ph type="title"/>
+          </p:nvPr>
+        </p:nvSpPr>
+        <p:spPr/>
+        <p:txBody>
+          <a:bodyPr/>
+          <a:lstStyle/>
+          <a:p>
+            <a:endParaRPr lang="fr-LU" dirty="0" smtClean="0"/>
+          </a:p>
+        </p:txBody>
+      </p:sp>
+      <p:sp>
+        <p:nvSpPr>
+          <p:cNvPr id="3" name="Date Placeholder 2"/>
+          <p:cNvSpPr>
+            <a:spLocks noGrp="1"/>
+          </p:cNvSpPr>
+          <p:nvPr>
+            <p:ph type="dt" sz="half" idx="10"/>
+          </p:nvPr>
+        </p:nvSpPr>
+        <p:spPr/>
+        <p:txBody>
+          <a:bodyPr/>
+          <a:lstStyle/>
+          <a:p>
+            <a:pPr>
+              <a:defRPr/>
+            </a:pPr>
+            <a:r>
+              <a:rPr lang="en-US" smtClean="0"/>
+              <a:t>28 Feb. 2013</a:t>
+            </a:r>
+            <a:endParaRPr lang="en-GB" dirty="0"/>
+          </a:p>
+        </p:txBody>
+      </p:sp>
+      <p:sp>
+        <p:nvSpPr>
+          <p:cNvPr id="5" name="Footer Placeholder 4"/>
+          <p:cNvSpPr>
+            <a:spLocks noGrp="1"/>
+          </p:cNvSpPr>
+          <p:nvPr>
+            <p:ph type="ftr" sz="quarter" idx="11"/>
+          </p:nvPr>
+        </p:nvSpPr>
+        <p:spPr/>
+        <p:txBody>
+          <a:bodyPr/>
+          <a:lstStyle/>
+          <a:p>
+            <a:pPr>
+              <a:defRPr/>
+            </a:pPr>
+            <a:r>
+              <a:rPr lang="fr-LU" smtClean="0"/>
+              <a:t>Introduction to agile methods</a:t>
+            </a:r>
+            <a:endParaRPr lang="en-GB" dirty="0"/>
+          </a:p>
+        </p:txBody>
+      </p:sp>
+      <p:sp>
+        <p:nvSpPr>
+          <p:cNvPr id="4" name="Slide Number Placeholder 3"/>
+          <p:cNvSpPr>
+            <a:spLocks noGrp="1"/>
+          </p:cNvSpPr>
+          <p:nvPr>
+            <p:ph type="sldNum" sz="quarter" idx="12"/>
+          </p:nvPr>
+        </p:nvSpPr>
+        <p:spPr/>
+        <p:txBody>
+          <a:bodyPr/>
+          <a:lstStyle/>
+          <a:p>
+            <a:pPr>
+              <a:defRPr/>
+            </a:pPr>
+            <a:fld id="{684DB56D-94B7-41CB-A6D7-5E8E90856FDB}" type="slidenum">
+              <a:rPr lang="en-GB"/>
+              <a:pPr>
+                <a:defRPr/>
+              </a:pPr>
+              <a:t>18</a:t>
+            </a:fld>
+            <a:endParaRPr lang="en-GB"/>
+          </a:p>
+        </p:txBody>
+      </p:sp>
+      <p:sp>
+        <p:nvSpPr>
+          <p:cNvPr id="2" name="Content Placeholder 1"/>
+          <p:cNvSpPr>
+            <a:spLocks noGrp="1"/>
+          </p:cNvSpPr>
+          <p:nvPr>
+            <p:ph idx="1"/>
+          </p:nvPr>
+        </p:nvSpPr>
+        <p:spPr/>
+        <p:txBody>
+          <a:bodyPr/>
+          <a:lstStyle/>
+          <a:p>
+            <a:r>
+              <a:rPr lang="en-US" dirty="0" smtClean="0"/>
+              <a:t>Server</a:t>
+            </a:r>
+          </a:p>
+          <a:p>
+            <a:endParaRPr lang="en-US" dirty="0"/>
+          </a:p>
+          <a:p>
+            <a:pPr lvl="1"/>
+            <a:r>
+              <a:rPr lang="en-US" dirty="0" smtClean="0"/>
+              <a:t>Layered in :</a:t>
+            </a:r>
+          </a:p>
+          <a:p>
+            <a:pPr lvl="2"/>
+            <a:r>
+              <a:rPr lang="en-US" dirty="0" smtClean="0"/>
+              <a:t>Routes (controller) </a:t>
+            </a:r>
+            <a:r>
+              <a:rPr lang="en-US" dirty="0" smtClean="0">
+                <a:sym typeface="Wingdings"/>
+              </a:rPr>
+              <a:t> integration test</a:t>
+            </a:r>
+            <a:endParaRPr lang="en-US" dirty="0" smtClean="0"/>
+          </a:p>
+          <a:p>
+            <a:pPr lvl="2"/>
+            <a:r>
+              <a:rPr lang="en-US" dirty="0" smtClean="0"/>
+              <a:t>Services </a:t>
+            </a:r>
+            <a:r>
+              <a:rPr lang="en-US" dirty="0" smtClean="0">
+                <a:sym typeface="Wingdings"/>
+              </a:rPr>
+              <a:t> unit test, stubs, mocks…</a:t>
+            </a:r>
+            <a:endParaRPr lang="en-US" dirty="0" smtClean="0"/>
+          </a:p>
+          <a:p>
+            <a:pPr lvl="2"/>
+            <a:r>
+              <a:rPr lang="en-US" dirty="0" smtClean="0"/>
+              <a:t>Repository </a:t>
+            </a:r>
+            <a:r>
+              <a:rPr lang="en-US" dirty="0" smtClean="0">
+                <a:sym typeface="Wingdings"/>
+              </a:rPr>
+              <a:t> “don</a:t>
+            </a:r>
+            <a:r>
+              <a:rPr lang="fr-FR" dirty="0" smtClean="0">
+                <a:sym typeface="Wingdings"/>
+              </a:rPr>
+              <a:t>’</a:t>
+            </a:r>
+            <a:r>
+              <a:rPr lang="en-US" dirty="0" smtClean="0">
+                <a:sym typeface="Wingdings"/>
+              </a:rPr>
+              <a:t>t test the product”</a:t>
+            </a:r>
+            <a:endParaRPr lang="en-US" dirty="0" smtClean="0"/>
+          </a:p>
+        </p:txBody>
+      </p:sp>
+    </p:spTree>
+    <p:extLst>
+      <p:ext uri="{BB962C8B-B14F-4D97-AF65-F5344CB8AC3E}">
+        <p14:creationId xmlns:p14="http://schemas.microsoft.com/office/powerpoint/2010/main" val="1476453195"/>
+      </p:ext>
+    </p:extLst>
+  </p:cSld>
+  <p:clrMapOvr>
+    <a:masterClrMapping/>
+  </p:clrMapOvr>
+  <p:transition/>
+  <p:timing>
+    <p:tnLst>
+      <p:par>
+        <p:cTn id="1" dur="indefinite" restart="never" nodeType="tmRoot"/>
+      </p:par>
+    </p:tnLst>
+  </p:timing>
+</p:sld>
+</file>
+
+<file path=ppt/slides/slide19.xml><?xml version="1.0" encoding="utf-8"?>
+<p:sld xmlns:a="http://schemas.openxmlformats.org/drawingml/2006/main" xmlns:r="http://schemas.openxmlformats.org/officeDocument/2006/relationships" xmlns:p="http://schemas.openxmlformats.org/presentationml/2006/main">
+  <p:cSld>
+    <p:spTree>
+      <p:nvGrpSpPr>
+        <p:cNvPr id="1" name=""/>
+        <p:cNvGrpSpPr/>
+        <p:nvPr/>
+      </p:nvGrpSpPr>
+      <p:grpSpPr>
+        <a:xfrm>
+          <a:off x="0" y="0"/>
+          <a:ext cx="0" cy="0"/>
+          <a:chOff x="0" y="0"/>
+          <a:chExt cx="0" cy="0"/>
+        </a:xfrm>
+      </p:grpSpPr>
+      <p:sp>
+        <p:nvSpPr>
+          <p:cNvPr id="27653" name="Title 5"/>
+          <p:cNvSpPr>
+            <a:spLocks noGrp="1"/>
+          </p:cNvSpPr>
+          <p:nvPr>
+            <p:ph type="title"/>
+          </p:nvPr>
+        </p:nvSpPr>
+        <p:spPr/>
+        <p:txBody>
+          <a:bodyPr/>
+          <a:lstStyle/>
+          <a:p>
+            <a:endParaRPr lang="fr-LU" dirty="0" smtClean="0"/>
+          </a:p>
+        </p:txBody>
+      </p:sp>
+      <p:sp>
+        <p:nvSpPr>
+          <p:cNvPr id="3" name="Date Placeholder 2"/>
+          <p:cNvSpPr>
+            <a:spLocks noGrp="1"/>
+          </p:cNvSpPr>
+          <p:nvPr>
+            <p:ph type="dt" sz="half" idx="10"/>
+          </p:nvPr>
+        </p:nvSpPr>
+        <p:spPr/>
+        <p:txBody>
+          <a:bodyPr/>
+          <a:lstStyle/>
+          <a:p>
+            <a:pPr>
+              <a:defRPr/>
+            </a:pPr>
+            <a:r>
+              <a:rPr lang="en-US" smtClean="0"/>
+              <a:t>28 Feb. 2013</a:t>
+            </a:r>
+            <a:endParaRPr lang="en-GB" dirty="0"/>
+          </a:p>
+        </p:txBody>
+      </p:sp>
+      <p:sp>
+        <p:nvSpPr>
+          <p:cNvPr id="5" name="Footer Placeholder 4"/>
+          <p:cNvSpPr>
+            <a:spLocks noGrp="1"/>
+          </p:cNvSpPr>
+          <p:nvPr>
+            <p:ph type="ftr" sz="quarter" idx="11"/>
+          </p:nvPr>
+        </p:nvSpPr>
+        <p:spPr/>
+        <p:txBody>
+          <a:bodyPr/>
+          <a:lstStyle/>
+          <a:p>
+            <a:pPr>
+              <a:defRPr/>
+            </a:pPr>
+            <a:r>
+              <a:rPr lang="fr-LU" smtClean="0"/>
+              <a:t>Introduction to agile methods</a:t>
+            </a:r>
+            <a:endParaRPr lang="en-GB" dirty="0"/>
+          </a:p>
+        </p:txBody>
+      </p:sp>
+      <p:sp>
+        <p:nvSpPr>
+          <p:cNvPr id="4" name="Slide Number Placeholder 3"/>
+          <p:cNvSpPr>
+            <a:spLocks noGrp="1"/>
+          </p:cNvSpPr>
+          <p:nvPr>
+            <p:ph type="sldNum" sz="quarter" idx="12"/>
+          </p:nvPr>
+        </p:nvSpPr>
+        <p:spPr/>
+        <p:txBody>
+          <a:bodyPr/>
+          <a:lstStyle/>
+          <a:p>
+            <a:pPr>
+              <a:defRPr/>
+            </a:pPr>
+            <a:fld id="{684DB56D-94B7-41CB-A6D7-5E8E90856FDB}" type="slidenum">
+              <a:rPr lang="en-GB"/>
+              <a:pPr>
+                <a:defRPr/>
+              </a:pPr>
+              <a:t>19</a:t>
+            </a:fld>
+            <a:endParaRPr lang="en-GB"/>
+          </a:p>
+        </p:txBody>
+      </p:sp>
+      <p:sp>
+        <p:nvSpPr>
+          <p:cNvPr id="2" name="Content Placeholder 1"/>
+          <p:cNvSpPr>
+            <a:spLocks noGrp="1"/>
+          </p:cNvSpPr>
+          <p:nvPr>
+            <p:ph idx="1"/>
+          </p:nvPr>
+        </p:nvSpPr>
+        <p:spPr/>
+        <p:txBody>
+          <a:bodyPr/>
+          <a:lstStyle/>
+          <a:p>
+            <a:r>
+              <a:rPr lang="en-US" dirty="0" smtClean="0"/>
+              <a:t>Server</a:t>
+            </a:r>
+          </a:p>
+        </p:txBody>
+      </p:sp>
+    </p:spTree>
+    <p:extLst>
+      <p:ext uri="{BB962C8B-B14F-4D97-AF65-F5344CB8AC3E}">
+        <p14:creationId xmlns:p14="http://schemas.microsoft.com/office/powerpoint/2010/main" val="411826969"/>
+      </p:ext>
+    </p:extLst>
+  </p:cSld>
+  <p:clrMapOvr>
+    <a:masterClrMapping/>
+  </p:clrMapOvr>
+  <p:transition/>
+  <p:timing>
+    <p:tnLst>
+      <p:par>
+        <p:cTn id="1" dur="indefinite" restart="never" nodeType="tmRoot"/>
+      </p:par>
+    </p:tnLst>
+  </p:timing>
+</p:sld>
+</file>
+
+<file path=ppt/slides/slide2.xml><?xml version="1.0" encoding="utf-8"?>
+<p:sld xmlns:a="http://schemas.openxmlformats.org/drawingml/2006/main" xmlns:r="http://schemas.openxmlformats.org/officeDocument/2006/relationships" xmlns:p="http://schemas.openxmlformats.org/presentationml/2006/main">
+  <p:cSld>
+    <p:spTree>
+      <p:nvGrpSpPr>
+        <p:cNvPr id="1" name=""/>
+        <p:cNvGrpSpPr/>
+        <p:nvPr/>
+      </p:nvGrpSpPr>
+      <p:grpSpPr>
+        <a:xfrm>
+          <a:off x="0" y="0"/>
+          <a:ext cx="0" cy="0"/>
+          <a:chOff x="0" y="0"/>
+          <a:chExt cx="0" cy="0"/>
+        </a:xfrm>
+      </p:grpSpPr>
+      <p:sp>
+        <p:nvSpPr>
+          <p:cNvPr id="14337" name="Rectangle 5"/>
+          <p:cNvSpPr>
+            <a:spLocks noGrp="1" noChangeArrowheads="1"/>
+          </p:cNvSpPr>
+          <p:nvPr>
+            <p:ph type="subTitle" idx="1"/>
+          </p:nvPr>
+        </p:nvSpPr>
+        <p:spPr>
+          <a:xfrm>
+            <a:off x="0" y="4567238"/>
+            <a:ext cx="9144000" cy="1076325"/>
+          </a:xfrm>
+        </p:spPr>
+        <p:txBody>
+          <a:bodyPr/>
+          <a:lstStyle/>
+          <a:p>
+            <a:pPr eaLnBrk="1" hangingPunct="1"/>
+            <a:r>
+              <a:rPr lang="en-GB" dirty="0" smtClean="0"/>
+              <a:t>24 April 2015</a:t>
+            </a:r>
+          </a:p>
+        </p:txBody>
+      </p:sp>
+      <p:sp>
+        <p:nvSpPr>
+          <p:cNvPr id="14338" name="Rectangle 6"/>
+          <p:cNvSpPr>
+            <a:spLocks noGrp="1" noChangeArrowheads="1"/>
+          </p:cNvSpPr>
+          <p:nvPr>
+            <p:ph type="ctrTitle"/>
+          </p:nvPr>
+        </p:nvSpPr>
+        <p:spPr>
+          <a:xfrm>
+            <a:off x="0" y="3645024"/>
+            <a:ext cx="9144000" cy="676275"/>
+          </a:xfrm>
+        </p:spPr>
+        <p:txBody>
+          <a:bodyPr/>
+          <a:lstStyle/>
+          <a:p>
+            <a:r>
+              <a:rPr lang="en-US" b="1" dirty="0" smtClean="0"/>
+              <a:t>Brown Bag: </a:t>
+            </a:r>
+            <a:r>
+              <a:rPr lang="en-US" b="1" dirty="0" err="1" smtClean="0"/>
+              <a:t>Javascript</a:t>
+            </a:r>
+            <a:endParaRPr lang="en-US" b="1" dirty="0"/>
+          </a:p>
+        </p:txBody>
+      </p:sp>
+    </p:spTree>
+  </p:cSld>
+  <p:clrMapOvr>
+    <a:masterClrMapping/>
+  </p:clrMapOvr>
+  <p:timing>
+    <p:tnLst>
+      <p:par>
+        <p:cTn id="1" dur="indefinite" restart="never" nodeType="tmRoot"/>
+      </p:par>
+    </p:tnLst>
+  </p:timing>
+</p:sld>
+</file>
+
+<file path=ppt/slides/slide20.xml><?xml version="1.0" encoding="utf-8"?>
+<p:sld xmlns:a="http://schemas.openxmlformats.org/drawingml/2006/main" xmlns:r="http://schemas.openxmlformats.org/officeDocument/2006/relationships" xmlns:p="http://schemas.openxmlformats.org/presentationml/2006/main">
+  <p:cSld>
+    <p:spTree>
+      <p:nvGrpSpPr>
+        <p:cNvPr id="1" name=""/>
+        <p:cNvGrpSpPr/>
+        <p:nvPr/>
+      </p:nvGrpSpPr>
+      <p:grpSpPr>
+        <a:xfrm>
+          <a:off x="0" y="0"/>
+          <a:ext cx="0" cy="0"/>
+          <a:chOff x="0" y="0"/>
+          <a:chExt cx="0" cy="0"/>
+        </a:xfrm>
+      </p:grpSpPr>
+      <p:sp>
+        <p:nvSpPr>
+          <p:cNvPr id="27653" name="Title 5"/>
+          <p:cNvSpPr>
+            <a:spLocks noGrp="1"/>
+          </p:cNvSpPr>
+          <p:nvPr>
+            <p:ph type="title"/>
+          </p:nvPr>
+        </p:nvSpPr>
+        <p:spPr/>
+        <p:txBody>
+          <a:bodyPr/>
+          <a:lstStyle/>
+          <a:p>
+            <a:endParaRPr lang="fr-LU" dirty="0" smtClean="0"/>
+          </a:p>
+        </p:txBody>
+      </p:sp>
+      <p:sp>
+        <p:nvSpPr>
+          <p:cNvPr id="3" name="Date Placeholder 2"/>
+          <p:cNvSpPr>
+            <a:spLocks noGrp="1"/>
+          </p:cNvSpPr>
+          <p:nvPr>
+            <p:ph type="dt" sz="half" idx="10"/>
+          </p:nvPr>
+        </p:nvSpPr>
+        <p:spPr/>
+        <p:txBody>
+          <a:bodyPr/>
+          <a:lstStyle/>
+          <a:p>
+            <a:pPr>
+              <a:defRPr/>
+            </a:pPr>
+            <a:r>
+              <a:rPr lang="en-US" smtClean="0"/>
+              <a:t>28 Feb. 2013</a:t>
+            </a:r>
+            <a:endParaRPr lang="en-GB" dirty="0"/>
+          </a:p>
+        </p:txBody>
+      </p:sp>
+      <p:sp>
+        <p:nvSpPr>
+          <p:cNvPr id="5" name="Footer Placeholder 4"/>
+          <p:cNvSpPr>
+            <a:spLocks noGrp="1"/>
+          </p:cNvSpPr>
+          <p:nvPr>
+            <p:ph type="ftr" sz="quarter" idx="11"/>
+          </p:nvPr>
+        </p:nvSpPr>
+        <p:spPr/>
+        <p:txBody>
+          <a:bodyPr/>
+          <a:lstStyle/>
+          <a:p>
+            <a:pPr>
+              <a:defRPr/>
+            </a:pPr>
+            <a:r>
+              <a:rPr lang="fr-LU" smtClean="0"/>
+              <a:t>Introduction to agile methods</a:t>
+            </a:r>
+            <a:endParaRPr lang="en-GB" dirty="0"/>
+          </a:p>
+        </p:txBody>
+      </p:sp>
+      <p:sp>
+        <p:nvSpPr>
+          <p:cNvPr id="4" name="Slide Number Placeholder 3"/>
+          <p:cNvSpPr>
+            <a:spLocks noGrp="1"/>
+          </p:cNvSpPr>
+          <p:nvPr>
+            <p:ph type="sldNum" sz="quarter" idx="12"/>
+          </p:nvPr>
+        </p:nvSpPr>
+        <p:spPr/>
+        <p:txBody>
+          <a:bodyPr/>
+          <a:lstStyle/>
+          <a:p>
+            <a:pPr>
+              <a:defRPr/>
+            </a:pPr>
+            <a:fld id="{684DB56D-94B7-41CB-A6D7-5E8E90856FDB}" type="slidenum">
+              <a:rPr lang="en-GB"/>
+              <a:pPr>
+                <a:defRPr/>
+              </a:pPr>
+              <a:t>20</a:t>
+            </a:fld>
+            <a:endParaRPr lang="en-GB"/>
+          </a:p>
+        </p:txBody>
+      </p:sp>
+      <p:sp>
+        <p:nvSpPr>
+          <p:cNvPr id="2" name="Content Placeholder 1"/>
+          <p:cNvSpPr>
+            <a:spLocks noGrp="1"/>
+          </p:cNvSpPr>
+          <p:nvPr>
+            <p:ph idx="1"/>
+          </p:nvPr>
+        </p:nvSpPr>
+        <p:spPr/>
+        <p:txBody>
+          <a:bodyPr/>
+          <a:lstStyle/>
+          <a:p>
+            <a:r>
+              <a:rPr lang="en-US" dirty="0" smtClean="0"/>
+              <a:t>Server</a:t>
+            </a:r>
+          </a:p>
+          <a:p>
+            <a:endParaRPr lang="en-US" dirty="0"/>
+          </a:p>
+          <a:p>
+            <a:pPr lvl="1"/>
+            <a:r>
+              <a:rPr lang="en-US" dirty="0" smtClean="0"/>
+              <a:t>Layered in :</a:t>
+            </a:r>
+          </a:p>
+          <a:p>
+            <a:pPr lvl="2"/>
+            <a:r>
+              <a:rPr lang="en-US" dirty="0" smtClean="0"/>
+              <a:t>Routes (controller) </a:t>
+            </a:r>
+            <a:r>
+              <a:rPr lang="en-US" dirty="0" smtClean="0">
+                <a:sym typeface="Wingdings"/>
+              </a:rPr>
+              <a:t> i/o glue</a:t>
+            </a:r>
+            <a:endParaRPr lang="en-US" dirty="0" smtClean="0"/>
+          </a:p>
+          <a:p>
+            <a:pPr lvl="2"/>
+            <a:r>
+              <a:rPr lang="en-US" dirty="0" smtClean="0"/>
+              <a:t>Services </a:t>
+            </a:r>
+            <a:r>
+              <a:rPr lang="en-US" dirty="0" smtClean="0">
+                <a:sym typeface="Wingdings"/>
+              </a:rPr>
+              <a:t> Business logic</a:t>
+            </a:r>
+            <a:endParaRPr lang="en-US" dirty="0" smtClean="0"/>
+          </a:p>
+          <a:p>
+            <a:pPr lvl="2"/>
+            <a:r>
+              <a:rPr lang="en-US" dirty="0" smtClean="0"/>
+              <a:t>Repository </a:t>
+            </a:r>
+            <a:r>
+              <a:rPr lang="en-US" dirty="0" smtClean="0">
+                <a:sym typeface="Wingdings"/>
+              </a:rPr>
+              <a:t> </a:t>
+            </a:r>
+            <a:r>
+              <a:rPr lang="en-US" dirty="0" err="1" smtClean="0">
+                <a:sym typeface="Wingdings"/>
+              </a:rPr>
+              <a:t>db</a:t>
+            </a:r>
+            <a:r>
+              <a:rPr lang="en-US" dirty="0" smtClean="0">
+                <a:sym typeface="Wingdings"/>
+              </a:rPr>
+              <a:t> glue</a:t>
+            </a:r>
+            <a:endParaRPr lang="en-US" dirty="0" smtClean="0"/>
+          </a:p>
+        </p:txBody>
+      </p:sp>
+    </p:spTree>
+    <p:extLst>
+      <p:ext uri="{BB962C8B-B14F-4D97-AF65-F5344CB8AC3E}">
+        <p14:creationId xmlns:p14="http://schemas.microsoft.com/office/powerpoint/2010/main" val="413360099"/>
+      </p:ext>
+    </p:extLst>
+  </p:cSld>
+  <p:clrMapOvr>
+    <a:masterClrMapping/>
+  </p:clrMapOvr>
+  <p:transition/>
+  <p:timing>
+    <p:tnLst>
+      <p:par>
+        <p:cTn id="1" dur="indefinite" restart="never" nodeType="tmRoot"/>
+      </p:par>
+    </p:tnLst>
+  </p:timing>
+</p:sld>
+</file>
+
+<file path=ppt/slides/slide21.xml><?xml version="1.0" encoding="utf-8"?>
+<p:sld xmlns:a="http://schemas.openxmlformats.org/drawingml/2006/main" xmlns:r="http://schemas.openxmlformats.org/officeDocument/2006/relationships" xmlns:p="http://schemas.openxmlformats.org/presentationml/2006/main">
+  <p:cSld>
+    <p:spTree>
+      <p:nvGrpSpPr>
+        <p:cNvPr id="1" name=""/>
+        <p:cNvGrpSpPr/>
+        <p:nvPr/>
+      </p:nvGrpSpPr>
+      <p:grpSpPr>
+        <a:xfrm>
+          <a:off x="0" y="0"/>
+          <a:ext cx="0" cy="0"/>
+          <a:chOff x="0" y="0"/>
+          <a:chExt cx="0" cy="0"/>
+        </a:xfrm>
+      </p:grpSpPr>
+      <p:sp>
+        <p:nvSpPr>
+          <p:cNvPr id="27653" name="Title 5"/>
+          <p:cNvSpPr>
+            <a:spLocks noGrp="1"/>
+          </p:cNvSpPr>
+          <p:nvPr>
+            <p:ph type="title"/>
+          </p:nvPr>
+        </p:nvSpPr>
+        <p:spPr/>
+        <p:txBody>
+          <a:bodyPr/>
+          <a:lstStyle/>
+          <a:p>
+            <a:endParaRPr lang="fr-LU" dirty="0" smtClean="0"/>
+          </a:p>
+        </p:txBody>
+      </p:sp>
+      <p:sp>
+        <p:nvSpPr>
+          <p:cNvPr id="3" name="Date Placeholder 2"/>
+          <p:cNvSpPr>
+            <a:spLocks noGrp="1"/>
+          </p:cNvSpPr>
+          <p:nvPr>
+            <p:ph type="dt" sz="half" idx="10"/>
+          </p:nvPr>
+        </p:nvSpPr>
+        <p:spPr/>
+        <p:txBody>
+          <a:bodyPr/>
+          <a:lstStyle/>
+          <a:p>
+            <a:pPr>
+              <a:defRPr/>
+            </a:pPr>
+            <a:r>
+              <a:rPr lang="en-US" smtClean="0"/>
+              <a:t>28 Feb. 2013</a:t>
+            </a:r>
+            <a:endParaRPr lang="en-GB" dirty="0"/>
+          </a:p>
+        </p:txBody>
+      </p:sp>
+      <p:sp>
+        <p:nvSpPr>
+          <p:cNvPr id="5" name="Footer Placeholder 4"/>
+          <p:cNvSpPr>
+            <a:spLocks noGrp="1"/>
+          </p:cNvSpPr>
+          <p:nvPr>
+            <p:ph type="ftr" sz="quarter" idx="11"/>
+          </p:nvPr>
+        </p:nvSpPr>
+        <p:spPr/>
+        <p:txBody>
+          <a:bodyPr/>
+          <a:lstStyle/>
+          <a:p>
+            <a:pPr>
+              <a:defRPr/>
+            </a:pPr>
+            <a:r>
+              <a:rPr lang="fr-LU" smtClean="0"/>
+              <a:t>Introduction to agile methods</a:t>
+            </a:r>
+            <a:endParaRPr lang="en-GB" dirty="0"/>
+          </a:p>
+        </p:txBody>
+      </p:sp>
+      <p:sp>
+        <p:nvSpPr>
+          <p:cNvPr id="4" name="Slide Number Placeholder 3"/>
+          <p:cNvSpPr>
+            <a:spLocks noGrp="1"/>
+          </p:cNvSpPr>
+          <p:nvPr>
+            <p:ph type="sldNum" sz="quarter" idx="12"/>
+          </p:nvPr>
+        </p:nvSpPr>
+        <p:spPr/>
+        <p:txBody>
+          <a:bodyPr/>
+          <a:lstStyle/>
+          <a:p>
+            <a:pPr>
+              <a:defRPr/>
+            </a:pPr>
+            <a:fld id="{684DB56D-94B7-41CB-A6D7-5E8E90856FDB}" type="slidenum">
+              <a:rPr lang="en-GB"/>
+              <a:pPr>
+                <a:defRPr/>
+              </a:pPr>
+              <a:t>21</a:t>
+            </a:fld>
+            <a:endParaRPr lang="en-GB"/>
+          </a:p>
+        </p:txBody>
+      </p:sp>
+      <p:sp>
+        <p:nvSpPr>
+          <p:cNvPr id="2" name="Content Placeholder 1"/>
+          <p:cNvSpPr>
+            <a:spLocks noGrp="1"/>
+          </p:cNvSpPr>
+          <p:nvPr>
+            <p:ph idx="1"/>
+          </p:nvPr>
+        </p:nvSpPr>
+        <p:spPr/>
+        <p:txBody>
+          <a:bodyPr/>
+          <a:lstStyle/>
+          <a:p>
+            <a:endParaRPr lang="en-US" dirty="0" smtClean="0"/>
+          </a:p>
+        </p:txBody>
+      </p:sp>
+    </p:spTree>
+    <p:extLst>
+      <p:ext uri="{BB962C8B-B14F-4D97-AF65-F5344CB8AC3E}">
+        <p14:creationId xmlns:p14="http://schemas.microsoft.com/office/powerpoint/2010/main" val="1407392292"/>
+      </p:ext>
+    </p:extLst>
+  </p:cSld>
+  <p:clrMapOvr>
+    <a:masterClrMapping/>
+  </p:clrMapOvr>
+  <p:transition/>
+  <p:timing>
+    <p:tnLst>
+      <p:par>
+        <p:cTn id="1" dur="indefinite" restart="never" nodeType="tmRoot"/>
+      </p:par>
+    </p:tnLst>
+  </p:timing>
+</p:sld>
+</file>
+
+<file path=ppt/slides/slide22.xml><?xml version="1.0" encoding="utf-8"?>
+<p:sld xmlns:a="http://schemas.openxmlformats.org/drawingml/2006/main" xmlns:r="http://schemas.openxmlformats.org/officeDocument/2006/relationships" xmlns:p="http://schemas.openxmlformats.org/presentationml/2006/main">
+  <p:cSld>
+    <p:spTree>
+      <p:nvGrpSpPr>
+        <p:cNvPr id="1" name=""/>
+        <p:cNvGrpSpPr/>
+        <p:nvPr/>
+      </p:nvGrpSpPr>
+      <p:grpSpPr>
+        <a:xfrm>
+          <a:off x="0" y="0"/>
+          <a:ext cx="0" cy="0"/>
+          <a:chOff x="0" y="0"/>
+          <a:chExt cx="0" cy="0"/>
+        </a:xfrm>
+      </p:grpSpPr>
+      <p:sp>
+        <p:nvSpPr>
+          <p:cNvPr id="27653" name="Title 5"/>
+          <p:cNvSpPr>
+            <a:spLocks noGrp="1"/>
+          </p:cNvSpPr>
+          <p:nvPr>
+            <p:ph type="title"/>
+          </p:nvPr>
+        </p:nvSpPr>
+        <p:spPr/>
+        <p:txBody>
+          <a:bodyPr/>
+          <a:lstStyle/>
+          <a:p>
+            <a:r>
+              <a:rPr lang="fr-LU" dirty="0" smtClean="0"/>
+              <a:t>QUESTIONS &amp; ANSWERS</a:t>
+            </a:r>
+          </a:p>
+        </p:txBody>
+      </p:sp>
+      <p:sp>
+        <p:nvSpPr>
+          <p:cNvPr id="3" name="Date Placeholder 2"/>
+          <p:cNvSpPr>
+            <a:spLocks noGrp="1"/>
+          </p:cNvSpPr>
+          <p:nvPr>
+            <p:ph type="dt" sz="half" idx="10"/>
+          </p:nvPr>
+        </p:nvSpPr>
+        <p:spPr/>
+        <p:txBody>
+          <a:bodyPr/>
+          <a:lstStyle/>
+          <a:p>
+            <a:pPr>
+              <a:defRPr/>
+            </a:pPr>
+            <a:r>
+              <a:rPr lang="en-US" smtClean="0"/>
+              <a:t>28 Feb. 2013</a:t>
+            </a:r>
+            <a:endParaRPr lang="en-GB" dirty="0"/>
+          </a:p>
+        </p:txBody>
+      </p:sp>
+      <p:sp>
+        <p:nvSpPr>
+          <p:cNvPr id="5" name="Footer Placeholder 4"/>
+          <p:cNvSpPr>
+            <a:spLocks noGrp="1"/>
+          </p:cNvSpPr>
+          <p:nvPr>
+            <p:ph type="ftr" sz="quarter" idx="11"/>
+          </p:nvPr>
+        </p:nvSpPr>
+        <p:spPr/>
+        <p:txBody>
+          <a:bodyPr/>
+          <a:lstStyle/>
+          <a:p>
+            <a:pPr>
+              <a:defRPr/>
+            </a:pPr>
+            <a:r>
+              <a:rPr lang="fr-LU" smtClean="0"/>
+              <a:t>Introduction to agile methods</a:t>
+            </a:r>
+            <a:endParaRPr lang="en-GB" dirty="0"/>
+          </a:p>
+        </p:txBody>
+      </p:sp>
+      <p:sp>
+        <p:nvSpPr>
+          <p:cNvPr id="4" name="Slide Number Placeholder 3"/>
+          <p:cNvSpPr>
+            <a:spLocks noGrp="1"/>
+          </p:cNvSpPr>
+          <p:nvPr>
+            <p:ph type="sldNum" sz="quarter" idx="12"/>
+          </p:nvPr>
+        </p:nvSpPr>
+        <p:spPr/>
+        <p:txBody>
+          <a:bodyPr/>
+          <a:lstStyle/>
+          <a:p>
+            <a:pPr>
+              <a:defRPr/>
+            </a:pPr>
+            <a:fld id="{684DB56D-94B7-41CB-A6D7-5E8E90856FDB}" type="slidenum">
+              <a:rPr lang="en-GB"/>
+              <a:pPr>
+                <a:defRPr/>
+              </a:pPr>
+              <a:t>22</a:t>
+            </a:fld>
+            <a:endParaRPr lang="en-GB"/>
+          </a:p>
+        </p:txBody>
+      </p:sp>
+      <p:pic>
+        <p:nvPicPr>
+          <p:cNvPr id="9" name="Picture 2" descr="C:\Documents and Settings\schery\Local Settings\Temporary Internet Files\Content.IE5\4QEP0CY2\MCj04348590000[1].png"/>
+          <p:cNvPicPr>
+            <a:picLocks noGrp="1" noChangeAspect="1" noChangeArrowheads="1"/>
+          </p:cNvPicPr>
+          <p:nvPr>
+            <p:ph idx="1"/>
+          </p:nvPr>
+        </p:nvPicPr>
+        <p:blipFill>
+          <a:blip r:embed="rId2"/>
+          <a:srcRect/>
+          <a:stretch>
+            <a:fillRect/>
+          </a:stretch>
+        </p:blipFill>
+        <p:spPr bwMode="auto">
+          <a:xfrm>
+            <a:off x="3714750" y="2741613"/>
+            <a:ext cx="1714500" cy="1714500"/>
+          </a:xfrm>
+          <a:prstGeom prst="rect">
+            <a:avLst/>
+          </a:prstGeom>
+          <a:noFill/>
+        </p:spPr>
+      </p:pic>
+    </p:spTree>
+  </p:cSld>
+  <p:clrMapOvr>
+    <a:masterClrMapping/>
+  </p:clrMapOvr>
+  <p:transition/>
+  <p:timing>
+    <p:tnLst>
+      <p:par>
+        <p:cTn id="1" dur="indefinite" restart="never" nodeType="tmRoot"/>
+      </p:par>
+    </p:tnLst>
+  </p:timing>
+</p:sld>
+</file>
+
+<file path=ppt/slides/slide23.xml><?xml version="1.0" encoding="utf-8"?>
+<p:sld xmlns:a="http://schemas.openxmlformats.org/drawingml/2006/main" xmlns:r="http://schemas.openxmlformats.org/officeDocument/2006/relationships" xmlns:p="http://schemas.openxmlformats.org/presentationml/2006/main">
+  <p:cSld>
+    <p:spTree>
+      <p:nvGrpSpPr>
+        <p:cNvPr id="1" name=""/>
+        <p:cNvGrpSpPr/>
+        <p:nvPr/>
+      </p:nvGrpSpPr>
+      <p:grpSpPr>
+        <a:xfrm>
+          <a:off x="0" y="0"/>
+          <a:ext cx="0" cy="0"/>
+          <a:chOff x="0" y="0"/>
+          <a:chExt cx="0" cy="0"/>
+        </a:xfrm>
+      </p:grpSpPr>
+      <p:sp>
+        <p:nvSpPr>
+          <p:cNvPr id="2" name="Title 1"/>
+          <p:cNvSpPr>
+            <a:spLocks noGrp="1"/>
+          </p:cNvSpPr>
+          <p:nvPr>
+            <p:ph type="title"/>
+          </p:nvPr>
+        </p:nvSpPr>
+        <p:spPr/>
+        <p:txBody>
+          <a:bodyPr/>
+          <a:lstStyle/>
+          <a:p>
+            <a:r>
+              <a:rPr lang="en-US" dirty="0" smtClean="0">
+                <a:solidFill>
+                  <a:srgbClr val="525B6E"/>
+                </a:solidFill>
+              </a:rPr>
+              <a:t>YOUR FEEDBACK</a:t>
+            </a:r>
+            <a:endParaRPr lang="fr-FR" dirty="0">
+              <a:solidFill>
+                <a:srgbClr val="525B6E"/>
+              </a:solidFill>
+            </a:endParaRPr>
+          </a:p>
+        </p:txBody>
+      </p:sp>
+      <p:sp>
+        <p:nvSpPr>
+          <p:cNvPr id="3" name="Text Placeholder 2"/>
+          <p:cNvSpPr>
+            <a:spLocks noGrp="1"/>
+          </p:cNvSpPr>
+          <p:nvPr>
+            <p:ph type="body" idx="1"/>
+          </p:nvPr>
+        </p:nvSpPr>
+        <p:spPr/>
+        <p:txBody>
+          <a:bodyPr/>
+          <a:lstStyle/>
+          <a:p>
+            <a:endParaRPr lang="en-US" dirty="0"/>
+          </a:p>
+        </p:txBody>
+      </p:sp>
+      <p:sp>
+        <p:nvSpPr>
+          <p:cNvPr id="4" name="Date Placeholder 3"/>
+          <p:cNvSpPr>
+            <a:spLocks noGrp="1"/>
+          </p:cNvSpPr>
+          <p:nvPr>
+            <p:ph type="dt" sz="half" idx="10"/>
+          </p:nvPr>
+        </p:nvSpPr>
+        <p:spPr/>
+        <p:txBody>
+          <a:bodyPr/>
+          <a:lstStyle/>
+          <a:p>
+            <a:r>
+              <a:rPr lang="en-US" smtClean="0"/>
+              <a:t>28 Feb. 2013</a:t>
+            </a:r>
+            <a:endParaRPr lang="en-GB" dirty="0"/>
+          </a:p>
+        </p:txBody>
+      </p:sp>
+      <p:sp>
+        <p:nvSpPr>
+          <p:cNvPr id="6" name="Slide Number Placeholder 5"/>
+          <p:cNvSpPr>
+            <a:spLocks noGrp="1"/>
+          </p:cNvSpPr>
+          <p:nvPr>
+            <p:ph type="sldNum" sz="quarter" idx="12"/>
+          </p:nvPr>
+        </p:nvSpPr>
+        <p:spPr/>
+        <p:txBody>
+          <a:bodyPr/>
+          <a:lstStyle/>
+          <a:p>
+            <a:fld id="{2CFDF742-C97A-4DE4-AE03-D0A42DA7E310}" type="slidenum">
+              <a:rPr lang="en-GB" smtClean="0"/>
+              <a:pPr/>
+              <a:t>23</a:t>
+            </a:fld>
+            <a:endParaRPr lang="en-GB"/>
+          </a:p>
+        </p:txBody>
+      </p:sp>
+      <p:sp>
+        <p:nvSpPr>
+          <p:cNvPr id="7" name="Footer Placeholder 4"/>
+          <p:cNvSpPr>
+            <a:spLocks noGrp="1"/>
+          </p:cNvSpPr>
+          <p:nvPr>
+            <p:ph type="ftr" sz="quarter" idx="11"/>
+          </p:nvPr>
+        </p:nvSpPr>
+        <p:spPr>
+          <a:xfrm>
+            <a:off x="2051720" y="6553200"/>
+            <a:ext cx="5976664" cy="476250"/>
+          </a:xfrm>
+        </p:spPr>
+        <p:txBody>
+          <a:bodyPr/>
+          <a:lstStyle/>
+          <a:p>
+            <a:pPr>
+              <a:defRPr/>
+            </a:pPr>
+            <a:r>
+              <a:rPr lang="fr-LU" smtClean="0"/>
+              <a:t>Introduction to agile methods</a:t>
+            </a:r>
+            <a:endParaRPr lang="en-GB" dirty="0"/>
+          </a:p>
+        </p:txBody>
+      </p:sp>
+    </p:spTree>
+    <p:extLst>
+      <p:ext uri="{BB962C8B-B14F-4D97-AF65-F5344CB8AC3E}">
+        <p14:creationId xmlns:p14="http://schemas.microsoft.com/office/powerpoint/2010/main" val="1764059419"/>
+      </p:ext>
+    </p:extLst>
+  </p:cSld>
+  <p:clrMapOvr>
+    <a:masterClrMapping/>
+  </p:clrMapOvr>
+  <mc:AlternateContent xmlns:mc="http://schemas.openxmlformats.org/markup-compatibility/2006" xmlns:p14="http://schemas.microsoft.com/office/powerpoint/2010/main">
+    <mc:Choice Requires="p14">
+      <p:transition spd="slow" p14:dur="2000"/>
+    </mc:Choice>
+    <mc:Fallback xmlns="">
+      <p:transition spd="slow"/>
+    </mc:Fallback>
+  </mc:AlternateContent>
+  <p:timing>
+    <p:tnLst>
+      <p:par>
+        <p:cTn id="1" dur="indefinite" restart="never" nodeType="tmRoot"/>
+      </p:par>
+    </p:tnLst>
+  </p:timing>
+</p:sld>
+</file>
+
+<file path=ppt/slides/slide24.xml><?xml version="1.0" encoding="utf-8"?>
+<p:sld xmlns:a="http://schemas.openxmlformats.org/drawingml/2006/main" xmlns:r="http://schemas.openxmlformats.org/officeDocument/2006/relationships" xmlns:p="http://schemas.openxmlformats.org/presentationml/2006/main">
+  <p:cSld>
+    <p:spTree>
+      <p:nvGrpSpPr>
+        <p:cNvPr id="1" name=""/>
+        <p:cNvGrpSpPr/>
+        <p:nvPr/>
+      </p:nvGrpSpPr>
+      <p:grpSpPr>
+        <a:xfrm>
+          <a:off x="0" y="0"/>
+          <a:ext cx="0" cy="0"/>
+          <a:chOff x="0" y="0"/>
+          <a:chExt cx="0" cy="0"/>
+        </a:xfrm>
+      </p:grpSpPr>
+      <p:sp>
+        <p:nvSpPr>
+          <p:cNvPr id="2" name="Title 1"/>
+          <p:cNvSpPr>
+            <a:spLocks noGrp="1"/>
+          </p:cNvSpPr>
+          <p:nvPr>
+            <p:ph type="title"/>
+          </p:nvPr>
+        </p:nvSpPr>
+        <p:spPr/>
+        <p:txBody>
+          <a:bodyPr/>
+          <a:lstStyle/>
+          <a:p>
+            <a:r>
+              <a:rPr lang="fr-LU" dirty="0" smtClean="0"/>
+              <a:t>R.O.T.I for </a:t>
+            </a:r>
+            <a:r>
+              <a:rPr lang="fr-LU" dirty="0" err="1" smtClean="0"/>
+              <a:t>this</a:t>
+            </a:r>
+            <a:r>
+              <a:rPr lang="fr-LU" dirty="0" smtClean="0"/>
+              <a:t> SESSION</a:t>
+            </a:r>
+            <a:endParaRPr lang="fr-LU" dirty="0"/>
+          </a:p>
+        </p:txBody>
+      </p:sp>
+      <p:sp>
+        <p:nvSpPr>
+          <p:cNvPr id="4" name="Date Placeholder 3"/>
+          <p:cNvSpPr>
+            <a:spLocks noGrp="1"/>
+          </p:cNvSpPr>
+          <p:nvPr>
+            <p:ph type="dt" sz="half" idx="10"/>
+          </p:nvPr>
+        </p:nvSpPr>
+        <p:spPr/>
+        <p:txBody>
+          <a:bodyPr/>
+          <a:lstStyle/>
+          <a:p>
+            <a:r>
+              <a:rPr lang="en-US" smtClean="0"/>
+              <a:t>28 Feb. 2013</a:t>
+            </a:r>
+            <a:endParaRPr lang="en-GB" dirty="0"/>
+          </a:p>
+        </p:txBody>
+      </p:sp>
+      <p:sp>
+        <p:nvSpPr>
+          <p:cNvPr id="5" name="Footer Placeholder 4"/>
+          <p:cNvSpPr>
+            <a:spLocks noGrp="1"/>
+          </p:cNvSpPr>
+          <p:nvPr>
+            <p:ph type="ftr" sz="quarter" idx="11"/>
+          </p:nvPr>
+        </p:nvSpPr>
+        <p:spPr/>
+        <p:txBody>
+          <a:bodyPr/>
+          <a:lstStyle/>
+          <a:p>
+            <a:r>
+              <a:rPr lang="fr-LU" smtClean="0"/>
+              <a:t>Introduction to agile methods</a:t>
+            </a:r>
+            <a:endParaRPr lang="en-GB" dirty="0"/>
+          </a:p>
+        </p:txBody>
+      </p:sp>
+      <p:sp>
+        <p:nvSpPr>
+          <p:cNvPr id="6" name="Slide Number Placeholder 5"/>
+          <p:cNvSpPr>
+            <a:spLocks noGrp="1"/>
+          </p:cNvSpPr>
+          <p:nvPr>
+            <p:ph type="sldNum" sz="quarter" idx="12"/>
+          </p:nvPr>
+        </p:nvSpPr>
+        <p:spPr/>
+        <p:txBody>
+          <a:bodyPr/>
+          <a:lstStyle/>
+          <a:p>
+            <a:fld id="{9716DCE3-3314-4329-BDB9-F369F3DB74C6}" type="slidenum">
+              <a:rPr lang="en-GB" smtClean="0"/>
+              <a:pPr/>
+              <a:t>24</a:t>
+            </a:fld>
+            <a:endParaRPr lang="en-GB"/>
+          </a:p>
+        </p:txBody>
+      </p:sp>
+      <p:pic>
+        <p:nvPicPr>
+          <p:cNvPr id="275458" name="Picture 2"/>
+          <p:cNvPicPr>
+            <a:picLocks noGrp="1" noChangeAspect="1" noChangeArrowheads="1"/>
+          </p:cNvPicPr>
+          <p:nvPr>
+            <p:ph idx="1"/>
+          </p:nvPr>
+        </p:nvPicPr>
+        <p:blipFill>
+          <a:blip r:embed="rId2">
+            <a:extLst>
+              <a:ext uri="{28A0092B-C50C-407E-A947-70E740481C1C}">
+                <a14:useLocalDpi xmlns:a14="http://schemas.microsoft.com/office/drawing/2010/main" val="0"/>
+              </a:ext>
+            </a:extLst>
+          </a:blip>
+          <a:stretch>
+            <a:fillRect/>
+          </a:stretch>
+        </p:blipFill>
+        <p:spPr bwMode="auto">
+          <a:xfrm>
+            <a:off x="1187741" y="1071563"/>
+            <a:ext cx="6768516" cy="5054600"/>
+          </a:xfrm>
+          <a:prstGeom prst="rect">
+            <a:avLst/>
+          </a:prstGeom>
+          <a:noFill/>
+        </p:spPr>
+      </p:pic>
+      <p:sp>
+        <p:nvSpPr>
+          <p:cNvPr id="8" name="TextBox 7"/>
+          <p:cNvSpPr txBox="1"/>
+          <p:nvPr/>
+        </p:nvSpPr>
+        <p:spPr>
+          <a:xfrm>
+            <a:off x="5364088" y="5733256"/>
+            <a:ext cx="2592288" cy="288032"/>
+          </a:xfrm>
+          <a:prstGeom prst="rect">
+            <a:avLst/>
+          </a:prstGeom>
+          <a:solidFill>
+            <a:schemeClr val="bg1"/>
+          </a:solidFill>
+        </p:spPr>
+        <p:txBody>
+          <a:bodyPr wrap="square" rtlCol="0">
+            <a:spAutoFit/>
+          </a:bodyPr>
+          <a:lstStyle/>
+          <a:p>
+            <a:r>
+              <a:rPr lang="en-US" sz="1200" b="1" dirty="0" smtClean="0">
+                <a:solidFill>
+                  <a:srgbClr val="525B6E"/>
+                </a:solidFill>
+              </a:rPr>
+              <a:t>Source: </a:t>
+            </a:r>
+            <a:r>
+              <a:rPr lang="en-US" sz="1200" b="1" i="1" dirty="0" smtClean="0">
+                <a:solidFill>
+                  <a:srgbClr val="525B6E"/>
+                </a:solidFill>
+              </a:rPr>
+              <a:t>www.qualitystreet.fr</a:t>
+            </a:r>
+            <a:endParaRPr lang="en-US" sz="1200" b="1" dirty="0" smtClean="0">
+              <a:solidFill>
+                <a:srgbClr val="525B6E"/>
+              </a:solidFill>
+            </a:endParaRPr>
+          </a:p>
+        </p:txBody>
+      </p:sp>
+    </p:spTree>
+  </p:cSld>
+  <p:clrMapOvr>
+    <a:masterClrMapping/>
+  </p:clrMapOvr>
+  <p:timing>
+    <p:tnLst>
+      <p:par>
+        <p:cTn id="1" dur="indefinite" restart="never" nodeType="tmRoot"/>
+      </p:par>
+    </p:tnLst>
+  </p:timing>
+</p:sld>
+</file>
+
+<file path=ppt/slides/slide25.xml><?xml version="1.0" encoding="utf-8"?>
+<p:sld xmlns:a="http://schemas.openxmlformats.org/drawingml/2006/main" xmlns:r="http://schemas.openxmlformats.org/officeDocument/2006/relationships" xmlns:p="http://schemas.openxmlformats.org/presentationml/2006/main">
+  <p:cSld>
+    <p:spTree>
+      <p:nvGrpSpPr>
+        <p:cNvPr id="1" name=""/>
+        <p:cNvGrpSpPr/>
+        <p:nvPr/>
+      </p:nvGrpSpPr>
+      <p:grpSpPr>
+        <a:xfrm>
+          <a:off x="0" y="0"/>
+          <a:ext cx="0" cy="0"/>
+          <a:chOff x="0" y="0"/>
+          <a:chExt cx="0" cy="0"/>
+        </a:xfrm>
+      </p:grpSpPr>
+      <p:sp>
+        <p:nvSpPr>
+          <p:cNvPr id="2" name="Title 1"/>
+          <p:cNvSpPr>
+            <a:spLocks noGrp="1"/>
+          </p:cNvSpPr>
+          <p:nvPr>
+            <p:ph type="title"/>
+          </p:nvPr>
+        </p:nvSpPr>
+        <p:spPr/>
+        <p:txBody>
+          <a:bodyPr/>
+          <a:lstStyle/>
+          <a:p>
+            <a:r>
+              <a:rPr lang="en-US" dirty="0" smtClean="0"/>
+              <a:t>A FEW MORE QUESTIONS…</a:t>
+            </a:r>
+            <a:endParaRPr lang="en-US" dirty="0"/>
+          </a:p>
+        </p:txBody>
+      </p:sp>
+      <p:sp>
+        <p:nvSpPr>
+          <p:cNvPr id="3" name="Content Placeholder 2"/>
+          <p:cNvSpPr>
+            <a:spLocks noGrp="1"/>
+          </p:cNvSpPr>
+          <p:nvPr>
+            <p:ph idx="1"/>
+          </p:nvPr>
+        </p:nvSpPr>
+        <p:spPr/>
+        <p:txBody>
+          <a:bodyPr/>
+          <a:lstStyle/>
+          <a:p>
+            <a:r>
+              <a:rPr lang="fr-LU" dirty="0" err="1" smtClean="0"/>
+              <a:t>What</a:t>
+            </a:r>
+            <a:r>
+              <a:rPr lang="fr-LU" dirty="0" smtClean="0"/>
+              <a:t> </a:t>
+            </a:r>
+            <a:r>
+              <a:rPr lang="fr-LU" dirty="0" err="1" smtClean="0"/>
+              <a:t>did</a:t>
+            </a:r>
+            <a:r>
+              <a:rPr lang="fr-LU" dirty="0" smtClean="0"/>
+              <a:t> </a:t>
+            </a:r>
+            <a:r>
+              <a:rPr lang="fr-LU" dirty="0" err="1" smtClean="0"/>
+              <a:t>you</a:t>
+            </a:r>
+            <a:r>
+              <a:rPr lang="fr-LU" dirty="0" smtClean="0"/>
+              <a:t> </a:t>
+            </a:r>
+            <a:r>
+              <a:rPr lang="fr-LU" dirty="0" err="1" smtClean="0"/>
+              <a:t>like</a:t>
+            </a:r>
+            <a:r>
+              <a:rPr lang="fr-LU" dirty="0" smtClean="0"/>
+              <a:t> about </a:t>
+            </a:r>
+            <a:r>
+              <a:rPr lang="fr-LU" dirty="0" err="1" smtClean="0"/>
+              <a:t>it</a:t>
+            </a:r>
+            <a:r>
+              <a:rPr lang="fr-LU" dirty="0" smtClean="0"/>
+              <a:t>?</a:t>
+            </a:r>
+          </a:p>
+          <a:p>
+            <a:endParaRPr lang="fr-LU" dirty="0" smtClean="0"/>
+          </a:p>
+          <a:p>
+            <a:r>
+              <a:rPr lang="fr-LU" dirty="0" smtClean="0"/>
+              <a:t>To make it better… what shall we do?</a:t>
+            </a:r>
+          </a:p>
+          <a:p>
+            <a:endParaRPr lang="fr-LU" dirty="0"/>
+          </a:p>
+          <a:p>
+            <a:r>
+              <a:rPr lang="fr-LU" dirty="0" err="1" smtClean="0"/>
+              <a:t>What</a:t>
+            </a:r>
+            <a:r>
+              <a:rPr lang="fr-LU" dirty="0" smtClean="0"/>
+              <a:t> </a:t>
+            </a:r>
+            <a:r>
+              <a:rPr lang="fr-LU" dirty="0" err="1" smtClean="0"/>
+              <a:t>topic</a:t>
+            </a:r>
+            <a:r>
+              <a:rPr lang="fr-LU" dirty="0" smtClean="0"/>
+              <a:t>(s) </a:t>
+            </a:r>
+            <a:r>
+              <a:rPr lang="fr-LU" dirty="0" err="1" smtClean="0"/>
+              <a:t>would</a:t>
+            </a:r>
+            <a:r>
+              <a:rPr lang="fr-LU" dirty="0" smtClean="0"/>
+              <a:t> </a:t>
+            </a:r>
+            <a:r>
+              <a:rPr lang="fr-LU" dirty="0" err="1" smtClean="0"/>
+              <a:t>you</a:t>
+            </a:r>
+            <a:r>
+              <a:rPr lang="fr-LU" dirty="0" smtClean="0"/>
+              <a:t> </a:t>
+            </a:r>
+            <a:r>
+              <a:rPr lang="fr-LU" dirty="0" err="1" smtClean="0"/>
+              <a:t>like</a:t>
+            </a:r>
+            <a:r>
+              <a:rPr lang="fr-LU" dirty="0" smtClean="0"/>
+              <a:t> to </a:t>
+            </a:r>
+            <a:r>
+              <a:rPr lang="fr-LU" dirty="0" err="1" smtClean="0"/>
+              <a:t>discuss</a:t>
+            </a:r>
+            <a:r>
+              <a:rPr lang="fr-LU" dirty="0" smtClean="0"/>
+              <a:t> </a:t>
+            </a:r>
+            <a:r>
+              <a:rPr lang="fr-LU" dirty="0" err="1" smtClean="0"/>
+              <a:t>during</a:t>
+            </a:r>
+            <a:r>
+              <a:rPr lang="fr-LU" dirty="0" smtClean="0"/>
+              <a:t> a future session?</a:t>
+            </a:r>
+            <a:endParaRPr lang="fr-LU" dirty="0"/>
+          </a:p>
+        </p:txBody>
+      </p:sp>
+      <p:sp>
+        <p:nvSpPr>
+          <p:cNvPr id="4" name="Date Placeholder 3"/>
+          <p:cNvSpPr>
+            <a:spLocks noGrp="1"/>
+          </p:cNvSpPr>
+          <p:nvPr>
+            <p:ph type="dt" sz="half" idx="10"/>
+          </p:nvPr>
+        </p:nvSpPr>
+        <p:spPr/>
+        <p:txBody>
+          <a:bodyPr/>
+          <a:lstStyle/>
+          <a:p>
+            <a:r>
+              <a:rPr lang="en-US" smtClean="0"/>
+              <a:t>28 Feb. 2013</a:t>
+            </a:r>
+            <a:endParaRPr lang="en-GB" dirty="0"/>
+          </a:p>
+        </p:txBody>
+      </p:sp>
+      <p:sp>
+        <p:nvSpPr>
+          <p:cNvPr id="5" name="Footer Placeholder 4"/>
+          <p:cNvSpPr>
+            <a:spLocks noGrp="1"/>
+          </p:cNvSpPr>
+          <p:nvPr>
+            <p:ph type="ftr" sz="quarter" idx="11"/>
+          </p:nvPr>
+        </p:nvSpPr>
+        <p:spPr/>
+        <p:txBody>
+          <a:bodyPr/>
+          <a:lstStyle/>
+          <a:p>
+            <a:r>
+              <a:rPr lang="fr-LU" smtClean="0"/>
+              <a:t>Introduction to agile methods</a:t>
+            </a:r>
+            <a:endParaRPr lang="en-GB" dirty="0"/>
+          </a:p>
+        </p:txBody>
+      </p:sp>
+      <p:sp>
+        <p:nvSpPr>
+          <p:cNvPr id="6" name="Slide Number Placeholder 5"/>
+          <p:cNvSpPr>
+            <a:spLocks noGrp="1"/>
+          </p:cNvSpPr>
+          <p:nvPr>
+            <p:ph type="sldNum" sz="quarter" idx="12"/>
+          </p:nvPr>
+        </p:nvSpPr>
+        <p:spPr/>
+        <p:txBody>
+          <a:bodyPr/>
+          <a:lstStyle/>
+          <a:p>
+            <a:fld id="{9716DCE3-3314-4329-BDB9-F369F3DB74C6}" type="slidenum">
+              <a:rPr lang="en-GB" smtClean="0"/>
+              <a:pPr/>
+              <a:t>25</a:t>
+            </a:fld>
+            <a:endParaRPr lang="en-GB"/>
+          </a:p>
+        </p:txBody>
+      </p:sp>
+    </p:spTree>
+    <p:extLst>
+      <p:ext uri="{BB962C8B-B14F-4D97-AF65-F5344CB8AC3E}">
+        <p14:creationId xmlns:p14="http://schemas.microsoft.com/office/powerpoint/2010/main" val="1988118765"/>
+      </p:ext>
+    </p:extLst>
+  </p:cSld>
+  <p:clrMapOvr>
+    <a:masterClrMapping/>
+  </p:clrMapOvr>
+  <p:timing>
+    <p:tnLst>
+      <p:par>
+        <p:cTn id="1" dur="indefinite" restart="never" nodeType="tmRoot"/>
+      </p:par>
+    </p:tnLst>
+  </p:timing>
+</p:sld>
+</file>
+
+<file path=ppt/slides/slide26.xml><?xml version="1.0" encoding="utf-8"?>
+<p:sld xmlns:a="http://schemas.openxmlformats.org/drawingml/2006/main" xmlns:r="http://schemas.openxmlformats.org/officeDocument/2006/relationships" xmlns:p="http://schemas.openxmlformats.org/presentationml/2006/main">
+  <p:cSld>
+    <p:spTree>
+      <p:nvGrpSpPr>
+        <p:cNvPr id="1" name=""/>
+        <p:cNvGrpSpPr/>
+        <p:nvPr/>
+      </p:nvGrpSpPr>
+      <p:grpSpPr>
+        <a:xfrm>
+          <a:off x="0" y="0"/>
+          <a:ext cx="0" cy="0"/>
+          <a:chOff x="0" y="0"/>
+          <a:chExt cx="0" cy="0"/>
+        </a:xfrm>
+      </p:grpSpPr>
+      <p:sp>
+        <p:nvSpPr>
           <p:cNvPr id="2" name="Title 1"/>
           <p:cNvSpPr>
             <a:spLocks noGrp="1"/>
@@ -4757,7 +7665,7 @@
             <a:fld id="{2CFDF742-C97A-4DE4-AE03-D0A42DA7E310}" type="slidenum">
               <a:rPr lang="en-GB" smtClean="0"/>
               <a:pPr/>
-              <a:t>11</a:t>
+              <a:t>26</a:t>
             </a:fld>
             <a:endParaRPr lang="en-GB"/>
           </a:p>
@@ -4822,99 +7730,6 @@
 </p:sld>
 </file>
 
-<file path=ppt/slides/slide2.xml><?xml version="1.0" encoding="utf-8"?>
-<p:sld xmlns:a="http://schemas.openxmlformats.org/drawingml/2006/main" xmlns:r="http://schemas.openxmlformats.org/officeDocument/2006/relationships" xmlns:p="http://schemas.openxmlformats.org/presentationml/2006/main">
-  <p:cSld>
-    <p:spTree>
-      <p:nvGrpSpPr>
-        <p:cNvPr id="1" name=""/>
-        <p:cNvGrpSpPr/>
-        <p:nvPr/>
-      </p:nvGrpSpPr>
-      <p:grpSpPr>
-        <a:xfrm>
-          <a:off x="0" y="0"/>
-          <a:ext cx="0" cy="0"/>
-          <a:chOff x="0" y="0"/>
-          <a:chExt cx="0" cy="0"/>
-        </a:xfrm>
-      </p:grpSpPr>
-      <p:sp>
-        <p:nvSpPr>
-          <p:cNvPr id="14337" name="Rectangle 5"/>
-          <p:cNvSpPr>
-            <a:spLocks noGrp="1" noChangeArrowheads="1"/>
-          </p:cNvSpPr>
-          <p:nvPr>
-            <p:ph type="subTitle" idx="1"/>
-          </p:nvPr>
-        </p:nvSpPr>
-        <p:spPr>
-          <a:xfrm>
-            <a:off x="0" y="4567238"/>
-            <a:ext cx="9144000" cy="1076325"/>
-          </a:xfrm>
-        </p:spPr>
-        <p:txBody>
-          <a:bodyPr/>
-          <a:lstStyle/>
-          <a:p>
-            <a:pPr eaLnBrk="1" hangingPunct="1"/>
-            <a:r>
-              <a:rPr lang="en-GB" dirty="0" smtClean="0"/>
-              <a:t>24 April 2015</a:t>
-            </a:r>
-            <a:endParaRPr lang="en-GB" dirty="0" smtClean="0"/>
-          </a:p>
-        </p:txBody>
-      </p:sp>
-      <p:sp>
-        <p:nvSpPr>
-          <p:cNvPr id="14338" name="Rectangle 6"/>
-          <p:cNvSpPr>
-            <a:spLocks noGrp="1" noChangeArrowheads="1"/>
-          </p:cNvSpPr>
-          <p:nvPr>
-            <p:ph type="ctrTitle"/>
-          </p:nvPr>
-        </p:nvSpPr>
-        <p:spPr>
-          <a:xfrm>
-            <a:off x="0" y="3645024"/>
-            <a:ext cx="9144000" cy="676275"/>
-          </a:xfrm>
-        </p:spPr>
-        <p:txBody>
-          <a:bodyPr/>
-          <a:lstStyle/>
-          <a:p>
-            <a:r>
-              <a:rPr lang="en-US" b="1" dirty="0" smtClean="0"/>
-              <a:t>Brown Bag: </a:t>
-            </a:r>
-            <a:r>
-              <a:rPr lang="en-US" b="1" dirty="0" err="1" smtClean="0"/>
-              <a:t>Javascript</a:t>
-            </a:r>
-            <a:endParaRPr lang="en-US" b="1" dirty="0"/>
-          </a:p>
-        </p:txBody>
-      </p:sp>
-    </p:spTree>
-  </p:cSld>
-  <p:clrMapOvr>
-    <a:masterClrMapping/>
-  </p:clrMapOvr>
-  <p:timing>
-    <p:tnLst>
-      <p:par>
-        <p:cTn id="1" dur="indefinite" restart="never" nodeType="tmRoot"/>
-      </p:par>
-    </p:tnLst>
-  </p:timing>
-</p:sld>
-</file>
-
 <file path=ppt/slides/slide3.xml><?xml version="1.0" encoding="utf-8"?>
 <p:sld xmlns:a="http://schemas.openxmlformats.org/drawingml/2006/main" xmlns:r="http://schemas.openxmlformats.org/officeDocument/2006/relationships" xmlns:p="http://schemas.openxmlformats.org/presentationml/2006/main" show="0">
   <p:cSld>
@@ -5003,7 +7818,6 @@
               <a:rPr lang="fr-LU" sz="3600" dirty="0" smtClean="0"/>
               <a:t>How can we still use our best practices?</a:t>
             </a:r>
-            <a:endParaRPr lang="fr-LU" sz="3600" dirty="0" smtClean="0"/>
           </a:p>
         </p:txBody>
       </p:sp>
@@ -5277,14 +8091,14 @@
       </p:pic>
       <p:pic>
         <p:nvPicPr>
-          <p:cNvPr id="14" name="Picture 13" descr="unnamed.png"/>
+          <p:cNvPr id="7" name="Picture 6" descr="12e0a2f-1.jpg"/>
           <p:cNvPicPr>
             <a:picLocks noChangeAspect="1"/>
           </p:cNvPicPr>
           <p:nvPr/>
         </p:nvPicPr>
         <p:blipFill>
-          <a:blip r:embed="rId2">
+          <a:blip r:embed="rId3">
             <a:extLst>
               <a:ext uri="{28A0092B-C50C-407E-A947-70E740481C1C}">
                 <a14:useLocalDpi xmlns:a14="http://schemas.microsoft.com/office/drawing/2010/main" val="0"/>
@@ -5297,8 +8111,8 @@
         </p:blipFill>
         <p:spPr>
           <a:xfrm>
-            <a:off x="3923928" y="2304948"/>
-            <a:ext cx="1481584" cy="1481584"/>
+            <a:off x="3851920" y="2272432"/>
+            <a:ext cx="1486024" cy="1486024"/>
           </a:xfrm>
           <a:prstGeom prst="rect">
             <a:avLst/>
@@ -5307,14 +8121,14 @@
       </p:pic>
       <p:pic>
         <p:nvPicPr>
-          <p:cNvPr id="15" name="Picture 14" descr="unnamed.png"/>
+          <p:cNvPr id="8" name="Picture 7" descr="073a29c.jpg"/>
           <p:cNvPicPr>
             <a:picLocks noChangeAspect="1"/>
           </p:cNvPicPr>
           <p:nvPr/>
         </p:nvPicPr>
         <p:blipFill>
-          <a:blip r:embed="rId2">
+          <a:blip r:embed="rId4">
             <a:extLst>
               <a:ext uri="{28A0092B-C50C-407E-A947-70E740481C1C}">
                 <a14:useLocalDpi xmlns:a14="http://schemas.microsoft.com/office/drawing/2010/main" val="0"/>
@@ -5327,8 +8141,8 @@
         </p:blipFill>
         <p:spPr>
           <a:xfrm>
-            <a:off x="7122142" y="2318213"/>
-            <a:ext cx="1481584" cy="1481584"/>
+            <a:off x="7183636" y="2272432"/>
+            <a:ext cx="1503164" cy="1503164"/>
           </a:xfrm>
           <a:prstGeom prst="rect">
             <a:avLst/>
@@ -5438,7 +8252,6 @@
               <a:rPr lang="en-US" dirty="0" smtClean="0"/>
               <a:t>?</a:t>
             </a:r>
-            <a:endParaRPr lang="en-US" dirty="0" smtClean="0"/>
           </a:p>
           <a:p>
             <a:pPr marL="0" indent="0">
@@ -5598,7 +8411,7 @@
       </p:grpSpPr>
       <p:sp>
         <p:nvSpPr>
-          <p:cNvPr id="5" name="Title 4"/>
+          <p:cNvPr id="27653" name="Title 5"/>
           <p:cNvSpPr>
             <a:spLocks noGrp="1"/>
           </p:cNvSpPr>
@@ -5611,47 +8424,13 @@
           <a:bodyPr/>
           <a:lstStyle/>
           <a:p>
-            <a:r>
-              <a:rPr lang="fr-LU" dirty="0" smtClean="0"/>
-              <a:t>LET’S PLAY</a:t>
-            </a:r>
-            <a:endParaRPr lang="fr-LU" dirty="0"/>
-          </a:p>
-        </p:txBody>
-      </p:sp>
-      <p:sp>
-        <p:nvSpPr>
-          <p:cNvPr id="6" name="Content Placeholder 5"/>
-          <p:cNvSpPr>
-            <a:spLocks noGrp="1"/>
-          </p:cNvSpPr>
-          <p:nvPr>
-            <p:ph idx="1"/>
-          </p:nvPr>
-        </p:nvSpPr>
-        <p:spPr/>
-        <p:txBody>
-          <a:bodyPr>
-            <a:normAutofit/>
-          </a:bodyPr>
-          <a:lstStyle/>
-          <a:p>
-            <a:endParaRPr lang="fr-FR" sz="5400" dirty="0" smtClean="0"/>
-          </a:p>
-          <a:p>
-            <a:endParaRPr lang="fr-FR" sz="5400" dirty="0" smtClean="0"/>
-          </a:p>
-          <a:p>
-            <a:r>
-              <a:rPr lang="fr-FR" sz="5400" dirty="0" smtClean="0"/>
-              <a:t>Ball Point Game</a:t>
-            </a:r>
-          </a:p>
-        </p:txBody>
-      </p:sp>
-      <p:sp>
-        <p:nvSpPr>
-          <p:cNvPr id="8" name="Date Placeholder 7"/>
+            <a:endParaRPr lang="fr-LU" dirty="0" smtClean="0"/>
+          </a:p>
+        </p:txBody>
+      </p:sp>
+      <p:sp>
+        <p:nvSpPr>
+          <p:cNvPr id="3" name="Date Placeholder 2"/>
           <p:cNvSpPr>
             <a:spLocks noGrp="1"/>
           </p:cNvSpPr>
@@ -5664,6 +8443,9 @@
           <a:bodyPr/>
           <a:lstStyle/>
           <a:p>
+            <a:pPr>
+              <a:defRPr/>
+            </a:pPr>
             <a:r>
               <a:rPr lang="en-US" smtClean="0"/>
               <a:t>28 Feb. 2013</a:t>
@@ -5674,7 +8456,7 @@
       </p:sp>
       <p:sp>
         <p:nvSpPr>
-          <p:cNvPr id="10" name="Footer Placeholder 9"/>
+          <p:cNvPr id="5" name="Footer Placeholder 4"/>
           <p:cNvSpPr>
             <a:spLocks noGrp="1"/>
           </p:cNvSpPr>
@@ -5687,17 +8469,20 @@
           <a:bodyPr/>
           <a:lstStyle/>
           <a:p>
+            <a:pPr>
+              <a:defRPr/>
+            </a:pPr>
             <a:r>
               <a:rPr lang="fr-LU" smtClean="0"/>
               <a:t>Introduction to agile methods</a:t>
             </a:r>
-            <a:endParaRPr lang="en-GB"/>
-          </a:p>
-        </p:txBody>
-      </p:sp>
-      <p:sp>
-        <p:nvSpPr>
-          <p:cNvPr id="9" name="Slide Number Placeholder 8"/>
+            <a:endParaRPr lang="en-GB" dirty="0"/>
+          </a:p>
+        </p:txBody>
+      </p:sp>
+      <p:sp>
+        <p:nvSpPr>
+          <p:cNvPr id="4" name="Slide Number Placeholder 3"/>
           <p:cNvSpPr>
             <a:spLocks noGrp="1"/>
           </p:cNvSpPr>
@@ -5710,145 +8495,80 @@
           <a:bodyPr/>
           <a:lstStyle/>
           <a:p>
-            <a:fld id="{9716DCE3-3314-4329-BDB9-F369F3DB74C6}" type="slidenum">
-              <a:rPr lang="en-GB" smtClean="0"/>
-              <a:pPr/>
+            <a:pPr>
+              <a:defRPr/>
+            </a:pPr>
+            <a:fld id="{684DB56D-94B7-41CB-A6D7-5E8E90856FDB}" type="slidenum">
+              <a:rPr lang="en-GB"/>
+              <a:pPr>
+                <a:defRPr/>
+              </a:pPr>
               <a:t>6</a:t>
             </a:fld>
             <a:endParaRPr lang="en-GB"/>
           </a:p>
         </p:txBody>
       </p:sp>
-      <p:pic>
-        <p:nvPicPr>
-          <p:cNvPr id="197634" name="Picture 2" descr="C:\Users\schery\AppData\Local\Microsoft\Windows\Temporary Internet Files\Content.IE5\O7GJXTA3\MC900412556[1].wmf"/>
-          <p:cNvPicPr>
-            <a:picLocks noChangeAspect="1" noChangeArrowheads="1"/>
-          </p:cNvPicPr>
-          <p:nvPr/>
-        </p:nvPicPr>
-        <p:blipFill>
-          <a:blip r:embed="rId3" cstate="print">
-            <a:extLst>
-              <a:ext uri="{28A0092B-C50C-407E-A947-70E740481C1C}">
-                <a14:useLocalDpi xmlns:a14="http://schemas.microsoft.com/office/drawing/2010/main" val="0"/>
-              </a:ext>
-            </a:extLst>
-          </a:blip>
-          <a:srcRect/>
-          <a:stretch>
-            <a:fillRect/>
-          </a:stretch>
-        </p:blipFill>
-        <p:spPr bwMode="auto">
-          <a:xfrm>
-            <a:off x="6588224" y="908720"/>
-            <a:ext cx="2272420" cy="2254313"/>
-          </a:xfrm>
-          <a:prstGeom prst="rect">
-            <a:avLst/>
-          </a:prstGeom>
-          <a:noFill/>
-          <a:extLst>
-            <a:ext uri="{909E8E84-426E-40DD-AFC4-6F175D3DCCD1}">
-              <a14:hiddenFill xmlns:a14="http://schemas.microsoft.com/office/drawing/2010/main">
-                <a:solidFill>
-                  <a:srgbClr val="FFFFFF"/>
-                </a:solidFill>
-              </a14:hiddenFill>
-            </a:ext>
-          </a:extLst>
-        </p:spPr>
-      </p:pic>
-      <p:sp>
-        <p:nvSpPr>
-          <p:cNvPr id="2" name="Freeform 1"/>
-          <p:cNvSpPr/>
-          <p:nvPr/>
-        </p:nvSpPr>
-        <p:spPr>
-          <a:xfrm>
-            <a:off x="4626591" y="3084394"/>
-            <a:ext cx="2483893" cy="3197512"/>
-          </a:xfrm>
-          <a:custGeom>
-            <a:avLst/>
-            <a:gdLst>
-              <a:gd name="connsiteX0" fmla="*/ 0 w 2483893"/>
-              <a:gd name="connsiteY0" fmla="*/ 2019869 h 3197512"/>
-              <a:gd name="connsiteX1" fmla="*/ 1091821 w 2483893"/>
-              <a:gd name="connsiteY1" fmla="*/ 3111690 h 3197512"/>
-              <a:gd name="connsiteX2" fmla="*/ 2483893 w 2483893"/>
-              <a:gd name="connsiteY2" fmla="*/ 0 h 3197512"/>
-            </a:gdLst>
-            <a:ahLst/>
-            <a:cxnLst>
-              <a:cxn ang="0">
-                <a:pos x="connsiteX0" y="connsiteY0"/>
-              </a:cxn>
-              <a:cxn ang="0">
-                <a:pos x="connsiteX1" y="connsiteY1"/>
-              </a:cxn>
-              <a:cxn ang="0">
-                <a:pos x="connsiteX2" y="connsiteY2"/>
-              </a:cxn>
-            </a:cxnLst>
-            <a:rect l="l" t="t" r="r" b="b"/>
-            <a:pathLst>
-              <a:path w="2483893" h="3197512">
-                <a:moveTo>
-                  <a:pt x="0" y="2019869"/>
-                </a:moveTo>
-                <a:cubicBezTo>
-                  <a:pt x="338919" y="2734102"/>
-                  <a:pt x="677839" y="3448335"/>
-                  <a:pt x="1091821" y="3111690"/>
-                </a:cubicBezTo>
-                <a:cubicBezTo>
-                  <a:pt x="1505803" y="2775045"/>
-                  <a:pt x="1994848" y="1387522"/>
-                  <a:pt x="2483893" y="0"/>
-                </a:cubicBezTo>
-              </a:path>
-            </a:pathLst>
-          </a:custGeom>
-          <a:noFill/>
-        </p:spPr>
-        <p:style>
-          <a:lnRef idx="2">
-            <a:schemeClr val="accent1">
-              <a:shade val="50000"/>
-            </a:schemeClr>
-          </a:lnRef>
-          <a:fillRef idx="1">
-            <a:schemeClr val="accent1"/>
-          </a:fillRef>
-          <a:effectRef idx="0">
-            <a:schemeClr val="accent1"/>
-          </a:effectRef>
-          <a:fontRef idx="minor">
-            <a:schemeClr val="lt1"/>
-          </a:fontRef>
-        </p:style>
-        <p:txBody>
-          <a:bodyPr rtlCol="0" anchor="ctr"/>
-          <a:lstStyle/>
-          <a:p>
-            <a:pPr algn="ctr"/>
-            <a:endParaRPr lang="en-US"/>
+      <p:sp>
+        <p:nvSpPr>
+          <p:cNvPr id="2" name="Content Placeholder 1"/>
+          <p:cNvSpPr>
+            <a:spLocks noGrp="1"/>
+          </p:cNvSpPr>
+          <p:nvPr>
+            <p:ph idx="1"/>
+          </p:nvPr>
+        </p:nvSpPr>
+        <p:spPr/>
+        <p:txBody>
+          <a:bodyPr/>
+          <a:lstStyle/>
+          <a:p>
+            <a:endParaRPr lang="en-US" dirty="0" smtClean="0"/>
+          </a:p>
+          <a:p>
+            <a:endParaRPr lang="en-US" dirty="0"/>
+          </a:p>
+          <a:p>
+            <a:r>
+              <a:rPr lang="en-US" dirty="0" smtClean="0"/>
+              <a:t>Feedback on Goblin Shark project…</a:t>
+            </a:r>
+          </a:p>
+          <a:p>
+            <a:endParaRPr lang="en-US" dirty="0"/>
+          </a:p>
+          <a:p>
+            <a:endParaRPr lang="en-US" dirty="0" smtClean="0"/>
+          </a:p>
+          <a:p>
+            <a:r>
+              <a:rPr lang="en-US" dirty="0" smtClean="0"/>
+              <a:t>Let’s be happier: change scope!</a:t>
+            </a:r>
+          </a:p>
+          <a:p>
+            <a:pPr marL="457200" lvl="1" indent="0">
+              <a:buNone/>
+            </a:pPr>
+            <a:r>
+              <a:rPr lang="en-US" dirty="0" smtClean="0"/>
+              <a:t>We will sell some products…</a:t>
+            </a:r>
           </a:p>
         </p:txBody>
       </p:sp>
     </p:spTree>
     <p:extLst>
       <p:ext uri="{BB962C8B-B14F-4D97-AF65-F5344CB8AC3E}">
-        <p14:creationId xmlns:p14="http://schemas.microsoft.com/office/powerpoint/2010/main" val="879821883"/>
+        <p14:creationId xmlns:p14="http://schemas.microsoft.com/office/powerpoint/2010/main" val="1101513929"/>
       </p:ext>
     </p:extLst>
   </p:cSld>
   <p:clrMapOvr>
     <a:masterClrMapping/>
   </p:clrMapOvr>
+  <p:transition/>
   <p:timing>
     <p:tnLst>
       <p:par>
@@ -5891,10 +8611,7 @@
           <a:bodyPr/>
           <a:lstStyle/>
           <a:p>
-            <a:r>
-              <a:rPr lang="fr-LU" dirty="0" smtClean="0"/>
-              <a:t>QUESTIONS &amp; ANSWERS</a:t>
-            </a:r>
+            <a:endParaRPr lang="fr-LU" dirty="0" smtClean="0"/>
           </a:p>
         </p:txBody>
       </p:sp>
@@ -5979,35 +8696,128 @@
           </a:p>
         </p:txBody>
       </p:sp>
-      <p:pic>
-        <p:nvPicPr>
-          <p:cNvPr id="9" name="Picture 2" descr="C:\Documents and Settings\schery\Local Settings\Temporary Internet Files\Content.IE5\4QEP0CY2\MCj04348590000[1].png"/>
-          <p:cNvPicPr>
-            <a:picLocks noGrp="1" noChangeAspect="1" noChangeArrowheads="1"/>
-          </p:cNvPicPr>
+      <p:sp>
+        <p:nvSpPr>
+          <p:cNvPr id="2" name="Content Placeholder 1"/>
+          <p:cNvSpPr>
+            <a:spLocks noGrp="1"/>
+          </p:cNvSpPr>
           <p:nvPr>
             <p:ph idx="1"/>
           </p:nvPr>
-        </p:nvPicPr>
-        <p:blipFill>
-          <a:blip r:embed="rId2"/>
-          <a:srcRect/>
-          <a:stretch>
-            <a:fillRect/>
-          </a:stretch>
-        </p:blipFill>
-        <p:spPr bwMode="auto">
-          <a:xfrm>
-            <a:off x="3714750" y="2741613"/>
-            <a:ext cx="1714500" cy="1714500"/>
-          </a:xfrm>
-          <a:prstGeom prst="rect">
-            <a:avLst/>
-          </a:prstGeom>
-          <a:noFill/>
-        </p:spPr>
-      </p:pic>
+        </p:nvSpPr>
+        <p:spPr/>
+        <p:txBody>
+          <a:bodyPr/>
+          <a:lstStyle/>
+          <a:p>
+            <a:r>
+              <a:rPr lang="en-US" dirty="0" smtClean="0"/>
+              <a:t>Goblin Shark involve </a:t>
+            </a:r>
+            <a:r>
+              <a:rPr lang="en-US" dirty="0" err="1" smtClean="0"/>
+              <a:t>Javascript</a:t>
+            </a:r>
+            <a:r>
+              <a:rPr lang="en-US" dirty="0" smtClean="0"/>
+              <a:t> from the language to the tooling.</a:t>
+            </a:r>
+          </a:p>
+          <a:p>
+            <a:endParaRPr lang="en-US" dirty="0"/>
+          </a:p>
+          <a:p>
+            <a:r>
+              <a:rPr lang="en-US" dirty="0" smtClean="0"/>
+              <a:t>Client: </a:t>
+            </a:r>
+            <a:r>
+              <a:rPr lang="en-US" dirty="0" err="1" smtClean="0"/>
+              <a:t>AngularJS</a:t>
+            </a:r>
+            <a:endParaRPr lang="en-US" dirty="0" smtClean="0"/>
+          </a:p>
+          <a:p>
+            <a:r>
+              <a:rPr lang="en-US" dirty="0" smtClean="0"/>
+              <a:t>Server: </a:t>
+            </a:r>
+            <a:r>
+              <a:rPr lang="en-US" dirty="0" err="1" smtClean="0"/>
+              <a:t>NodeJS</a:t>
+            </a:r>
+            <a:endParaRPr lang="en-US" dirty="0" smtClean="0"/>
+          </a:p>
+          <a:p>
+            <a:r>
+              <a:rPr lang="en-US" dirty="0" smtClean="0"/>
+              <a:t>IDE: </a:t>
+            </a:r>
+          </a:p>
+          <a:p>
+            <a:pPr lvl="1"/>
+            <a:r>
+              <a:rPr lang="en-US" dirty="0" err="1" smtClean="0"/>
+              <a:t>Atom.io</a:t>
+            </a:r>
+            <a:r>
+              <a:rPr lang="en-US" dirty="0" smtClean="0"/>
+              <a:t> (</a:t>
+            </a:r>
+            <a:r>
+              <a:rPr lang="en-US" dirty="0" err="1" smtClean="0"/>
+              <a:t>Github</a:t>
+            </a:r>
+            <a:r>
+              <a:rPr lang="en-US" dirty="0" smtClean="0"/>
+              <a:t>)</a:t>
+            </a:r>
+          </a:p>
+          <a:p>
+            <a:pPr lvl="1"/>
+            <a:r>
+              <a:rPr lang="en-US" dirty="0" err="1" smtClean="0"/>
+              <a:t>WebStorm</a:t>
+            </a:r>
+            <a:r>
+              <a:rPr lang="en-US" dirty="0" smtClean="0"/>
+              <a:t> (</a:t>
+            </a:r>
+            <a:r>
+              <a:rPr lang="en-US" dirty="0" err="1" smtClean="0"/>
+              <a:t>JetBrains</a:t>
+            </a:r>
+            <a:r>
+              <a:rPr lang="en-US" dirty="0" smtClean="0"/>
+              <a:t>)</a:t>
+            </a:r>
+          </a:p>
+          <a:p>
+            <a:r>
+              <a:rPr lang="en-US" dirty="0" smtClean="0"/>
+              <a:t>Deploy: </a:t>
+            </a:r>
+            <a:r>
+              <a:rPr lang="en-US" dirty="0" err="1" smtClean="0"/>
+              <a:t>NodeJS</a:t>
+            </a:r>
+            <a:r>
+              <a:rPr lang="en-US" dirty="0" smtClean="0"/>
+              <a:t> custom tool</a:t>
+            </a:r>
+          </a:p>
+          <a:p>
+            <a:endParaRPr lang="en-US" dirty="0" smtClean="0"/>
+          </a:p>
+        </p:txBody>
+      </p:sp>
     </p:spTree>
+    <p:extLst>
+      <p:ext uri="{BB962C8B-B14F-4D97-AF65-F5344CB8AC3E}">
+        <p14:creationId xmlns:p14="http://schemas.microsoft.com/office/powerpoint/2010/main" val="111537764"/>
+      </p:ext>
+    </p:extLst>
   </p:cSld>
   <p:clrMapOvr>
     <a:masterClrMapping/>
@@ -6042,7 +8852,7 @@
       </p:grpSpPr>
       <p:sp>
         <p:nvSpPr>
-          <p:cNvPr id="2" name="Title 1"/>
+          <p:cNvPr id="27653" name="Title 5"/>
           <p:cNvSpPr>
             <a:spLocks noGrp="1"/>
           </p:cNvSpPr>
@@ -6055,44 +8865,13 @@
           <a:bodyPr/>
           <a:lstStyle/>
           <a:p>
-            <a:r>
-              <a:rPr lang="en-US" dirty="0" smtClean="0">
-                <a:solidFill>
-                  <a:srgbClr val="525B6E"/>
-                </a:solidFill>
-              </a:rPr>
-              <a:t>YOUR FEEDBACK</a:t>
-            </a:r>
-            <a:endParaRPr lang="fr-FR" dirty="0">
-              <a:solidFill>
-                <a:srgbClr val="525B6E"/>
-              </a:solidFill>
-            </a:endParaRPr>
-          </a:p>
-        </p:txBody>
-      </p:sp>
-      <p:sp>
-        <p:nvSpPr>
-          <p:cNvPr id="3" name="Text Placeholder 2"/>
-          <p:cNvSpPr>
-            <a:spLocks noGrp="1"/>
-          </p:cNvSpPr>
-          <p:nvPr>
-            <p:ph type="body" idx="1"/>
-          </p:nvPr>
-        </p:nvSpPr>
-        <p:spPr/>
-        <p:txBody>
-          <a:bodyPr/>
-          <a:lstStyle/>
-          <a:p>
-            <a:endParaRPr lang="en-US" dirty="0"/>
-          </a:p>
-        </p:txBody>
-      </p:sp>
-      <p:sp>
-        <p:nvSpPr>
-          <p:cNvPr id="4" name="Date Placeholder 3"/>
+            <a:endParaRPr lang="fr-LU" dirty="0" smtClean="0"/>
+          </a:p>
+        </p:txBody>
+      </p:sp>
+      <p:sp>
+        <p:nvSpPr>
+          <p:cNvPr id="3" name="Date Placeholder 2"/>
           <p:cNvSpPr>
             <a:spLocks noGrp="1"/>
           </p:cNvSpPr>
@@ -6105,6 +8884,9 @@
           <a:bodyPr/>
           <a:lstStyle/>
           <a:p>
+            <a:pPr>
+              <a:defRPr/>
+            </a:pPr>
             <a:r>
               <a:rPr lang="en-US" smtClean="0"/>
               <a:t>28 Feb. 2013</a:t>
@@ -6115,7 +8897,33 @@
       </p:sp>
       <p:sp>
         <p:nvSpPr>
-          <p:cNvPr id="6" name="Slide Number Placeholder 5"/>
+          <p:cNvPr id="5" name="Footer Placeholder 4"/>
+          <p:cNvSpPr>
+            <a:spLocks noGrp="1"/>
+          </p:cNvSpPr>
+          <p:nvPr>
+            <p:ph type="ftr" sz="quarter" idx="11"/>
+          </p:nvPr>
+        </p:nvSpPr>
+        <p:spPr/>
+        <p:txBody>
+          <a:bodyPr/>
+          <a:lstStyle/>
+          <a:p>
+            <a:pPr>
+              <a:defRPr/>
+            </a:pPr>
+            <a:r>
+              <a:rPr lang="fr-LU" smtClean="0"/>
+              <a:t>Introduction to agile methods</a:t>
+            </a:r>
+            <a:endParaRPr lang="en-GB" dirty="0"/>
+          </a:p>
+        </p:txBody>
+      </p:sp>
+      <p:sp>
+        <p:nvSpPr>
+          <p:cNvPr id="4" name="Slide Number Placeholder 3"/>
           <p:cNvSpPr>
             <a:spLocks noGrp="1"/>
           </p:cNvSpPr>
@@ -6128,9 +8936,14 @@
           <a:bodyPr/>
           <a:lstStyle/>
           <a:p>
-            <a:fld id="{2CFDF742-C97A-4DE4-AE03-D0A42DA7E310}" type="slidenum">
-              <a:rPr lang="en-GB" smtClean="0"/>
-              <a:pPr/>
+            <a:pPr>
+              <a:defRPr/>
+            </a:pPr>
+            <a:fld id="{684DB56D-94B7-41CB-A6D7-5E8E90856FDB}" type="slidenum">
+              <a:rPr lang="en-GB"/>
+              <a:pPr>
+                <a:defRPr/>
+              </a:pPr>
               <a:t>8</a:t>
             </a:fld>
             <a:endParaRPr lang="en-GB"/>
@@ -6139,53 +8952,37 @@
       </p:sp>
       <p:sp>
         <p:nvSpPr>
-          <p:cNvPr id="7" name="Footer Placeholder 4"/>
-          <p:cNvSpPr>
-            <a:spLocks noGrp="1"/>
-          </p:cNvSpPr>
-          <p:nvPr>
-            <p:ph type="ftr" sz="quarter" idx="11"/>
-          </p:nvPr>
-        </p:nvSpPr>
-        <p:spPr>
-          <a:xfrm>
-            <a:off x="2051720" y="6553200"/>
-            <a:ext cx="5976664" cy="476250"/>
-          </a:xfrm>
-        </p:spPr>
-        <p:txBody>
-          <a:bodyPr/>
-          <a:lstStyle/>
-          <a:p>
-            <a:pPr>
-              <a:defRPr/>
-            </a:pPr>
-            <a:r>
-              <a:rPr lang="fr-LU" smtClean="0"/>
-              <a:t>Introduction to agile methods</a:t>
-            </a:r>
-            <a:endParaRPr lang="en-GB" dirty="0"/>
+          <p:cNvPr id="2" name="Content Placeholder 1"/>
+          <p:cNvSpPr>
+            <a:spLocks noGrp="1"/>
+          </p:cNvSpPr>
+          <p:nvPr>
+            <p:ph idx="1"/>
+          </p:nvPr>
+        </p:nvSpPr>
+        <p:spPr/>
+        <p:txBody>
+          <a:bodyPr/>
+          <a:lstStyle/>
+          <a:p>
+            <a:r>
+              <a:rPr lang="en-US" dirty="0" smtClean="0"/>
+              <a:t>Client</a:t>
+            </a:r>
           </a:p>
         </p:txBody>
       </p:sp>
     </p:spTree>
     <p:extLst>
       <p:ext uri="{BB962C8B-B14F-4D97-AF65-F5344CB8AC3E}">
-        <p14:creationId xmlns:p14="http://schemas.microsoft.com/office/powerpoint/2010/main" val="1764059419"/>
+        <p14:creationId xmlns:p14="http://schemas.microsoft.com/office/powerpoint/2010/main" val="136495343"/>
       </p:ext>
     </p:extLst>
   </p:cSld>
   <p:clrMapOvr>
     <a:masterClrMapping/>
   </p:clrMapOvr>
-  <mc:AlternateContent xmlns:mc="http://schemas.openxmlformats.org/markup-compatibility/2006" xmlns:p14="http://schemas.microsoft.com/office/powerpoint/2010/main">
-    <mc:Choice Requires="p14">
-      <p:transition spd="slow" p14:dur="2000"/>
-    </mc:Choice>
-    <mc:Fallback xmlns="">
-      <p:transition spd="slow"/>
-    </mc:Fallback>
-  </mc:AlternateContent>
+  <p:transition/>
   <p:timing>
     <p:tnLst>
       <p:par>
@@ -6215,7 +9012,7 @@
       </p:grpSpPr>
       <p:sp>
         <p:nvSpPr>
-          <p:cNvPr id="2" name="Title 1"/>
+          <p:cNvPr id="27653" name="Title 5"/>
           <p:cNvSpPr>
             <a:spLocks noGrp="1"/>
           </p:cNvSpPr>
@@ -6228,25 +9025,13 @@
           <a:bodyPr/>
           <a:lstStyle/>
           <a:p>
-            <a:r>
-              <a:rPr lang="fr-LU" dirty="0" smtClean="0"/>
-              <a:t>R.O.T.I for </a:t>
-            </a:r>
-            <a:r>
-              <a:rPr lang="fr-LU" dirty="0" err="1" smtClean="0"/>
-              <a:t>this</a:t>
-            </a:r>
-            <a:r>
-              <a:rPr lang="fr-LU" dirty="0" smtClean="0"/>
-              <a:t> SESSION</a:t>
-            </a:r>
-            <a:endParaRPr lang="fr-LU" dirty="0"/>
-          </a:p>
-        </p:txBody>
-      </p:sp>
-      <p:sp>
-        <p:nvSpPr>
-          <p:cNvPr id="4" name="Date Placeholder 3"/>
+            <a:endParaRPr lang="fr-LU" dirty="0" smtClean="0"/>
+          </a:p>
+        </p:txBody>
+      </p:sp>
+      <p:sp>
+        <p:nvSpPr>
+          <p:cNvPr id="3" name="Date Placeholder 2"/>
           <p:cNvSpPr>
             <a:spLocks noGrp="1"/>
           </p:cNvSpPr>
@@ -6259,6 +9044,9 @@
           <a:bodyPr/>
           <a:lstStyle/>
           <a:p>
+            <a:pPr>
+              <a:defRPr/>
+            </a:pPr>
             <a:r>
               <a:rPr lang="en-US" smtClean="0"/>
               <a:t>28 Feb. 2013</a:t>
@@ -6282,6 +9070,9 @@
           <a:bodyPr/>
           <a:lstStyle/>
           <a:p>
+            <a:pPr>
+              <a:defRPr/>
+            </a:pPr>
             <a:r>
               <a:rPr lang="fr-LU" smtClean="0"/>
               <a:t>Introduction to agile methods</a:t>
@@ -6292,7 +9083,7 @@
       </p:sp>
       <p:sp>
         <p:nvSpPr>
-          <p:cNvPr id="6" name="Slide Number Placeholder 5"/>
+          <p:cNvPr id="4" name="Slide Number Placeholder 3"/>
           <p:cNvSpPr>
             <a:spLocks noGrp="1"/>
           </p:cNvSpPr>
@@ -6305,101 +9096,53 @@
           <a:bodyPr/>
           <a:lstStyle/>
           <a:p>
-            <a:fld id="{9716DCE3-3314-4329-BDB9-F369F3DB74C6}" type="slidenum">
-              <a:rPr lang="en-GB" smtClean="0"/>
-              <a:pPr/>
+            <a:pPr>
+              <a:defRPr/>
+            </a:pPr>
+            <a:fld id="{684DB56D-94B7-41CB-A6D7-5E8E90856FDB}" type="slidenum">
+              <a:rPr lang="en-GB"/>
+              <a:pPr>
+                <a:defRPr/>
+              </a:pPr>
               <a:t>9</a:t>
             </a:fld>
             <a:endParaRPr lang="en-GB"/>
           </a:p>
         </p:txBody>
       </p:sp>
-      <p:pic>
-        <p:nvPicPr>
-          <p:cNvPr id="275458" name="Picture 2"/>
-          <p:cNvPicPr>
-            <a:picLocks noGrp="1" noChangeAspect="1" noChangeArrowheads="1"/>
-          </p:cNvPicPr>
+      <p:sp>
+        <p:nvSpPr>
+          <p:cNvPr id="2" name="Content Placeholder 1"/>
+          <p:cNvSpPr>
+            <a:spLocks noGrp="1"/>
+          </p:cNvSpPr>
           <p:nvPr>
             <p:ph idx="1"/>
           </p:nvPr>
-        </p:nvPicPr>
-        <p:blipFill>
-          <a:blip r:embed="rId2">
-            <a:extLst>
-              <a:ext uri="{28A0092B-C50C-407E-A947-70E740481C1C}">
-                <a14:useLocalDpi xmlns:a14="http://schemas.microsoft.com/office/drawing/2010/main" val="0"/>
-              </a:ext>
-            </a:extLst>
-          </a:blip>
-          <a:stretch>
-            <a:fillRect/>
-          </a:stretch>
-        </p:blipFill>
-        <p:spPr bwMode="auto">
-          <a:xfrm>
-            <a:off x="1187741" y="1071563"/>
-            <a:ext cx="6768516" cy="5054600"/>
-          </a:xfrm>
-          <a:prstGeom prst="rect">
-            <a:avLst/>
-          </a:prstGeom>
-          <a:noFill/>
-        </p:spPr>
-      </p:pic>
-      <p:sp>
-        <p:nvSpPr>
-          <p:cNvPr id="8" name="TextBox 7"/>
-          <p:cNvSpPr txBox="1"/>
-          <p:nvPr/>
-        </p:nvSpPr>
-        <p:spPr>
-          <a:xfrm>
-            <a:off x="5364088" y="5733256"/>
-            <a:ext cx="2592288" cy="288032"/>
-          </a:xfrm>
-          <a:prstGeom prst="rect">
-            <a:avLst/>
-          </a:prstGeom>
-          <a:solidFill>
-            <a:schemeClr val="bg1"/>
-          </a:solidFill>
-        </p:spPr>
-        <p:txBody>
-          <a:bodyPr wrap="square" rtlCol="0">
-            <a:spAutoFit/>
-          </a:bodyPr>
-          <a:lstStyle/>
-          <a:p>
-            <a:r>
-              <a:rPr lang="en-US" sz="1200" b="1" dirty="0" smtClean="0">
-                <a:solidFill>
-                  <a:srgbClr val="525B6E"/>
-                </a:solidFill>
-              </a:rPr>
-              <a:t>Source: </a:t>
-            </a:r>
-            <a:r>
-              <a:rPr lang="en-US" sz="1200" b="1" i="1" dirty="0" smtClean="0">
-                <a:solidFill>
-                  <a:srgbClr val="525B6E"/>
-                </a:solidFill>
-              </a:rPr>
-              <a:t>www.qualitystreet.fr</a:t>
-            </a:r>
-            <a:endParaRPr lang="en-US" sz="1200" b="1" dirty="0" smtClean="0">
-              <a:solidFill>
-                <a:srgbClr val="525B6E"/>
-              </a:solidFill>
-            </a:endParaRPr>
+        </p:nvSpPr>
+        <p:spPr/>
+        <p:txBody>
+          <a:bodyPr/>
+          <a:lstStyle/>
+          <a:p>
+            <a:r>
+              <a:rPr lang="en-US" dirty="0" smtClean="0"/>
+              <a:t>Server</a:t>
+            </a:r>
           </a:p>
         </p:txBody>
       </p:sp>
     </p:spTree>
+    <p:extLst>
+      <p:ext uri="{BB962C8B-B14F-4D97-AF65-F5344CB8AC3E}">
+        <p14:creationId xmlns:p14="http://schemas.microsoft.com/office/powerpoint/2010/main" val="410409117"/>
+      </p:ext>
+    </p:extLst>
   </p:cSld>
   <p:clrMapOvr>
     <a:masterClrMapping/>
   </p:clrMapOvr>
+  <p:transition/>
   <p:timing>
     <p:tnLst>
       <p:par>

--- a/AP-BrownBag(Javascript).pptx
+++ b/AP-BrownBag(Javascript).pptx
@@ -5,7 +5,7 @@
     <p:sldMasterId id="2147483648" r:id="rId4"/>
   </p:sldMasterIdLst>
   <p:notesMasterIdLst>
-    <p:notesMasterId r:id="rId53"/>
+    <p:notesMasterId r:id="rId51"/>
   </p:notesMasterIdLst>
   <p:sldIdLst>
     <p:sldId id="646" r:id="rId5"/>
@@ -39,23 +39,21 @@
     <p:sldId id="686" r:id="rId33"/>
     <p:sldId id="687" r:id="rId34"/>
     <p:sldId id="651" r:id="rId35"/>
-    <p:sldId id="658" r:id="rId36"/>
-    <p:sldId id="652" r:id="rId37"/>
-    <p:sldId id="653" r:id="rId38"/>
+    <p:sldId id="689" r:id="rId36"/>
+    <p:sldId id="690" r:id="rId37"/>
+    <p:sldId id="691" r:id="rId38"/>
     <p:sldId id="655" r:id="rId39"/>
     <p:sldId id="656" r:id="rId40"/>
     <p:sldId id="657" r:id="rId41"/>
     <p:sldId id="659" r:id="rId42"/>
     <p:sldId id="660" r:id="rId43"/>
     <p:sldId id="662" r:id="rId44"/>
-    <p:sldId id="663" r:id="rId45"/>
-    <p:sldId id="661" r:id="rId46"/>
-    <p:sldId id="650" r:id="rId47"/>
-    <p:sldId id="569" r:id="rId48"/>
-    <p:sldId id="620" r:id="rId49"/>
-    <p:sldId id="559" r:id="rId50"/>
-    <p:sldId id="621" r:id="rId51"/>
-    <p:sldId id="622" r:id="rId52"/>
+    <p:sldId id="650" r:id="rId45"/>
+    <p:sldId id="569" r:id="rId46"/>
+    <p:sldId id="620" r:id="rId47"/>
+    <p:sldId id="559" r:id="rId48"/>
+    <p:sldId id="621" r:id="rId49"/>
+    <p:sldId id="622" r:id="rId50"/>
   </p:sldIdLst>
   <p:sldSz cx="9144000" cy="6858000" type="screen4x3"/>
   <p:notesSz cx="6858000" cy="9144000"/>
@@ -186,7 +184,7 @@
   </p:defaultTextStyle>
   <p:extLst>
     <p:ext uri="{EFAFB233-063F-42B5-8137-9DF3F51BA10A}">
-      <p15:sldGuideLst xmlns:p15="http://schemas.microsoft.com/office/powerpoint/2012/main" xmlns="">
+      <p15:sldGuideLst xmlns:p15="http://schemas.microsoft.com/office/powerpoint/2012/main">
         <p15:guide id="1" orient="horz" pos="2160">
           <p15:clr>
             <a:srgbClr val="A4A3A4"/>
@@ -286,7 +284,7 @@
             <a:fld id="{A0274491-D52A-4D62-B784-8A9117324FFD}" type="datetimeFigureOut">
               <a:rPr lang="fr-FR" smtClean="0"/>
               <a:pPr/>
-              <a:t>24/04/15</a:t>
+              <a:t>24/04/2015</a:t>
             </a:fld>
             <a:endParaRPr lang="fr-LU"/>
           </a:p>
@@ -859,7 +857,7 @@
             <a:fld id="{1723DFB0-B4C9-47EE-B82C-757E5342C1E8}" type="slidenum">
               <a:rPr lang="fr-LU" smtClean="0"/>
               <a:pPr/>
-              <a:t>45</a:t>
+              <a:t>43</a:t>
             </a:fld>
             <a:endParaRPr lang="fr-LU"/>
           </a:p>
@@ -946,7 +944,7 @@
             <a:fld id="{1723DFB0-B4C9-47EE-B82C-757E5342C1E8}" type="slidenum">
               <a:rPr lang="fr-LU" smtClean="0"/>
               <a:pPr/>
-              <a:t>48</a:t>
+              <a:t>46</a:t>
             </a:fld>
             <a:endParaRPr lang="fr-LU"/>
           </a:p>
@@ -4321,7 +4319,7 @@
   <p:timing>
     <p:tnLst>
       <p:par>
-        <p:cTn xmlns:p14="http://schemas.microsoft.com/office/powerpoint/2010/main" id="1" dur="indefinite" restart="never" nodeType="tmRoot"/>
+        <p:cTn id="1" dur="indefinite" restart="never" nodeType="tmRoot"/>
       </p:par>
     </p:tnLst>
   </p:timing>
@@ -4505,6 +4503,13 @@
   <p:clrMapOvr>
     <a:masterClrMapping/>
   </p:clrMapOvr>
+  <p:timing>
+    <p:tnLst>
+      <p:par>
+        <p:cTn id="1" dur="indefinite" restart="never" nodeType="tmRoot"/>
+      </p:par>
+    </p:tnLst>
+  </p:timing>
 </p:sld>
 </file>
 
@@ -4634,6 +4639,13 @@
   <p:clrMapOvr>
     <a:masterClrMapping/>
   </p:clrMapOvr>
+  <p:timing>
+    <p:tnLst>
+      <p:par>
+        <p:cTn id="1" dur="indefinite" restart="never" nodeType="tmRoot"/>
+      </p:par>
+    </p:tnLst>
+  </p:timing>
 </p:sld>
 </file>
 
@@ -4833,6 +4845,13 @@
   <p:clrMapOvr>
     <a:masterClrMapping/>
   </p:clrMapOvr>
+  <p:timing>
+    <p:tnLst>
+      <p:par>
+        <p:cTn id="1" dur="indefinite" restart="never" nodeType="tmRoot"/>
+      </p:par>
+    </p:tnLst>
+  </p:timing>
 </p:sld>
 </file>
 
@@ -5044,6 +5063,13 @@
   <p:clrMapOvr>
     <a:masterClrMapping/>
   </p:clrMapOvr>
+  <p:timing>
+    <p:tnLst>
+      <p:par>
+        <p:cTn id="1" dur="indefinite" restart="never" nodeType="tmRoot"/>
+      </p:par>
+    </p:tnLst>
+  </p:timing>
 </p:sld>
 </file>
 
@@ -5189,6 +5215,13 @@
   <p:clrMapOvr>
     <a:masterClrMapping/>
   </p:clrMapOvr>
+  <p:timing>
+    <p:tnLst>
+      <p:par>
+        <p:cTn id="1" dur="indefinite" restart="never" nodeType="tmRoot"/>
+      </p:par>
+    </p:tnLst>
+  </p:timing>
 </p:sld>
 </file>
 
@@ -5338,6 +5371,13 @@
   <p:clrMapOvr>
     <a:masterClrMapping/>
   </p:clrMapOvr>
+  <p:timing>
+    <p:tnLst>
+      <p:par>
+        <p:cTn id="1" dur="indefinite" restart="never" nodeType="tmRoot"/>
+      </p:par>
+    </p:tnLst>
+  </p:timing>
 </p:sld>
 </file>
 
@@ -5490,6 +5530,13 @@
   <p:clrMapOvr>
     <a:masterClrMapping/>
   </p:clrMapOvr>
+  <p:timing>
+    <p:tnLst>
+      <p:par>
+        <p:cTn id="1" dur="indefinite" restart="never" nodeType="tmRoot"/>
+      </p:par>
+    </p:tnLst>
+  </p:timing>
 </p:sld>
 </file>
 
@@ -5573,11 +5620,7 @@
             </a:r>
             <a:r>
               <a:rPr lang="fr-FR" dirty="0" smtClean="0"/>
-              <a:t> </a:t>
-            </a:r>
-            <a:r>
-              <a:rPr lang="fr-FR" dirty="0" smtClean="0"/>
-              <a:t>annotation</a:t>
+              <a:t> annotation</a:t>
             </a:r>
           </a:p>
           <a:p>
@@ -5642,6 +5685,13 @@
   <p:clrMapOvr>
     <a:masterClrMapping/>
   </p:clrMapOvr>
+  <p:timing>
+    <p:tnLst>
+      <p:par>
+        <p:cTn id="1" dur="indefinite" restart="never" nodeType="tmRoot"/>
+      </p:par>
+    </p:tnLst>
+  </p:timing>
 </p:sld>
 </file>
 
@@ -5887,6 +5937,13 @@
   <p:clrMapOvr>
     <a:masterClrMapping/>
   </p:clrMapOvr>
+  <p:timing>
+    <p:tnLst>
+      <p:par>
+        <p:cTn id="1" dur="indefinite" restart="never" nodeType="tmRoot"/>
+      </p:par>
+    </p:tnLst>
+  </p:timing>
 </p:sld>
 </file>
 
@@ -5964,7 +6021,6 @@
               <a:rPr lang="fr-FR" dirty="0" smtClean="0"/>
               <a:t>Config</a:t>
             </a:r>
-            <a:endParaRPr lang="fr-FR" dirty="0" smtClean="0"/>
           </a:p>
           <a:p>
             <a:pPr marL="0" indent="0">
@@ -6083,6 +6139,13 @@
   <p:clrMapOvr>
     <a:masterClrMapping/>
   </p:clrMapOvr>
+  <p:timing>
+    <p:tnLst>
+      <p:par>
+        <p:cTn id="1" dur="indefinite" restart="never" nodeType="tmRoot"/>
+      </p:par>
+    </p:tnLst>
+  </p:timing>
 </p:sld>
 </file>
 
@@ -6171,7 +6234,7 @@
   <p:timing>
     <p:tnLst>
       <p:par>
-        <p:cTn xmlns:p14="http://schemas.microsoft.com/office/powerpoint/2010/main" id="1" dur="indefinite" restart="never" nodeType="tmRoot"/>
+        <p:cTn id="1" dur="indefinite" restart="never" nodeType="tmRoot"/>
       </p:par>
     </p:tnLst>
   </p:timing>
@@ -6244,11 +6307,7 @@
             </a:pPr>
             <a:r>
               <a:rPr lang="fr-FR" dirty="0" smtClean="0"/>
-              <a:t>HTML </a:t>
-            </a:r>
-            <a:r>
-              <a:rPr lang="fr-FR" dirty="0" smtClean="0"/>
-              <a:t>+ CSS + </a:t>
+              <a:t>HTML + CSS + </a:t>
             </a:r>
             <a:r>
               <a:rPr lang="fr-FR" dirty="0" err="1" smtClean="0"/>
@@ -6346,6 +6405,13 @@
   <p:clrMapOvr>
     <a:masterClrMapping/>
   </p:clrMapOvr>
+  <p:timing>
+    <p:tnLst>
+      <p:par>
+        <p:cTn id="1" dur="indefinite" restart="never" nodeType="tmRoot"/>
+      </p:par>
+    </p:tnLst>
+  </p:timing>
 </p:sld>
 </file>
 
@@ -6556,6 +6622,13 @@
   <p:clrMapOvr>
     <a:masterClrMapping/>
   </p:clrMapOvr>
+  <p:timing>
+    <p:tnLst>
+      <p:par>
+        <p:cTn id="1" dur="indefinite" restart="never" nodeType="tmRoot"/>
+      </p:par>
+    </p:tnLst>
+  </p:timing>
 </p:sld>
 </file>
 
@@ -6654,7 +6727,6 @@
               <a:rPr lang="fr-FR" dirty="0" smtClean="0"/>
               <a:t> </a:t>
             </a:r>
-            <a:endParaRPr lang="fr-FR" dirty="0" smtClean="0"/>
           </a:p>
           <a:p>
             <a:pPr>
@@ -6813,6 +6885,13 @@
   <p:clrMapOvr>
     <a:masterClrMapping/>
   </p:clrMapOvr>
+  <p:timing>
+    <p:tnLst>
+      <p:par>
+        <p:cTn id="1" dur="indefinite" restart="never" nodeType="tmRoot"/>
+      </p:par>
+    </p:tnLst>
+  </p:timing>
 </p:sld>
 </file>
 
@@ -6877,11 +6956,7 @@
             </a:pPr>
             <a:r>
               <a:rPr lang="fr-FR" dirty="0" smtClean="0"/>
-              <a:t>DOM </a:t>
-            </a:r>
-            <a:r>
-              <a:rPr lang="fr-FR" dirty="0" smtClean="0"/>
-              <a:t>marker (</a:t>
+              <a:t>DOM marker (</a:t>
             </a:r>
             <a:r>
               <a:rPr lang="fr-FR" dirty="0" err="1" smtClean="0"/>
@@ -7048,6 +7123,13 @@
   <p:clrMapOvr>
     <a:masterClrMapping/>
   </p:clrMapOvr>
+  <p:timing>
+    <p:tnLst>
+      <p:par>
+        <p:cTn id="1" dur="indefinite" restart="never" nodeType="tmRoot"/>
+      </p:par>
+    </p:tnLst>
+  </p:timing>
 </p:sld>
 </file>
 
@@ -7259,6 +7341,13 @@
   <p:clrMapOvr>
     <a:masterClrMapping/>
   </p:clrMapOvr>
+  <p:timing>
+    <p:tnLst>
+      <p:par>
+        <p:cTn id="1" dur="indefinite" restart="never" nodeType="tmRoot"/>
+      </p:par>
+    </p:tnLst>
+  </p:timing>
 </p:sld>
 </file>
 
@@ -7499,6 +7588,13 @@
   <p:clrMapOvr>
     <a:masterClrMapping/>
   </p:clrMapOvr>
+  <p:timing>
+    <p:tnLst>
+      <p:par>
+        <p:cTn id="1" dur="indefinite" restart="never" nodeType="tmRoot"/>
+      </p:par>
+    </p:tnLst>
+  </p:timing>
 </p:sld>
 </file>
 
@@ -7641,6 +7737,13 @@
   <p:clrMapOvr>
     <a:masterClrMapping/>
   </p:clrMapOvr>
+  <p:timing>
+    <p:tnLst>
+      <p:par>
+        <p:cTn id="1" dur="indefinite" restart="never" nodeType="tmRoot"/>
+      </p:par>
+    </p:tnLst>
+  </p:timing>
 </p:sld>
 </file>
 
@@ -7783,6 +7886,13 @@
   <p:clrMapOvr>
     <a:masterClrMapping/>
   </p:clrMapOvr>
+  <p:timing>
+    <p:tnLst>
+      <p:par>
+        <p:cTn id="1" dur="indefinite" restart="never" nodeType="tmRoot"/>
+      </p:par>
+    </p:tnLst>
+  </p:timing>
 </p:sld>
 </file>
 
@@ -8064,6 +8174,13 @@
   <p:clrMapOvr>
     <a:masterClrMapping/>
   </p:clrMapOvr>
+  <p:timing>
+    <p:tnLst>
+      <p:par>
+        <p:cTn id="1" dur="indefinite" restart="never" nodeType="tmRoot"/>
+      </p:par>
+    </p:tnLst>
+  </p:timing>
 </p:sld>
 </file>
 
@@ -8257,6 +8374,13 @@
   <p:clrMapOvr>
     <a:masterClrMapping/>
   </p:clrMapOvr>
+  <p:timing>
+    <p:tnLst>
+      <p:par>
+        <p:cTn id="1" dur="indefinite" restart="never" nodeType="tmRoot"/>
+      </p:par>
+    </p:tnLst>
+  </p:timing>
 </p:sld>
 </file>
 
@@ -8470,13 +8594,13 @@
       <p:transition spd="slow" p14:dur="2000"/>
     </mc:Choice>
     <mc:Fallback>
-      <p:transition xmlns:p14="http://schemas.microsoft.com/office/powerpoint/2010/main" spd="slow"/>
+      <p:transition spd="slow"/>
     </mc:Fallback>
   </mc:AlternateContent>
   <p:timing>
     <p:tnLst>
       <p:par>
-        <p:cTn xmlns:p14="http://schemas.microsoft.com/office/powerpoint/2010/main" id="1" dur="indefinite" restart="never" nodeType="tmRoot"/>
+        <p:cTn id="1" dur="indefinite" restart="never" nodeType="tmRoot"/>
       </p:par>
     </p:tnLst>
   </p:timing>
@@ -8567,6 +8691,13 @@
   <p:clrMapOvr>
     <a:masterClrMapping/>
   </p:clrMapOvr>
+  <p:timing>
+    <p:tnLst>
+      <p:par>
+        <p:cTn id="1" dur="indefinite" restart="never" nodeType="tmRoot"/>
+      </p:par>
+    </p:tnLst>
+  </p:timing>
 </p:sld>
 </file>
 
@@ -8719,11 +8850,11 @@
   <p:clrMapOvr>
     <a:masterClrMapping/>
   </p:clrMapOvr>
-  <p:transition xmlns:p14="http://schemas.microsoft.com/office/powerpoint/2010/main"/>
+  <p:transition/>
   <p:timing>
     <p:tnLst>
       <p:par>
-        <p:cTn xmlns:p14="http://schemas.microsoft.com/office/powerpoint/2010/main" id="1" dur="indefinite" restart="never" nodeType="tmRoot"/>
+        <p:cTn id="1" dur="indefinite" restart="never" nodeType="tmRoot"/>
       </p:par>
     </p:tnLst>
   </p:timing>
@@ -8864,38 +8995,7 @@
           <a:p>
             <a:r>
               <a:rPr lang="en-US" dirty="0" smtClean="0"/>
-              <a:t>Server</a:t>
-            </a:r>
-          </a:p>
-          <a:p>
-            <a:endParaRPr lang="en-US" dirty="0"/>
-          </a:p>
-          <a:p>
-            <a:pPr lvl="1"/>
-            <a:r>
-              <a:rPr lang="en-US" dirty="0" smtClean="0"/>
-              <a:t>Layered in :</a:t>
-            </a:r>
-          </a:p>
-          <a:p>
-            <a:pPr lvl="2"/>
-            <a:r>
-              <a:rPr lang="en-US" dirty="0" smtClean="0"/>
-              <a:t>Routes (controller)</a:t>
-            </a:r>
-          </a:p>
-          <a:p>
-            <a:pPr lvl="2"/>
-            <a:r>
-              <a:rPr lang="en-US" dirty="0" smtClean="0"/>
-              <a:t>Services</a:t>
-            </a:r>
-          </a:p>
-          <a:p>
-            <a:pPr lvl="2"/>
-            <a:r>
-              <a:rPr lang="en-US" dirty="0" smtClean="0"/>
-              <a:t>Repository</a:t>
+              <a:t>Best practice, tooling, etc.</a:t>
             </a:r>
           </a:p>
         </p:txBody>
@@ -8903,18 +9003,18 @@
     </p:spTree>
     <p:extLst>
       <p:ext uri="{BB962C8B-B14F-4D97-AF65-F5344CB8AC3E}">
-        <p14:creationId xmlns:p14="http://schemas.microsoft.com/office/powerpoint/2010/main" val="207026272"/>
+        <p14:creationId xmlns:p14="http://schemas.microsoft.com/office/powerpoint/2010/main" val="129834447"/>
       </p:ext>
     </p:extLst>
   </p:cSld>
   <p:clrMapOvr>
     <a:masterClrMapping/>
   </p:clrMapOvr>
-  <p:transition xmlns:p14="http://schemas.microsoft.com/office/powerpoint/2010/main"/>
+  <p:transition/>
   <p:timing>
     <p:tnLst>
       <p:par>
-        <p:cTn xmlns:p14="http://schemas.microsoft.com/office/powerpoint/2010/main" id="1" dur="indefinite" restart="never" nodeType="tmRoot"/>
+        <p:cTn id="1" dur="indefinite" restart="never" nodeType="tmRoot"/>
       </p:par>
     </p:tnLst>
   </p:timing>
@@ -9055,7 +9155,38 @@
           <a:p>
             <a:r>
               <a:rPr lang="en-US" dirty="0" smtClean="0"/>
-              <a:t>Best practice, tooling, etc.</a:t>
+              <a:t>Server</a:t>
+            </a:r>
+          </a:p>
+          <a:p>
+            <a:endParaRPr lang="en-US" dirty="0"/>
+          </a:p>
+          <a:p>
+            <a:pPr lvl="1"/>
+            <a:r>
+              <a:rPr lang="en-US" dirty="0" smtClean="0"/>
+              <a:t>Layered in :</a:t>
+            </a:r>
+          </a:p>
+          <a:p>
+            <a:pPr lvl="2"/>
+            <a:r>
+              <a:rPr lang="en-US" dirty="0" smtClean="0"/>
+              <a:t>Routes (controller)</a:t>
+            </a:r>
+          </a:p>
+          <a:p>
+            <a:pPr lvl="2"/>
+            <a:r>
+              <a:rPr lang="en-US" dirty="0" smtClean="0"/>
+              <a:t>Services</a:t>
+            </a:r>
+          </a:p>
+          <a:p>
+            <a:pPr lvl="2"/>
+            <a:r>
+              <a:rPr lang="en-US" dirty="0" smtClean="0"/>
+              <a:t>Repository</a:t>
             </a:r>
           </a:p>
         </p:txBody>
@@ -9063,18 +9194,18 @@
     </p:spTree>
     <p:extLst>
       <p:ext uri="{BB962C8B-B14F-4D97-AF65-F5344CB8AC3E}">
-        <p14:creationId xmlns:p14="http://schemas.microsoft.com/office/powerpoint/2010/main" val="1276673168"/>
+        <p14:creationId xmlns:p14="http://schemas.microsoft.com/office/powerpoint/2010/main" val="1220585472"/>
       </p:ext>
     </p:extLst>
   </p:cSld>
   <p:clrMapOvr>
     <a:masterClrMapping/>
   </p:clrMapOvr>
-  <p:transition xmlns:p14="http://schemas.microsoft.com/office/powerpoint/2010/main"/>
+  <p:transition/>
   <p:timing>
     <p:tnLst>
       <p:par>
-        <p:cTn xmlns:p14="http://schemas.microsoft.com/office/powerpoint/2010/main" id="1" dur="indefinite" restart="never" nodeType="tmRoot"/>
+        <p:cTn id="1" dur="indefinite" restart="never" nodeType="tmRoot"/>
       </p:par>
     </p:tnLst>
   </p:timing>
@@ -9279,18 +9410,18 @@
     </p:spTree>
     <p:extLst>
       <p:ext uri="{BB962C8B-B14F-4D97-AF65-F5344CB8AC3E}">
-        <p14:creationId xmlns:p14="http://schemas.microsoft.com/office/powerpoint/2010/main" val="1232056856"/>
+        <p14:creationId xmlns:p14="http://schemas.microsoft.com/office/powerpoint/2010/main" val="1091714937"/>
       </p:ext>
     </p:extLst>
   </p:cSld>
   <p:clrMapOvr>
     <a:masterClrMapping/>
   </p:clrMapOvr>
-  <p:transition xmlns:p14="http://schemas.microsoft.com/office/powerpoint/2010/main"/>
+  <p:transition/>
   <p:timing>
     <p:tnLst>
       <p:par>
-        <p:cTn xmlns:p14="http://schemas.microsoft.com/office/powerpoint/2010/main" id="1" dur="indefinite" restart="never" nodeType="tmRoot"/>
+        <p:cTn id="1" dur="indefinite" restart="never" nodeType="tmRoot"/>
       </p:par>
     </p:tnLst>
   </p:timing>
@@ -9477,11 +9608,11 @@
   <p:clrMapOvr>
     <a:masterClrMapping/>
   </p:clrMapOvr>
-  <p:transition xmlns:p14="http://schemas.microsoft.com/office/powerpoint/2010/main"/>
+  <p:transition/>
   <p:timing>
     <p:tnLst>
       <p:par>
-        <p:cTn xmlns:p14="http://schemas.microsoft.com/office/powerpoint/2010/main" id="1" dur="indefinite" restart="never" nodeType="tmRoot"/>
+        <p:cTn id="1" dur="indefinite" restart="never" nodeType="tmRoot"/>
       </p:par>
     </p:tnLst>
   </p:timing>
@@ -9690,11 +9821,11 @@
   <p:clrMapOvr>
     <a:masterClrMapping/>
   </p:clrMapOvr>
-  <p:transition xmlns:p14="http://schemas.microsoft.com/office/powerpoint/2010/main"/>
+  <p:transition/>
   <p:timing>
     <p:tnLst>
       <p:par>
-        <p:cTn xmlns:p14="http://schemas.microsoft.com/office/powerpoint/2010/main" id="1" dur="indefinite" restart="never" nodeType="tmRoot"/>
+        <p:cTn id="1" dur="indefinite" restart="never" nodeType="tmRoot"/>
       </p:par>
     </p:tnLst>
   </p:timing>
@@ -9884,11 +10015,11 @@
   <p:clrMapOvr>
     <a:masterClrMapping/>
   </p:clrMapOvr>
-  <p:transition xmlns:p14="http://schemas.microsoft.com/office/powerpoint/2010/main"/>
+  <p:transition/>
   <p:timing>
     <p:tnLst>
       <p:par>
-        <p:cTn xmlns:p14="http://schemas.microsoft.com/office/powerpoint/2010/main" id="1" dur="indefinite" restart="never" nodeType="tmRoot"/>
+        <p:cTn id="1" dur="indefinite" restart="never" nodeType="tmRoot"/>
       </p:par>
     </p:tnLst>
   </p:timing>
@@ -10075,11 +10206,11 @@
   <p:clrMapOvr>
     <a:masterClrMapping/>
   </p:clrMapOvr>
-  <p:transition xmlns:p14="http://schemas.microsoft.com/office/powerpoint/2010/main"/>
+  <p:transition/>
   <p:timing>
     <p:tnLst>
       <p:par>
-        <p:cTn xmlns:p14="http://schemas.microsoft.com/office/powerpoint/2010/main" id="1" dur="indefinite" restart="never" nodeType="tmRoot"/>
+        <p:cTn id="1" dur="indefinite" restart="never" nodeType="tmRoot"/>
       </p:par>
     </p:tnLst>
   </p:timing>
@@ -10299,11 +10430,11 @@
   <p:clrMapOvr>
     <a:masterClrMapping/>
   </p:clrMapOvr>
-  <p:transition xmlns:p14="http://schemas.microsoft.com/office/powerpoint/2010/main"/>
+  <p:transition/>
   <p:timing>
     <p:tnLst>
       <p:par>
-        <p:cTn xmlns:p14="http://schemas.microsoft.com/office/powerpoint/2010/main" id="1" dur="indefinite" restart="never" nodeType="tmRoot"/>
+        <p:cTn id="1" dur="indefinite" restart="never" nodeType="tmRoot"/>
       </p:par>
     </p:tnLst>
   </p:timing>
@@ -10514,7 +10645,7 @@
   <p:timing>
     <p:tnLst>
       <p:par>
-        <p:cTn xmlns:p14="http://schemas.microsoft.com/office/powerpoint/2010/main" id="1" dur="indefinite" restart="never" nodeType="tmRoot"/>
+        <p:cTn id="1" dur="indefinite" restart="never" nodeType="tmRoot"/>
       </p:par>
     </p:tnLst>
   </p:timing>
@@ -10734,11 +10865,11 @@
   <p:clrMapOvr>
     <a:masterClrMapping/>
   </p:clrMapOvr>
-  <p:transition xmlns:p14="http://schemas.microsoft.com/office/powerpoint/2010/main"/>
+  <p:transition/>
   <p:timing>
     <p:tnLst>
       <p:par>
-        <p:cTn xmlns:p14="http://schemas.microsoft.com/office/powerpoint/2010/main" id="1" dur="indefinite" restart="never" nodeType="tmRoot"/>
+        <p:cTn id="1" dur="indefinite" restart="never" nodeType="tmRoot"/>
       </p:par>
     </p:tnLst>
   </p:timing>
@@ -10877,28 +11008,25 @@
           <a:bodyPr/>
           <a:lstStyle/>
           <a:p>
-            <a:r>
-              <a:rPr lang="en-US" dirty="0" smtClean="0"/>
-              <a:t>Server</a:t>
-            </a:r>
+            <a:endParaRPr lang="en-US" dirty="0" smtClean="0"/>
           </a:p>
         </p:txBody>
       </p:sp>
     </p:spTree>
     <p:extLst>
       <p:ext uri="{BB962C8B-B14F-4D97-AF65-F5344CB8AC3E}">
-        <p14:creationId xmlns:p14="http://schemas.microsoft.com/office/powerpoint/2010/main" val="411826969"/>
+        <p14:creationId xmlns:p14="http://schemas.microsoft.com/office/powerpoint/2010/main" val="1407392292"/>
       </p:ext>
     </p:extLst>
   </p:cSld>
   <p:clrMapOvr>
     <a:masterClrMapping/>
   </p:clrMapOvr>
-  <p:transition xmlns:p14="http://schemas.microsoft.com/office/powerpoint/2010/main"/>
+  <p:transition/>
   <p:timing>
     <p:tnLst>
       <p:par>
-        <p:cTn xmlns:p14="http://schemas.microsoft.com/office/powerpoint/2010/main" id="1" dur="indefinite" restart="never" nodeType="tmRoot"/>
+        <p:cTn id="1" dur="indefinite" restart="never" nodeType="tmRoot"/>
       </p:par>
     </p:tnLst>
   </p:timing>
@@ -10937,7 +11065,10 @@
           <a:bodyPr/>
           <a:lstStyle/>
           <a:p>
-            <a:endParaRPr lang="fr-LU" dirty="0" smtClean="0"/>
+            <a:r>
+              <a:rPr lang="fr-LU" dirty="0" smtClean="0"/>
+              <a:t>QUESTIONS &amp; ANSWERS</a:t>
+            </a:r>
           </a:p>
         </p:txBody>
       </p:sp>
@@ -11017,390 +11148,6 @@
                 <a:defRPr/>
               </a:pPr>
               <a:t>42</a:t>
-            </a:fld>
-            <a:endParaRPr lang="en-GB"/>
-          </a:p>
-        </p:txBody>
-      </p:sp>
-      <p:sp>
-        <p:nvSpPr>
-          <p:cNvPr id="2" name="Content Placeholder 1"/>
-          <p:cNvSpPr>
-            <a:spLocks noGrp="1"/>
-          </p:cNvSpPr>
-          <p:nvPr>
-            <p:ph idx="1"/>
-          </p:nvPr>
-        </p:nvSpPr>
-        <p:spPr/>
-        <p:txBody>
-          <a:bodyPr/>
-          <a:lstStyle/>
-          <a:p>
-            <a:r>
-              <a:rPr lang="en-US" dirty="0" smtClean="0"/>
-              <a:t>Server</a:t>
-            </a:r>
-          </a:p>
-          <a:p>
-            <a:endParaRPr lang="en-US" dirty="0"/>
-          </a:p>
-          <a:p>
-            <a:pPr lvl="1"/>
-            <a:r>
-              <a:rPr lang="en-US" dirty="0" smtClean="0"/>
-              <a:t>Layered in :</a:t>
-            </a:r>
-          </a:p>
-          <a:p>
-            <a:pPr lvl="2"/>
-            <a:r>
-              <a:rPr lang="en-US" dirty="0" smtClean="0"/>
-              <a:t>Routes (controller) </a:t>
-            </a:r>
-            <a:r>
-              <a:rPr lang="en-US" dirty="0" smtClean="0">
-                <a:sym typeface="Wingdings"/>
-              </a:rPr>
-              <a:t> i/o glue</a:t>
-            </a:r>
-            <a:endParaRPr lang="en-US" dirty="0" smtClean="0"/>
-          </a:p>
-          <a:p>
-            <a:pPr lvl="2"/>
-            <a:r>
-              <a:rPr lang="en-US" dirty="0" smtClean="0"/>
-              <a:t>Services </a:t>
-            </a:r>
-            <a:r>
-              <a:rPr lang="en-US" dirty="0" smtClean="0">
-                <a:sym typeface="Wingdings"/>
-              </a:rPr>
-              <a:t> Business logic</a:t>
-            </a:r>
-            <a:endParaRPr lang="en-US" dirty="0" smtClean="0"/>
-          </a:p>
-          <a:p>
-            <a:pPr lvl="2"/>
-            <a:r>
-              <a:rPr lang="en-US" dirty="0" smtClean="0"/>
-              <a:t>Repository </a:t>
-            </a:r>
-            <a:r>
-              <a:rPr lang="en-US" dirty="0" smtClean="0">
-                <a:sym typeface="Wingdings"/>
-              </a:rPr>
-              <a:t> </a:t>
-            </a:r>
-            <a:r>
-              <a:rPr lang="en-US" dirty="0" err="1" smtClean="0">
-                <a:sym typeface="Wingdings"/>
-              </a:rPr>
-              <a:t>db</a:t>
-            </a:r>
-            <a:r>
-              <a:rPr lang="en-US" dirty="0" smtClean="0">
-                <a:sym typeface="Wingdings"/>
-              </a:rPr>
-              <a:t> glue</a:t>
-            </a:r>
-            <a:endParaRPr lang="en-US" dirty="0" smtClean="0"/>
-          </a:p>
-        </p:txBody>
-      </p:sp>
-    </p:spTree>
-    <p:extLst>
-      <p:ext uri="{BB962C8B-B14F-4D97-AF65-F5344CB8AC3E}">
-        <p14:creationId xmlns:p14="http://schemas.microsoft.com/office/powerpoint/2010/main" val="413360099"/>
-      </p:ext>
-    </p:extLst>
-  </p:cSld>
-  <p:clrMapOvr>
-    <a:masterClrMapping/>
-  </p:clrMapOvr>
-  <p:transition xmlns:p14="http://schemas.microsoft.com/office/powerpoint/2010/main"/>
-  <p:timing>
-    <p:tnLst>
-      <p:par>
-        <p:cTn xmlns:p14="http://schemas.microsoft.com/office/powerpoint/2010/main" id="1" dur="indefinite" restart="never" nodeType="tmRoot"/>
-      </p:par>
-    </p:tnLst>
-  </p:timing>
-</p:sld>
-</file>
-
-<file path=ppt/slides/slide43.xml><?xml version="1.0" encoding="utf-8"?>
-<p:sld xmlns:a="http://schemas.openxmlformats.org/drawingml/2006/main" xmlns:r="http://schemas.openxmlformats.org/officeDocument/2006/relationships" xmlns:p="http://schemas.openxmlformats.org/presentationml/2006/main">
-  <p:cSld>
-    <p:spTree>
-      <p:nvGrpSpPr>
-        <p:cNvPr id="1" name=""/>
-        <p:cNvGrpSpPr/>
-        <p:nvPr/>
-      </p:nvGrpSpPr>
-      <p:grpSpPr>
-        <a:xfrm>
-          <a:off x="0" y="0"/>
-          <a:ext cx="0" cy="0"/>
-          <a:chOff x="0" y="0"/>
-          <a:chExt cx="0" cy="0"/>
-        </a:xfrm>
-      </p:grpSpPr>
-      <p:sp>
-        <p:nvSpPr>
-          <p:cNvPr id="27653" name="Title 5"/>
-          <p:cNvSpPr>
-            <a:spLocks noGrp="1"/>
-          </p:cNvSpPr>
-          <p:nvPr>
-            <p:ph type="title"/>
-          </p:nvPr>
-        </p:nvSpPr>
-        <p:spPr/>
-        <p:txBody>
-          <a:bodyPr/>
-          <a:lstStyle/>
-          <a:p>
-            <a:endParaRPr lang="fr-LU" dirty="0" smtClean="0"/>
-          </a:p>
-        </p:txBody>
-      </p:sp>
-      <p:sp>
-        <p:nvSpPr>
-          <p:cNvPr id="3" name="Date Placeholder 2"/>
-          <p:cNvSpPr>
-            <a:spLocks noGrp="1"/>
-          </p:cNvSpPr>
-          <p:nvPr>
-            <p:ph type="dt" sz="half" idx="10"/>
-          </p:nvPr>
-        </p:nvSpPr>
-        <p:spPr/>
-        <p:txBody>
-          <a:bodyPr/>
-          <a:lstStyle/>
-          <a:p>
-            <a:pPr>
-              <a:defRPr/>
-            </a:pPr>
-            <a:r>
-              <a:rPr lang="en-US" smtClean="0"/>
-              <a:t>28 Feb. 2013</a:t>
-            </a:r>
-            <a:endParaRPr lang="en-GB" dirty="0"/>
-          </a:p>
-        </p:txBody>
-      </p:sp>
-      <p:sp>
-        <p:nvSpPr>
-          <p:cNvPr id="5" name="Footer Placeholder 4"/>
-          <p:cNvSpPr>
-            <a:spLocks noGrp="1"/>
-          </p:cNvSpPr>
-          <p:nvPr>
-            <p:ph type="ftr" sz="quarter" idx="11"/>
-          </p:nvPr>
-        </p:nvSpPr>
-        <p:spPr/>
-        <p:txBody>
-          <a:bodyPr/>
-          <a:lstStyle/>
-          <a:p>
-            <a:pPr>
-              <a:defRPr/>
-            </a:pPr>
-            <a:r>
-              <a:rPr lang="fr-LU" smtClean="0"/>
-              <a:t>Introduction to agile methods</a:t>
-            </a:r>
-            <a:endParaRPr lang="en-GB" dirty="0"/>
-          </a:p>
-        </p:txBody>
-      </p:sp>
-      <p:sp>
-        <p:nvSpPr>
-          <p:cNvPr id="4" name="Slide Number Placeholder 3"/>
-          <p:cNvSpPr>
-            <a:spLocks noGrp="1"/>
-          </p:cNvSpPr>
-          <p:nvPr>
-            <p:ph type="sldNum" sz="quarter" idx="12"/>
-          </p:nvPr>
-        </p:nvSpPr>
-        <p:spPr/>
-        <p:txBody>
-          <a:bodyPr/>
-          <a:lstStyle/>
-          <a:p>
-            <a:pPr>
-              <a:defRPr/>
-            </a:pPr>
-            <a:fld id="{684DB56D-94B7-41CB-A6D7-5E8E90856FDB}" type="slidenum">
-              <a:rPr lang="en-GB"/>
-              <a:pPr>
-                <a:defRPr/>
-              </a:pPr>
-              <a:t>43</a:t>
-            </a:fld>
-            <a:endParaRPr lang="en-GB"/>
-          </a:p>
-        </p:txBody>
-      </p:sp>
-      <p:sp>
-        <p:nvSpPr>
-          <p:cNvPr id="2" name="Content Placeholder 1"/>
-          <p:cNvSpPr>
-            <a:spLocks noGrp="1"/>
-          </p:cNvSpPr>
-          <p:nvPr>
-            <p:ph idx="1"/>
-          </p:nvPr>
-        </p:nvSpPr>
-        <p:spPr/>
-        <p:txBody>
-          <a:bodyPr/>
-          <a:lstStyle/>
-          <a:p>
-            <a:endParaRPr lang="en-US" dirty="0" smtClean="0"/>
-          </a:p>
-        </p:txBody>
-      </p:sp>
-    </p:spTree>
-    <p:extLst>
-      <p:ext uri="{BB962C8B-B14F-4D97-AF65-F5344CB8AC3E}">
-        <p14:creationId xmlns:p14="http://schemas.microsoft.com/office/powerpoint/2010/main" val="1407392292"/>
-      </p:ext>
-    </p:extLst>
-  </p:cSld>
-  <p:clrMapOvr>
-    <a:masterClrMapping/>
-  </p:clrMapOvr>
-  <p:transition xmlns:p14="http://schemas.microsoft.com/office/powerpoint/2010/main"/>
-  <p:timing>
-    <p:tnLst>
-      <p:par>
-        <p:cTn xmlns:p14="http://schemas.microsoft.com/office/powerpoint/2010/main" id="1" dur="indefinite" restart="never" nodeType="tmRoot"/>
-      </p:par>
-    </p:tnLst>
-  </p:timing>
-</p:sld>
-</file>
-
-<file path=ppt/slides/slide44.xml><?xml version="1.0" encoding="utf-8"?>
-<p:sld xmlns:a="http://schemas.openxmlformats.org/drawingml/2006/main" xmlns:r="http://schemas.openxmlformats.org/officeDocument/2006/relationships" xmlns:p="http://schemas.openxmlformats.org/presentationml/2006/main">
-  <p:cSld>
-    <p:spTree>
-      <p:nvGrpSpPr>
-        <p:cNvPr id="1" name=""/>
-        <p:cNvGrpSpPr/>
-        <p:nvPr/>
-      </p:nvGrpSpPr>
-      <p:grpSpPr>
-        <a:xfrm>
-          <a:off x="0" y="0"/>
-          <a:ext cx="0" cy="0"/>
-          <a:chOff x="0" y="0"/>
-          <a:chExt cx="0" cy="0"/>
-        </a:xfrm>
-      </p:grpSpPr>
-      <p:sp>
-        <p:nvSpPr>
-          <p:cNvPr id="27653" name="Title 5"/>
-          <p:cNvSpPr>
-            <a:spLocks noGrp="1"/>
-          </p:cNvSpPr>
-          <p:nvPr>
-            <p:ph type="title"/>
-          </p:nvPr>
-        </p:nvSpPr>
-        <p:spPr/>
-        <p:txBody>
-          <a:bodyPr/>
-          <a:lstStyle/>
-          <a:p>
-            <a:r>
-              <a:rPr lang="fr-LU" dirty="0" smtClean="0"/>
-              <a:t>QUESTIONS &amp; ANSWERS</a:t>
-            </a:r>
-          </a:p>
-        </p:txBody>
-      </p:sp>
-      <p:sp>
-        <p:nvSpPr>
-          <p:cNvPr id="3" name="Date Placeholder 2"/>
-          <p:cNvSpPr>
-            <a:spLocks noGrp="1"/>
-          </p:cNvSpPr>
-          <p:nvPr>
-            <p:ph type="dt" sz="half" idx="10"/>
-          </p:nvPr>
-        </p:nvSpPr>
-        <p:spPr/>
-        <p:txBody>
-          <a:bodyPr/>
-          <a:lstStyle/>
-          <a:p>
-            <a:pPr>
-              <a:defRPr/>
-            </a:pPr>
-            <a:r>
-              <a:rPr lang="en-US" smtClean="0"/>
-              <a:t>28 Feb. 2013</a:t>
-            </a:r>
-            <a:endParaRPr lang="en-GB" dirty="0"/>
-          </a:p>
-        </p:txBody>
-      </p:sp>
-      <p:sp>
-        <p:nvSpPr>
-          <p:cNvPr id="5" name="Footer Placeholder 4"/>
-          <p:cNvSpPr>
-            <a:spLocks noGrp="1"/>
-          </p:cNvSpPr>
-          <p:nvPr>
-            <p:ph type="ftr" sz="quarter" idx="11"/>
-          </p:nvPr>
-        </p:nvSpPr>
-        <p:spPr/>
-        <p:txBody>
-          <a:bodyPr/>
-          <a:lstStyle/>
-          <a:p>
-            <a:pPr>
-              <a:defRPr/>
-            </a:pPr>
-            <a:r>
-              <a:rPr lang="fr-LU" smtClean="0"/>
-              <a:t>Introduction to agile methods</a:t>
-            </a:r>
-            <a:endParaRPr lang="en-GB" dirty="0"/>
-          </a:p>
-        </p:txBody>
-      </p:sp>
-      <p:sp>
-        <p:nvSpPr>
-          <p:cNvPr id="4" name="Slide Number Placeholder 3"/>
-          <p:cNvSpPr>
-            <a:spLocks noGrp="1"/>
-          </p:cNvSpPr>
-          <p:nvPr>
-            <p:ph type="sldNum" sz="quarter" idx="12"/>
-          </p:nvPr>
-        </p:nvSpPr>
-        <p:spPr/>
-        <p:txBody>
-          <a:bodyPr/>
-          <a:lstStyle/>
-          <a:p>
-            <a:pPr>
-              <a:defRPr/>
-            </a:pPr>
-            <a:fld id="{684DB56D-94B7-41CB-A6D7-5E8E90856FDB}" type="slidenum">
-              <a:rPr lang="en-GB"/>
-              <a:pPr>
-                <a:defRPr/>
-              </a:pPr>
-              <a:t>44</a:t>
             </a:fld>
             <a:endParaRPr lang="en-GB"/>
           </a:p>
@@ -11439,18 +11186,18 @@
   <p:clrMapOvr>
     <a:masterClrMapping/>
   </p:clrMapOvr>
-  <p:transition xmlns:p14="http://schemas.microsoft.com/office/powerpoint/2010/main"/>
+  <p:transition/>
   <p:timing>
     <p:tnLst>
       <p:par>
-        <p:cTn xmlns:p14="http://schemas.microsoft.com/office/powerpoint/2010/main" id="1" dur="indefinite" restart="never" nodeType="tmRoot"/>
+        <p:cTn id="1" dur="indefinite" restart="never" nodeType="tmRoot"/>
       </p:par>
     </p:tnLst>
   </p:timing>
 </p:sld>
 </file>
 
-<file path=ppt/slides/slide45.xml><?xml version="1.0" encoding="utf-8"?>
+<file path=ppt/slides/slide43.xml><?xml version="1.0" encoding="utf-8"?>
 <p:sld xmlns:a="http://schemas.openxmlformats.org/drawingml/2006/main" xmlns:r="http://schemas.openxmlformats.org/officeDocument/2006/relationships" xmlns:p="http://schemas.openxmlformats.org/presentationml/2006/main">
   <p:cSld>
     <p:spTree>
@@ -11558,7 +11305,7 @@
             <a:fld id="{2CFDF742-C97A-4DE4-AE03-D0A42DA7E310}" type="slidenum">
               <a:rPr lang="en-GB" smtClean="0"/>
               <a:pPr/>
-              <a:t>45</a:t>
+              <a:t>43</a:t>
             </a:fld>
             <a:endParaRPr lang="en-GB"/>
           </a:p>
@@ -11616,14 +11363,14 @@
   <p:timing>
     <p:tnLst>
       <p:par>
-        <p:cTn xmlns:p14="http://schemas.microsoft.com/office/powerpoint/2010/main" id="1" dur="indefinite" restart="never" nodeType="tmRoot"/>
+        <p:cTn id="1" dur="indefinite" restart="never" nodeType="tmRoot"/>
       </p:par>
     </p:tnLst>
   </p:timing>
 </p:sld>
 </file>
 
-<file path=ppt/slides/slide46.xml><?xml version="1.0" encoding="utf-8"?>
+<file path=ppt/slides/slide44.xml><?xml version="1.0" encoding="utf-8"?>
 <p:sld xmlns:a="http://schemas.openxmlformats.org/drawingml/2006/main" xmlns:r="http://schemas.openxmlformats.org/officeDocument/2006/relationships" xmlns:p="http://schemas.openxmlformats.org/presentationml/2006/main">
   <p:cSld>
     <p:spTree>
@@ -11735,7 +11482,7 @@
             <a:fld id="{9716DCE3-3314-4329-BDB9-F369F3DB74C6}" type="slidenum">
               <a:rPr lang="en-GB" smtClean="0"/>
               <a:pPr/>
-              <a:t>46</a:t>
+              <a:t>44</a:t>
             </a:fld>
             <a:endParaRPr lang="en-GB"/>
           </a:p>
@@ -11830,14 +11577,14 @@
   <p:timing>
     <p:tnLst>
       <p:par>
-        <p:cTn xmlns:p14="http://schemas.microsoft.com/office/powerpoint/2010/main" id="1" dur="indefinite" restart="never" nodeType="tmRoot"/>
+        <p:cTn id="1" dur="indefinite" restart="never" nodeType="tmRoot"/>
       </p:par>
     </p:tnLst>
   </p:timing>
 </p:sld>
 </file>
 
-<file path=ppt/slides/slide47.xml><?xml version="1.0" encoding="utf-8"?>
+<file path=ppt/slides/slide45.xml><?xml version="1.0" encoding="utf-8"?>
 <p:sld xmlns:a="http://schemas.openxmlformats.org/drawingml/2006/main" xmlns:r="http://schemas.openxmlformats.org/officeDocument/2006/relationships" xmlns:p="http://schemas.openxmlformats.org/presentationml/2006/main">
   <p:cSld>
     <p:spTree>
@@ -12070,7 +11817,7 @@
             <a:fld id="{9716DCE3-3314-4329-BDB9-F369F3DB74C6}" type="slidenum">
               <a:rPr lang="en-GB" smtClean="0"/>
               <a:pPr/>
-              <a:t>47</a:t>
+              <a:t>45</a:t>
             </a:fld>
             <a:endParaRPr lang="en-GB"/>
           </a:p>
@@ -12089,14 +11836,14 @@
   <p:timing>
     <p:tnLst>
       <p:par>
-        <p:cTn xmlns:p14="http://schemas.microsoft.com/office/powerpoint/2010/main" id="1" dur="indefinite" restart="never" nodeType="tmRoot"/>
+        <p:cTn id="1" dur="indefinite" restart="never" nodeType="tmRoot"/>
       </p:par>
     </p:tnLst>
   </p:timing>
 </p:sld>
 </file>
 
-<file path=ppt/slides/slide48.xml><?xml version="1.0" encoding="utf-8"?>
+<file path=ppt/slides/slide46.xml><?xml version="1.0" encoding="utf-8"?>
 <p:sld xmlns:a="http://schemas.openxmlformats.org/drawingml/2006/main" xmlns:r="http://schemas.openxmlformats.org/officeDocument/2006/relationships" xmlns:p="http://schemas.openxmlformats.org/presentationml/2006/main">
   <p:cSld>
     <p:spTree>
@@ -12208,7 +11955,7 @@
             <a:fld id="{2CFDF742-C97A-4DE4-AE03-D0A42DA7E310}" type="slidenum">
               <a:rPr lang="en-GB" smtClean="0"/>
               <a:pPr/>
-              <a:t>48</a:t>
+              <a:t>46</a:t>
             </a:fld>
             <a:endParaRPr lang="en-GB"/>
           </a:p>
@@ -12266,7 +12013,7 @@
   <p:timing>
     <p:tnLst>
       <p:par>
-        <p:cTn xmlns:p14="http://schemas.microsoft.com/office/powerpoint/2010/main" id="1" dur="indefinite" restart="never" nodeType="tmRoot"/>
+        <p:cTn id="1" dur="indefinite" restart="never" nodeType="tmRoot"/>
       </p:par>
     </p:tnLst>
   </p:timing>
@@ -12472,7 +12219,7 @@
           <a:noFill/>
           <a:extLst>
             <a:ext uri="{909E8E84-426E-40dd-AFC4-6F175D3DCCD1}">
-              <a14:hiddenFill xmlns:a14="http://schemas.microsoft.com/office/drawing/2010/main">
+              <a14:hiddenFill xmlns:a14="http://schemas.microsoft.com/office/drawing/2010/main" xmlns="">
                 <a:solidFill>
                   <a:srgbClr val="FFFFFF"/>
                 </a:solidFill>
@@ -12494,7 +12241,7 @@
   <p:timing>
     <p:tnLst>
       <p:par>
-        <p:cTn xmlns:p14="http://schemas.microsoft.com/office/powerpoint/2010/main" id="1" dur="indefinite" restart="never" nodeType="tmRoot"/>
+        <p:cTn id="1" dur="indefinite" restart="never" nodeType="tmRoot"/>
       </p:par>
     </p:tnLst>
   </p:timing>
@@ -12677,11 +12424,11 @@
   <p:clrMapOvr>
     <a:masterClrMapping/>
   </p:clrMapOvr>
-  <p:transition xmlns:p14="http://schemas.microsoft.com/office/powerpoint/2010/main"/>
+  <p:transition/>
   <p:timing>
     <p:tnLst>
       <p:par>
-        <p:cTn xmlns:p14="http://schemas.microsoft.com/office/powerpoint/2010/main" id="1" dur="indefinite" restart="never" nodeType="tmRoot"/>
+        <p:cTn id="1" dur="indefinite" restart="never" nodeType="tmRoot"/>
       </p:par>
     </p:tnLst>
   </p:timing>
@@ -12931,11 +12678,11 @@
   <p:clrMapOvr>
     <a:masterClrMapping/>
   </p:clrMapOvr>
-  <p:transition xmlns:p14="http://schemas.microsoft.com/office/powerpoint/2010/main"/>
+  <p:transition/>
   <p:timing>
     <p:tnLst>
       <p:par>
-        <p:cTn xmlns:p14="http://schemas.microsoft.com/office/powerpoint/2010/main" id="1" dur="indefinite" restart="never" nodeType="tmRoot"/>
+        <p:cTn id="1" dur="indefinite" restart="never" nodeType="tmRoot"/>
       </p:par>
     </p:tnLst>
   </p:timing>
@@ -13262,11 +13009,11 @@
   <p:clrMapOvr>
     <a:masterClrMapping/>
   </p:clrMapOvr>
-  <p:transition xmlns:p14="http://schemas.microsoft.com/office/powerpoint/2010/main"/>
+  <p:transition/>
   <p:timing>
     <p:tnLst>
       <p:par>
-        <p:cTn xmlns:p14="http://schemas.microsoft.com/office/powerpoint/2010/main" id="1" dur="indefinite" restart="never" nodeType="tmRoot"/>
+        <p:cTn id="1" dur="indefinite" restart="never" nodeType="tmRoot"/>
       </p:par>
     </p:tnLst>
   </p:timing>
@@ -13475,6 +13222,13 @@
   <p:clrMapOvr>
     <a:masterClrMapping/>
   </p:clrMapOvr>
+  <p:timing>
+    <p:tnLst>
+      <p:par>
+        <p:cTn id="1" dur="indefinite" restart="never" nodeType="tmRoot"/>
+      </p:par>
+    </p:tnLst>
+  </p:timing>
 </p:sld>
 </file>
 

--- a/AP-BrownBag(Javascript).pptx
+++ b/AP-BrownBag(Javascript).pptx
@@ -5,7 +5,7 @@
     <p:sldMasterId id="2147483648" r:id="rId4"/>
   </p:sldMasterIdLst>
   <p:notesMasterIdLst>
-    <p:notesMasterId r:id="rId51"/>
+    <p:notesMasterId r:id="rId60"/>
   </p:notesMasterIdLst>
   <p:sldIdLst>
     <p:sldId id="646" r:id="rId5"/>
@@ -49,11 +49,20 @@
     <p:sldId id="660" r:id="rId43"/>
     <p:sldId id="662" r:id="rId44"/>
     <p:sldId id="650" r:id="rId45"/>
-    <p:sldId id="569" r:id="rId46"/>
-    <p:sldId id="620" r:id="rId47"/>
-    <p:sldId id="559" r:id="rId48"/>
-    <p:sldId id="621" r:id="rId49"/>
-    <p:sldId id="622" r:id="rId50"/>
+    <p:sldId id="695" r:id="rId46"/>
+    <p:sldId id="694" r:id="rId47"/>
+    <p:sldId id="692" r:id="rId48"/>
+    <p:sldId id="696" r:id="rId49"/>
+    <p:sldId id="698" r:id="rId50"/>
+    <p:sldId id="699" r:id="rId51"/>
+    <p:sldId id="700" r:id="rId52"/>
+    <p:sldId id="701" r:id="rId53"/>
+    <p:sldId id="702" r:id="rId54"/>
+    <p:sldId id="569" r:id="rId55"/>
+    <p:sldId id="620" r:id="rId56"/>
+    <p:sldId id="559" r:id="rId57"/>
+    <p:sldId id="621" r:id="rId58"/>
+    <p:sldId id="622" r:id="rId59"/>
   </p:sldIdLst>
   <p:sldSz cx="9144000" cy="6858000" type="screen4x3"/>
   <p:notesSz cx="6858000" cy="9144000"/>
@@ -857,7 +866,7 @@
             <a:fld id="{1723DFB0-B4C9-47EE-B82C-757E5342C1E8}" type="slidenum">
               <a:rPr lang="fr-LU" smtClean="0"/>
               <a:pPr/>
-              <a:t>43</a:t>
+              <a:t>52</a:t>
             </a:fld>
             <a:endParaRPr lang="fr-LU"/>
           </a:p>
@@ -944,7 +953,7 @@
             <a:fld id="{1723DFB0-B4C9-47EE-B82C-757E5342C1E8}" type="slidenum">
               <a:rPr lang="fr-LU" smtClean="0"/>
               <a:pPr/>
-              <a:t>46</a:t>
+              <a:t>55</a:t>
             </a:fld>
             <a:endParaRPr lang="fr-LU"/>
           </a:p>
@@ -11010,6 +11019,25 @@
           <a:p>
             <a:endParaRPr lang="en-US" dirty="0" smtClean="0"/>
           </a:p>
+          <a:p>
+            <a:endParaRPr lang="en-US" dirty="0"/>
+          </a:p>
+          <a:p>
+            <a:endParaRPr lang="en-US" dirty="0" smtClean="0"/>
+          </a:p>
+          <a:p>
+            <a:r>
+              <a:rPr lang="en-US" dirty="0" err="1" smtClean="0"/>
+              <a:t>NodeJS</a:t>
+            </a:r>
+            <a:r>
+              <a:rPr lang="en-US" dirty="0" smtClean="0"/>
+              <a:t> – product repository</a:t>
+            </a:r>
+          </a:p>
+          <a:p>
+            <a:endParaRPr lang="en-US" dirty="0" smtClean="0"/>
+          </a:p>
         </p:txBody>
       </p:sp>
     </p:spTree>
@@ -11065,10 +11093,7 @@
           <a:bodyPr/>
           <a:lstStyle/>
           <a:p>
-            <a:r>
-              <a:rPr lang="fr-LU" dirty="0" smtClean="0"/>
-              <a:t>QUESTIONS &amp; ANSWERS</a:t>
-            </a:r>
+            <a:endParaRPr lang="fr-LU" dirty="0" smtClean="0"/>
           </a:p>
         </p:txBody>
       </p:sp>
@@ -11148,6 +11173,2019 @@
                 <a:defRPr/>
               </a:pPr>
               <a:t>42</a:t>
+            </a:fld>
+            <a:endParaRPr lang="en-GB"/>
+          </a:p>
+        </p:txBody>
+      </p:sp>
+      <p:sp>
+        <p:nvSpPr>
+          <p:cNvPr id="2" name="Content Placeholder 1"/>
+          <p:cNvSpPr>
+            <a:spLocks noGrp="1"/>
+          </p:cNvSpPr>
+          <p:nvPr>
+            <p:ph idx="1"/>
+          </p:nvPr>
+        </p:nvSpPr>
+        <p:spPr/>
+        <p:txBody>
+          <a:bodyPr/>
+          <a:lstStyle/>
+          <a:p>
+            <a:r>
+              <a:rPr lang="en-US" dirty="0" smtClean="0"/>
+              <a:t>Test service layer</a:t>
+            </a:r>
+          </a:p>
+          <a:p>
+            <a:endParaRPr lang="en-US" dirty="0"/>
+          </a:p>
+          <a:p>
+            <a:endParaRPr lang="en-US" dirty="0" smtClean="0"/>
+          </a:p>
+          <a:p>
+            <a:pPr marL="0" indent="0">
+              <a:buNone/>
+            </a:pPr>
+            <a:r>
+              <a:rPr lang="en-US" dirty="0" smtClean="0"/>
+              <a:t>			     Product</a:t>
+            </a:r>
+            <a:endParaRPr lang="en-US" dirty="0" smtClean="0"/>
+          </a:p>
+        </p:txBody>
+      </p:sp>
+    </p:spTree>
+    <p:extLst>
+      <p:ext uri="{BB962C8B-B14F-4D97-AF65-F5344CB8AC3E}">
+        <p14:creationId xmlns:p14="http://schemas.microsoft.com/office/powerpoint/2010/main" val="439493451"/>
+      </p:ext>
+    </p:extLst>
+  </p:cSld>
+  <p:clrMapOvr>
+    <a:masterClrMapping/>
+  </p:clrMapOvr>
+  <p:transition/>
+  <p:timing>
+    <p:tnLst>
+      <p:par>
+        <p:cTn id="1" dur="indefinite" restart="never" nodeType="tmRoot"/>
+      </p:par>
+    </p:tnLst>
+  </p:timing>
+</p:sld>
+</file>
+
+<file path=ppt/slides/slide43.xml><?xml version="1.0" encoding="utf-8"?>
+<p:sld xmlns:a="http://schemas.openxmlformats.org/drawingml/2006/main" xmlns:r="http://schemas.openxmlformats.org/officeDocument/2006/relationships" xmlns:p="http://schemas.openxmlformats.org/presentationml/2006/main">
+  <p:cSld>
+    <p:spTree>
+      <p:nvGrpSpPr>
+        <p:cNvPr id="1" name=""/>
+        <p:cNvGrpSpPr/>
+        <p:nvPr/>
+      </p:nvGrpSpPr>
+      <p:grpSpPr>
+        <a:xfrm>
+          <a:off x="0" y="0"/>
+          <a:ext cx="0" cy="0"/>
+          <a:chOff x="0" y="0"/>
+          <a:chExt cx="0" cy="0"/>
+        </a:xfrm>
+      </p:grpSpPr>
+      <p:sp>
+        <p:nvSpPr>
+          <p:cNvPr id="27653" name="Title 5"/>
+          <p:cNvSpPr>
+            <a:spLocks noGrp="1"/>
+          </p:cNvSpPr>
+          <p:nvPr>
+            <p:ph type="title"/>
+          </p:nvPr>
+        </p:nvSpPr>
+        <p:spPr/>
+        <p:txBody>
+          <a:bodyPr/>
+          <a:lstStyle/>
+          <a:p>
+            <a:r>
+              <a:rPr lang="fr-LU" dirty="0" smtClean="0"/>
+              <a:t>Service API</a:t>
+            </a:r>
+            <a:endParaRPr lang="fr-LU" dirty="0" smtClean="0"/>
+          </a:p>
+        </p:txBody>
+      </p:sp>
+      <p:sp>
+        <p:nvSpPr>
+          <p:cNvPr id="3" name="Date Placeholder 2"/>
+          <p:cNvSpPr>
+            <a:spLocks noGrp="1"/>
+          </p:cNvSpPr>
+          <p:nvPr>
+            <p:ph type="dt" sz="half" idx="10"/>
+          </p:nvPr>
+        </p:nvSpPr>
+        <p:spPr/>
+        <p:txBody>
+          <a:bodyPr/>
+          <a:lstStyle/>
+          <a:p>
+            <a:pPr>
+              <a:defRPr/>
+            </a:pPr>
+            <a:r>
+              <a:rPr lang="en-US" smtClean="0"/>
+              <a:t>28 Feb. 2013</a:t>
+            </a:r>
+            <a:endParaRPr lang="en-GB" dirty="0"/>
+          </a:p>
+        </p:txBody>
+      </p:sp>
+      <p:sp>
+        <p:nvSpPr>
+          <p:cNvPr id="5" name="Footer Placeholder 4"/>
+          <p:cNvSpPr>
+            <a:spLocks noGrp="1"/>
+          </p:cNvSpPr>
+          <p:nvPr>
+            <p:ph type="ftr" sz="quarter" idx="11"/>
+          </p:nvPr>
+        </p:nvSpPr>
+        <p:spPr/>
+        <p:txBody>
+          <a:bodyPr/>
+          <a:lstStyle/>
+          <a:p>
+            <a:pPr>
+              <a:defRPr/>
+            </a:pPr>
+            <a:r>
+              <a:rPr lang="fr-LU" smtClean="0"/>
+              <a:t>Introduction to agile methods</a:t>
+            </a:r>
+            <a:endParaRPr lang="en-GB" dirty="0"/>
+          </a:p>
+        </p:txBody>
+      </p:sp>
+      <p:sp>
+        <p:nvSpPr>
+          <p:cNvPr id="4" name="Slide Number Placeholder 3"/>
+          <p:cNvSpPr>
+            <a:spLocks noGrp="1"/>
+          </p:cNvSpPr>
+          <p:nvPr>
+            <p:ph type="sldNum" sz="quarter" idx="12"/>
+          </p:nvPr>
+        </p:nvSpPr>
+        <p:spPr/>
+        <p:txBody>
+          <a:bodyPr/>
+          <a:lstStyle/>
+          <a:p>
+            <a:pPr>
+              <a:defRPr/>
+            </a:pPr>
+            <a:fld id="{684DB56D-94B7-41CB-A6D7-5E8E90856FDB}" type="slidenum">
+              <a:rPr lang="en-GB"/>
+              <a:pPr>
+                <a:defRPr/>
+              </a:pPr>
+              <a:t>43</a:t>
+            </a:fld>
+            <a:endParaRPr lang="en-GB"/>
+          </a:p>
+        </p:txBody>
+      </p:sp>
+      <p:sp>
+        <p:nvSpPr>
+          <p:cNvPr id="2" name="Content Placeholder 1"/>
+          <p:cNvSpPr>
+            <a:spLocks noGrp="1"/>
+          </p:cNvSpPr>
+          <p:nvPr>
+            <p:ph idx="1"/>
+          </p:nvPr>
+        </p:nvSpPr>
+        <p:spPr/>
+        <p:txBody>
+          <a:bodyPr/>
+          <a:lstStyle/>
+          <a:p>
+            <a:endParaRPr lang="en-US" dirty="0" smtClean="0"/>
+          </a:p>
+          <a:p>
+            <a:endParaRPr lang="en-US" dirty="0" smtClean="0"/>
+          </a:p>
+        </p:txBody>
+      </p:sp>
+      <p:sp>
+        <p:nvSpPr>
+          <p:cNvPr id="8" name="TextBox 7"/>
+          <p:cNvSpPr txBox="1"/>
+          <p:nvPr/>
+        </p:nvSpPr>
+        <p:spPr>
+          <a:xfrm>
+            <a:off x="1551398" y="184935"/>
+            <a:ext cx="184731" cy="369332"/>
+          </a:xfrm>
+          <a:prstGeom prst="rect">
+            <a:avLst/>
+          </a:prstGeom>
+          <a:noFill/>
+        </p:spPr>
+        <p:txBody>
+          <a:bodyPr wrap="none" rtlCol="0">
+            <a:spAutoFit/>
+          </a:bodyPr>
+          <a:lstStyle/>
+          <a:p>
+            <a:endParaRPr lang="en-US" dirty="0"/>
+          </a:p>
+        </p:txBody>
+      </p:sp>
+      <p:pic>
+        <p:nvPicPr>
+          <p:cNvPr id="7" name="Picture 6" descr="Screen Shot 2015-04-24 at 11.26.47.png"/>
+          <p:cNvPicPr>
+            <a:picLocks noChangeAspect="1"/>
+          </p:cNvPicPr>
+          <p:nvPr/>
+        </p:nvPicPr>
+        <p:blipFill>
+          <a:blip r:embed="rId2">
+            <a:extLst>
+              <a:ext uri="{28A0092B-C50C-407E-A947-70E740481C1C}">
+                <a14:useLocalDpi xmlns:a14="http://schemas.microsoft.com/office/drawing/2010/main" val="0"/>
+              </a:ext>
+            </a:extLst>
+          </a:blip>
+          <a:stretch>
+            <a:fillRect/>
+          </a:stretch>
+        </p:blipFill>
+        <p:spPr>
+          <a:xfrm>
+            <a:off x="800100" y="1141404"/>
+            <a:ext cx="7886700" cy="4914900"/>
+          </a:xfrm>
+          <a:prstGeom prst="rect">
+            <a:avLst/>
+          </a:prstGeom>
+        </p:spPr>
+      </p:pic>
+    </p:spTree>
+    <p:extLst>
+      <p:ext uri="{BB962C8B-B14F-4D97-AF65-F5344CB8AC3E}">
+        <p14:creationId xmlns:p14="http://schemas.microsoft.com/office/powerpoint/2010/main" val="352406219"/>
+      </p:ext>
+    </p:extLst>
+  </p:cSld>
+  <p:clrMapOvr>
+    <a:masterClrMapping/>
+  </p:clrMapOvr>
+  <p:transition/>
+  <p:timing>
+    <p:tnLst>
+      <p:par>
+        <p:cTn id="1" dur="indefinite" restart="never" nodeType="tmRoot"/>
+      </p:par>
+    </p:tnLst>
+  </p:timing>
+</p:sld>
+</file>
+
+<file path=ppt/slides/slide44.xml><?xml version="1.0" encoding="utf-8"?>
+<p:sld xmlns:a="http://schemas.openxmlformats.org/drawingml/2006/main" xmlns:r="http://schemas.openxmlformats.org/officeDocument/2006/relationships" xmlns:p="http://schemas.openxmlformats.org/presentationml/2006/main">
+  <p:cSld>
+    <p:spTree>
+      <p:nvGrpSpPr>
+        <p:cNvPr id="1" name=""/>
+        <p:cNvGrpSpPr/>
+        <p:nvPr/>
+      </p:nvGrpSpPr>
+      <p:grpSpPr>
+        <a:xfrm>
+          <a:off x="0" y="0"/>
+          <a:ext cx="0" cy="0"/>
+          <a:chOff x="0" y="0"/>
+          <a:chExt cx="0" cy="0"/>
+        </a:xfrm>
+      </p:grpSpPr>
+      <p:sp>
+        <p:nvSpPr>
+          <p:cNvPr id="27653" name="Title 5"/>
+          <p:cNvSpPr>
+            <a:spLocks noGrp="1"/>
+          </p:cNvSpPr>
+          <p:nvPr>
+            <p:ph type="title"/>
+          </p:nvPr>
+        </p:nvSpPr>
+        <p:spPr/>
+        <p:txBody>
+          <a:bodyPr/>
+          <a:lstStyle/>
+          <a:p>
+            <a:r>
+              <a:rPr lang="fr-LU" dirty="0" smtClean="0"/>
+              <a:t>Repository API</a:t>
+            </a:r>
+            <a:endParaRPr lang="fr-LU" dirty="0" smtClean="0"/>
+          </a:p>
+        </p:txBody>
+      </p:sp>
+      <p:sp>
+        <p:nvSpPr>
+          <p:cNvPr id="3" name="Date Placeholder 2"/>
+          <p:cNvSpPr>
+            <a:spLocks noGrp="1"/>
+          </p:cNvSpPr>
+          <p:nvPr>
+            <p:ph type="dt" sz="half" idx="10"/>
+          </p:nvPr>
+        </p:nvSpPr>
+        <p:spPr/>
+        <p:txBody>
+          <a:bodyPr/>
+          <a:lstStyle/>
+          <a:p>
+            <a:pPr>
+              <a:defRPr/>
+            </a:pPr>
+            <a:r>
+              <a:rPr lang="en-US" smtClean="0"/>
+              <a:t>28 Feb. 2013</a:t>
+            </a:r>
+            <a:endParaRPr lang="en-GB" dirty="0"/>
+          </a:p>
+        </p:txBody>
+      </p:sp>
+      <p:sp>
+        <p:nvSpPr>
+          <p:cNvPr id="5" name="Footer Placeholder 4"/>
+          <p:cNvSpPr>
+            <a:spLocks noGrp="1"/>
+          </p:cNvSpPr>
+          <p:nvPr>
+            <p:ph type="ftr" sz="quarter" idx="11"/>
+          </p:nvPr>
+        </p:nvSpPr>
+        <p:spPr/>
+        <p:txBody>
+          <a:bodyPr/>
+          <a:lstStyle/>
+          <a:p>
+            <a:pPr>
+              <a:defRPr/>
+            </a:pPr>
+            <a:r>
+              <a:rPr lang="fr-LU" smtClean="0"/>
+              <a:t>Introduction to agile methods</a:t>
+            </a:r>
+            <a:endParaRPr lang="en-GB" dirty="0"/>
+          </a:p>
+        </p:txBody>
+      </p:sp>
+      <p:sp>
+        <p:nvSpPr>
+          <p:cNvPr id="4" name="Slide Number Placeholder 3"/>
+          <p:cNvSpPr>
+            <a:spLocks noGrp="1"/>
+          </p:cNvSpPr>
+          <p:nvPr>
+            <p:ph type="sldNum" sz="quarter" idx="12"/>
+          </p:nvPr>
+        </p:nvSpPr>
+        <p:spPr/>
+        <p:txBody>
+          <a:bodyPr/>
+          <a:lstStyle/>
+          <a:p>
+            <a:pPr>
+              <a:defRPr/>
+            </a:pPr>
+            <a:fld id="{684DB56D-94B7-41CB-A6D7-5E8E90856FDB}" type="slidenum">
+              <a:rPr lang="en-GB"/>
+              <a:pPr>
+                <a:defRPr/>
+              </a:pPr>
+              <a:t>44</a:t>
+            </a:fld>
+            <a:endParaRPr lang="en-GB"/>
+          </a:p>
+        </p:txBody>
+      </p:sp>
+      <p:sp>
+        <p:nvSpPr>
+          <p:cNvPr id="2" name="Content Placeholder 1"/>
+          <p:cNvSpPr>
+            <a:spLocks noGrp="1"/>
+          </p:cNvSpPr>
+          <p:nvPr>
+            <p:ph idx="1"/>
+          </p:nvPr>
+        </p:nvSpPr>
+        <p:spPr/>
+        <p:txBody>
+          <a:bodyPr/>
+          <a:lstStyle/>
+          <a:p>
+            <a:endParaRPr lang="en-US" dirty="0" smtClean="0"/>
+          </a:p>
+          <a:p>
+            <a:endParaRPr lang="en-US" dirty="0" smtClean="0"/>
+          </a:p>
+        </p:txBody>
+      </p:sp>
+      <p:pic>
+        <p:nvPicPr>
+          <p:cNvPr id="6" name="Picture 5" descr="Screen Shot 2015-04-24 at 11.25.22.png"/>
+          <p:cNvPicPr>
+            <a:picLocks noChangeAspect="1"/>
+          </p:cNvPicPr>
+          <p:nvPr/>
+        </p:nvPicPr>
+        <p:blipFill>
+          <a:blip r:embed="rId2">
+            <a:extLst>
+              <a:ext uri="{28A0092B-C50C-407E-A947-70E740481C1C}">
+                <a14:useLocalDpi xmlns:a14="http://schemas.microsoft.com/office/drawing/2010/main" val="0"/>
+              </a:ext>
+            </a:extLst>
+          </a:blip>
+          <a:stretch>
+            <a:fillRect/>
+          </a:stretch>
+        </p:blipFill>
+        <p:spPr>
+          <a:xfrm>
+            <a:off x="1115616" y="732200"/>
+            <a:ext cx="6732748" cy="6156753"/>
+          </a:xfrm>
+          <a:prstGeom prst="rect">
+            <a:avLst/>
+          </a:prstGeom>
+        </p:spPr>
+      </p:pic>
+    </p:spTree>
+    <p:extLst>
+      <p:ext uri="{BB962C8B-B14F-4D97-AF65-F5344CB8AC3E}">
+        <p14:creationId xmlns:p14="http://schemas.microsoft.com/office/powerpoint/2010/main" val="1376710097"/>
+      </p:ext>
+    </p:extLst>
+  </p:cSld>
+  <p:clrMapOvr>
+    <a:masterClrMapping/>
+  </p:clrMapOvr>
+  <p:transition/>
+  <p:timing>
+    <p:tnLst>
+      <p:par>
+        <p:cTn id="1" dur="indefinite" restart="never" nodeType="tmRoot"/>
+      </p:par>
+    </p:tnLst>
+  </p:timing>
+</p:sld>
+</file>
+
+<file path=ppt/slides/slide45.xml><?xml version="1.0" encoding="utf-8"?>
+<p:sld xmlns:a="http://schemas.openxmlformats.org/drawingml/2006/main" xmlns:r="http://schemas.openxmlformats.org/officeDocument/2006/relationships" xmlns:p="http://schemas.openxmlformats.org/presentationml/2006/main">
+  <p:cSld>
+    <p:spTree>
+      <p:nvGrpSpPr>
+        <p:cNvPr id="1" name=""/>
+        <p:cNvGrpSpPr/>
+        <p:nvPr/>
+      </p:nvGrpSpPr>
+      <p:grpSpPr>
+        <a:xfrm>
+          <a:off x="0" y="0"/>
+          <a:ext cx="0" cy="0"/>
+          <a:chOff x="0" y="0"/>
+          <a:chExt cx="0" cy="0"/>
+        </a:xfrm>
+      </p:grpSpPr>
+      <p:sp>
+        <p:nvSpPr>
+          <p:cNvPr id="27653" name="Title 5"/>
+          <p:cNvSpPr>
+            <a:spLocks noGrp="1"/>
+          </p:cNvSpPr>
+          <p:nvPr>
+            <p:ph type="title"/>
+          </p:nvPr>
+        </p:nvSpPr>
+        <p:spPr/>
+        <p:txBody>
+          <a:bodyPr/>
+          <a:lstStyle/>
+          <a:p>
+            <a:r>
+              <a:rPr lang="fr-LU" dirty="0" smtClean="0"/>
+              <a:t>Unit test: substitute layer</a:t>
+            </a:r>
+            <a:endParaRPr lang="fr-LU" dirty="0" smtClean="0"/>
+          </a:p>
+        </p:txBody>
+      </p:sp>
+      <p:sp>
+        <p:nvSpPr>
+          <p:cNvPr id="3" name="Date Placeholder 2"/>
+          <p:cNvSpPr>
+            <a:spLocks noGrp="1"/>
+          </p:cNvSpPr>
+          <p:nvPr>
+            <p:ph type="dt" sz="half" idx="10"/>
+          </p:nvPr>
+        </p:nvSpPr>
+        <p:spPr/>
+        <p:txBody>
+          <a:bodyPr/>
+          <a:lstStyle/>
+          <a:p>
+            <a:pPr>
+              <a:defRPr/>
+            </a:pPr>
+            <a:r>
+              <a:rPr lang="en-US" smtClean="0"/>
+              <a:t>28 Feb. 2013</a:t>
+            </a:r>
+            <a:endParaRPr lang="en-GB" dirty="0"/>
+          </a:p>
+        </p:txBody>
+      </p:sp>
+      <p:sp>
+        <p:nvSpPr>
+          <p:cNvPr id="5" name="Footer Placeholder 4"/>
+          <p:cNvSpPr>
+            <a:spLocks noGrp="1"/>
+          </p:cNvSpPr>
+          <p:nvPr>
+            <p:ph type="ftr" sz="quarter" idx="11"/>
+          </p:nvPr>
+        </p:nvSpPr>
+        <p:spPr/>
+        <p:txBody>
+          <a:bodyPr/>
+          <a:lstStyle/>
+          <a:p>
+            <a:pPr>
+              <a:defRPr/>
+            </a:pPr>
+            <a:r>
+              <a:rPr lang="fr-LU" smtClean="0"/>
+              <a:t>Introduction to agile methods</a:t>
+            </a:r>
+            <a:endParaRPr lang="en-GB" dirty="0"/>
+          </a:p>
+        </p:txBody>
+      </p:sp>
+      <p:sp>
+        <p:nvSpPr>
+          <p:cNvPr id="4" name="Slide Number Placeholder 3"/>
+          <p:cNvSpPr>
+            <a:spLocks noGrp="1"/>
+          </p:cNvSpPr>
+          <p:nvPr>
+            <p:ph type="sldNum" sz="quarter" idx="12"/>
+          </p:nvPr>
+        </p:nvSpPr>
+        <p:spPr/>
+        <p:txBody>
+          <a:bodyPr/>
+          <a:lstStyle/>
+          <a:p>
+            <a:pPr>
+              <a:defRPr/>
+            </a:pPr>
+            <a:fld id="{684DB56D-94B7-41CB-A6D7-5E8E90856FDB}" type="slidenum">
+              <a:rPr lang="en-GB"/>
+              <a:pPr>
+                <a:defRPr/>
+              </a:pPr>
+              <a:t>45</a:t>
+            </a:fld>
+            <a:endParaRPr lang="en-GB"/>
+          </a:p>
+        </p:txBody>
+      </p:sp>
+      <p:sp>
+        <p:nvSpPr>
+          <p:cNvPr id="2" name="Content Placeholder 1"/>
+          <p:cNvSpPr>
+            <a:spLocks noGrp="1"/>
+          </p:cNvSpPr>
+          <p:nvPr>
+            <p:ph idx="1"/>
+          </p:nvPr>
+        </p:nvSpPr>
+        <p:spPr/>
+        <p:txBody>
+          <a:bodyPr/>
+          <a:lstStyle/>
+          <a:p>
+            <a:r>
+              <a:rPr lang="en-US" dirty="0" smtClean="0"/>
+              <a:t>How to mock the repository layer?</a:t>
+            </a:r>
+            <a:endParaRPr lang="en-US" dirty="0"/>
+          </a:p>
+          <a:p>
+            <a:pPr lvl="1"/>
+            <a:r>
+              <a:rPr lang="en-US" dirty="0" err="1" smtClean="0"/>
+              <a:t>proxysquire</a:t>
+            </a:r>
+            <a:r>
+              <a:rPr lang="en-US" dirty="0" smtClean="0"/>
+              <a:t>!</a:t>
+            </a:r>
+          </a:p>
+        </p:txBody>
+      </p:sp>
+      <p:pic>
+        <p:nvPicPr>
+          <p:cNvPr id="6" name="Picture 5" descr="Screen Shot 2015-04-24 at 11.29.36.png"/>
+          <p:cNvPicPr>
+            <a:picLocks noChangeAspect="1"/>
+          </p:cNvPicPr>
+          <p:nvPr/>
+        </p:nvPicPr>
+        <p:blipFill>
+          <a:blip r:embed="rId2">
+            <a:extLst>
+              <a:ext uri="{28A0092B-C50C-407E-A947-70E740481C1C}">
+                <a14:useLocalDpi xmlns:a14="http://schemas.microsoft.com/office/drawing/2010/main" val="0"/>
+              </a:ext>
+            </a:extLst>
+          </a:blip>
+          <a:stretch>
+            <a:fillRect/>
+          </a:stretch>
+        </p:blipFill>
+        <p:spPr>
+          <a:xfrm>
+            <a:off x="171895" y="2996952"/>
+            <a:ext cx="8813800" cy="2730500"/>
+          </a:xfrm>
+          <a:prstGeom prst="rect">
+            <a:avLst/>
+          </a:prstGeom>
+        </p:spPr>
+      </p:pic>
+    </p:spTree>
+    <p:extLst>
+      <p:ext uri="{BB962C8B-B14F-4D97-AF65-F5344CB8AC3E}">
+        <p14:creationId xmlns:p14="http://schemas.microsoft.com/office/powerpoint/2010/main" val="1789376348"/>
+      </p:ext>
+    </p:extLst>
+  </p:cSld>
+  <p:clrMapOvr>
+    <a:masterClrMapping/>
+  </p:clrMapOvr>
+  <p:transition/>
+  <p:timing>
+    <p:tnLst>
+      <p:par>
+        <p:cTn id="1" dur="indefinite" restart="never" nodeType="tmRoot"/>
+      </p:par>
+    </p:tnLst>
+  </p:timing>
+</p:sld>
+</file>
+
+<file path=ppt/slides/slide46.xml><?xml version="1.0" encoding="utf-8"?>
+<p:sld xmlns:a="http://schemas.openxmlformats.org/drawingml/2006/main" xmlns:r="http://schemas.openxmlformats.org/officeDocument/2006/relationships" xmlns:p="http://schemas.openxmlformats.org/presentationml/2006/main">
+  <p:cSld>
+    <p:spTree>
+      <p:nvGrpSpPr>
+        <p:cNvPr id="1" name=""/>
+        <p:cNvGrpSpPr/>
+        <p:nvPr/>
+      </p:nvGrpSpPr>
+      <p:grpSpPr>
+        <a:xfrm>
+          <a:off x="0" y="0"/>
+          <a:ext cx="0" cy="0"/>
+          <a:chOff x="0" y="0"/>
+          <a:chExt cx="0" cy="0"/>
+        </a:xfrm>
+      </p:grpSpPr>
+      <p:sp>
+        <p:nvSpPr>
+          <p:cNvPr id="27653" name="Title 5"/>
+          <p:cNvSpPr>
+            <a:spLocks noGrp="1"/>
+          </p:cNvSpPr>
+          <p:nvPr>
+            <p:ph type="title"/>
+          </p:nvPr>
+        </p:nvSpPr>
+        <p:spPr/>
+        <p:txBody>
+          <a:bodyPr/>
+          <a:lstStyle/>
+          <a:p>
+            <a:endParaRPr lang="fr-LU" dirty="0" smtClean="0"/>
+          </a:p>
+        </p:txBody>
+      </p:sp>
+      <p:sp>
+        <p:nvSpPr>
+          <p:cNvPr id="3" name="Date Placeholder 2"/>
+          <p:cNvSpPr>
+            <a:spLocks noGrp="1"/>
+          </p:cNvSpPr>
+          <p:nvPr>
+            <p:ph type="dt" sz="half" idx="10"/>
+          </p:nvPr>
+        </p:nvSpPr>
+        <p:spPr/>
+        <p:txBody>
+          <a:bodyPr/>
+          <a:lstStyle/>
+          <a:p>
+            <a:pPr>
+              <a:defRPr/>
+            </a:pPr>
+            <a:r>
+              <a:rPr lang="en-US" smtClean="0"/>
+              <a:t>28 Feb. 2013</a:t>
+            </a:r>
+            <a:endParaRPr lang="en-GB" dirty="0"/>
+          </a:p>
+        </p:txBody>
+      </p:sp>
+      <p:sp>
+        <p:nvSpPr>
+          <p:cNvPr id="5" name="Footer Placeholder 4"/>
+          <p:cNvSpPr>
+            <a:spLocks noGrp="1"/>
+          </p:cNvSpPr>
+          <p:nvPr>
+            <p:ph type="ftr" sz="quarter" idx="11"/>
+          </p:nvPr>
+        </p:nvSpPr>
+        <p:spPr/>
+        <p:txBody>
+          <a:bodyPr/>
+          <a:lstStyle/>
+          <a:p>
+            <a:pPr>
+              <a:defRPr/>
+            </a:pPr>
+            <a:r>
+              <a:rPr lang="fr-LU" smtClean="0"/>
+              <a:t>Introduction to agile methods</a:t>
+            </a:r>
+            <a:endParaRPr lang="en-GB" dirty="0"/>
+          </a:p>
+        </p:txBody>
+      </p:sp>
+      <p:sp>
+        <p:nvSpPr>
+          <p:cNvPr id="4" name="Slide Number Placeholder 3"/>
+          <p:cNvSpPr>
+            <a:spLocks noGrp="1"/>
+          </p:cNvSpPr>
+          <p:nvPr>
+            <p:ph type="sldNum" sz="quarter" idx="12"/>
+          </p:nvPr>
+        </p:nvSpPr>
+        <p:spPr/>
+        <p:txBody>
+          <a:bodyPr/>
+          <a:lstStyle/>
+          <a:p>
+            <a:pPr>
+              <a:defRPr/>
+            </a:pPr>
+            <a:fld id="{684DB56D-94B7-41CB-A6D7-5E8E90856FDB}" type="slidenum">
+              <a:rPr lang="en-GB"/>
+              <a:pPr>
+                <a:defRPr/>
+              </a:pPr>
+              <a:t>46</a:t>
+            </a:fld>
+            <a:endParaRPr lang="en-GB"/>
+          </a:p>
+        </p:txBody>
+      </p:sp>
+      <p:sp>
+        <p:nvSpPr>
+          <p:cNvPr id="2" name="Content Placeholder 1"/>
+          <p:cNvSpPr>
+            <a:spLocks noGrp="1"/>
+          </p:cNvSpPr>
+          <p:nvPr>
+            <p:ph idx="1"/>
+          </p:nvPr>
+        </p:nvSpPr>
+        <p:spPr/>
+        <p:txBody>
+          <a:bodyPr/>
+          <a:lstStyle/>
+          <a:p>
+            <a:r>
+              <a:rPr lang="en-US" dirty="0" smtClean="0"/>
+              <a:t>Test skeleton</a:t>
+            </a:r>
+          </a:p>
+          <a:p>
+            <a:pPr marL="0" indent="0">
+              <a:buNone/>
+            </a:pPr>
+            <a:endParaRPr lang="en-US" dirty="0" smtClean="0"/>
+          </a:p>
+        </p:txBody>
+      </p:sp>
+      <p:pic>
+        <p:nvPicPr>
+          <p:cNvPr id="7" name="Picture 6" descr="Screen Shot 2015-04-24 at 11.35.16.png"/>
+          <p:cNvPicPr>
+            <a:picLocks noChangeAspect="1"/>
+          </p:cNvPicPr>
+          <p:nvPr/>
+        </p:nvPicPr>
+        <p:blipFill>
+          <a:blip r:embed="rId2">
+            <a:extLst>
+              <a:ext uri="{28A0092B-C50C-407E-A947-70E740481C1C}">
+                <a14:useLocalDpi xmlns:a14="http://schemas.microsoft.com/office/drawing/2010/main" val="0"/>
+              </a:ext>
+            </a:extLst>
+          </a:blip>
+          <a:stretch>
+            <a:fillRect/>
+          </a:stretch>
+        </p:blipFill>
+        <p:spPr>
+          <a:xfrm>
+            <a:off x="0" y="1739900"/>
+            <a:ext cx="9144000" cy="3359020"/>
+          </a:xfrm>
+          <a:prstGeom prst="rect">
+            <a:avLst/>
+          </a:prstGeom>
+        </p:spPr>
+      </p:pic>
+    </p:spTree>
+    <p:extLst>
+      <p:ext uri="{BB962C8B-B14F-4D97-AF65-F5344CB8AC3E}">
+        <p14:creationId xmlns:p14="http://schemas.microsoft.com/office/powerpoint/2010/main" val="624549797"/>
+      </p:ext>
+    </p:extLst>
+  </p:cSld>
+  <p:clrMapOvr>
+    <a:masterClrMapping/>
+  </p:clrMapOvr>
+  <p:transition/>
+  <p:timing>
+    <p:tnLst>
+      <p:par>
+        <p:cTn id="1" dur="indefinite" restart="never" nodeType="tmRoot"/>
+      </p:par>
+    </p:tnLst>
+  </p:timing>
+</p:sld>
+</file>
+
+<file path=ppt/slides/slide47.xml><?xml version="1.0" encoding="utf-8"?>
+<p:sld xmlns:a="http://schemas.openxmlformats.org/drawingml/2006/main" xmlns:r="http://schemas.openxmlformats.org/officeDocument/2006/relationships" xmlns:p="http://schemas.openxmlformats.org/presentationml/2006/main">
+  <p:cSld>
+    <p:spTree>
+      <p:nvGrpSpPr>
+        <p:cNvPr id="1" name=""/>
+        <p:cNvGrpSpPr/>
+        <p:nvPr/>
+      </p:nvGrpSpPr>
+      <p:grpSpPr>
+        <a:xfrm>
+          <a:off x="0" y="0"/>
+          <a:ext cx="0" cy="0"/>
+          <a:chOff x="0" y="0"/>
+          <a:chExt cx="0" cy="0"/>
+        </a:xfrm>
+      </p:grpSpPr>
+      <p:sp>
+        <p:nvSpPr>
+          <p:cNvPr id="27653" name="Title 5"/>
+          <p:cNvSpPr>
+            <a:spLocks noGrp="1"/>
+          </p:cNvSpPr>
+          <p:nvPr>
+            <p:ph type="title"/>
+          </p:nvPr>
+        </p:nvSpPr>
+        <p:spPr/>
+        <p:txBody>
+          <a:bodyPr/>
+          <a:lstStyle/>
+          <a:p>
+            <a:endParaRPr lang="fr-LU" dirty="0" smtClean="0"/>
+          </a:p>
+        </p:txBody>
+      </p:sp>
+      <p:sp>
+        <p:nvSpPr>
+          <p:cNvPr id="3" name="Date Placeholder 2"/>
+          <p:cNvSpPr>
+            <a:spLocks noGrp="1"/>
+          </p:cNvSpPr>
+          <p:nvPr>
+            <p:ph type="dt" sz="half" idx="10"/>
+          </p:nvPr>
+        </p:nvSpPr>
+        <p:spPr/>
+        <p:txBody>
+          <a:bodyPr/>
+          <a:lstStyle/>
+          <a:p>
+            <a:pPr>
+              <a:defRPr/>
+            </a:pPr>
+            <a:r>
+              <a:rPr lang="en-US" smtClean="0"/>
+              <a:t>28 Feb. 2013</a:t>
+            </a:r>
+            <a:endParaRPr lang="en-GB" dirty="0"/>
+          </a:p>
+        </p:txBody>
+      </p:sp>
+      <p:sp>
+        <p:nvSpPr>
+          <p:cNvPr id="5" name="Footer Placeholder 4"/>
+          <p:cNvSpPr>
+            <a:spLocks noGrp="1"/>
+          </p:cNvSpPr>
+          <p:nvPr>
+            <p:ph type="ftr" sz="quarter" idx="11"/>
+          </p:nvPr>
+        </p:nvSpPr>
+        <p:spPr/>
+        <p:txBody>
+          <a:bodyPr/>
+          <a:lstStyle/>
+          <a:p>
+            <a:pPr>
+              <a:defRPr/>
+            </a:pPr>
+            <a:r>
+              <a:rPr lang="fr-LU" smtClean="0"/>
+              <a:t>Introduction to agile methods</a:t>
+            </a:r>
+            <a:endParaRPr lang="en-GB" dirty="0"/>
+          </a:p>
+        </p:txBody>
+      </p:sp>
+      <p:sp>
+        <p:nvSpPr>
+          <p:cNvPr id="4" name="Slide Number Placeholder 3"/>
+          <p:cNvSpPr>
+            <a:spLocks noGrp="1"/>
+          </p:cNvSpPr>
+          <p:nvPr>
+            <p:ph type="sldNum" sz="quarter" idx="12"/>
+          </p:nvPr>
+        </p:nvSpPr>
+        <p:spPr/>
+        <p:txBody>
+          <a:bodyPr/>
+          <a:lstStyle/>
+          <a:p>
+            <a:pPr>
+              <a:defRPr/>
+            </a:pPr>
+            <a:fld id="{684DB56D-94B7-41CB-A6D7-5E8E90856FDB}" type="slidenum">
+              <a:rPr lang="en-GB"/>
+              <a:pPr>
+                <a:defRPr/>
+              </a:pPr>
+              <a:t>47</a:t>
+            </a:fld>
+            <a:endParaRPr lang="en-GB"/>
+          </a:p>
+        </p:txBody>
+      </p:sp>
+      <p:sp>
+        <p:nvSpPr>
+          <p:cNvPr id="2" name="Content Placeholder 1"/>
+          <p:cNvSpPr>
+            <a:spLocks noGrp="1"/>
+          </p:cNvSpPr>
+          <p:nvPr>
+            <p:ph idx="1"/>
+          </p:nvPr>
+        </p:nvSpPr>
+        <p:spPr/>
+        <p:txBody>
+          <a:bodyPr/>
+          <a:lstStyle/>
+          <a:p>
+            <a:r>
+              <a:rPr lang="en-US" dirty="0" smtClean="0"/>
+              <a:t>Stub repository</a:t>
+            </a:r>
+          </a:p>
+          <a:p>
+            <a:pPr marL="0" indent="0">
+              <a:buNone/>
+            </a:pPr>
+            <a:endParaRPr lang="en-US" dirty="0" smtClean="0"/>
+          </a:p>
+        </p:txBody>
+      </p:sp>
+      <p:pic>
+        <p:nvPicPr>
+          <p:cNvPr id="6" name="Picture 5" descr="Screen Shot 2015-04-24 at 11.36.45.png"/>
+          <p:cNvPicPr>
+            <a:picLocks noChangeAspect="1"/>
+          </p:cNvPicPr>
+          <p:nvPr/>
+        </p:nvPicPr>
+        <p:blipFill>
+          <a:blip r:embed="rId2">
+            <a:extLst>
+              <a:ext uri="{28A0092B-C50C-407E-A947-70E740481C1C}">
+                <a14:useLocalDpi xmlns:a14="http://schemas.microsoft.com/office/drawing/2010/main" val="0"/>
+              </a:ext>
+            </a:extLst>
+          </a:blip>
+          <a:stretch>
+            <a:fillRect/>
+          </a:stretch>
+        </p:blipFill>
+        <p:spPr>
+          <a:xfrm>
+            <a:off x="114300" y="2374900"/>
+            <a:ext cx="8902700" cy="2095500"/>
+          </a:xfrm>
+          <a:prstGeom prst="rect">
+            <a:avLst/>
+          </a:prstGeom>
+        </p:spPr>
+      </p:pic>
+    </p:spTree>
+    <p:extLst>
+      <p:ext uri="{BB962C8B-B14F-4D97-AF65-F5344CB8AC3E}">
+        <p14:creationId xmlns:p14="http://schemas.microsoft.com/office/powerpoint/2010/main" val="1186090428"/>
+      </p:ext>
+    </p:extLst>
+  </p:cSld>
+  <p:clrMapOvr>
+    <a:masterClrMapping/>
+  </p:clrMapOvr>
+  <p:transition/>
+  <p:timing>
+    <p:tnLst>
+      <p:par>
+        <p:cTn id="1" dur="indefinite" restart="never" nodeType="tmRoot"/>
+      </p:par>
+    </p:tnLst>
+  </p:timing>
+</p:sld>
+</file>
+
+<file path=ppt/slides/slide48.xml><?xml version="1.0" encoding="utf-8"?>
+<p:sld xmlns:a="http://schemas.openxmlformats.org/drawingml/2006/main" xmlns:r="http://schemas.openxmlformats.org/officeDocument/2006/relationships" xmlns:p="http://schemas.openxmlformats.org/presentationml/2006/main">
+  <p:cSld>
+    <p:spTree>
+      <p:nvGrpSpPr>
+        <p:cNvPr id="1" name=""/>
+        <p:cNvGrpSpPr/>
+        <p:nvPr/>
+      </p:nvGrpSpPr>
+      <p:grpSpPr>
+        <a:xfrm>
+          <a:off x="0" y="0"/>
+          <a:ext cx="0" cy="0"/>
+          <a:chOff x="0" y="0"/>
+          <a:chExt cx="0" cy="0"/>
+        </a:xfrm>
+      </p:grpSpPr>
+      <p:sp>
+        <p:nvSpPr>
+          <p:cNvPr id="27653" name="Title 5"/>
+          <p:cNvSpPr>
+            <a:spLocks noGrp="1"/>
+          </p:cNvSpPr>
+          <p:nvPr>
+            <p:ph type="title"/>
+          </p:nvPr>
+        </p:nvSpPr>
+        <p:spPr/>
+        <p:txBody>
+          <a:bodyPr/>
+          <a:lstStyle/>
+          <a:p>
+            <a:endParaRPr lang="fr-LU" dirty="0" smtClean="0"/>
+          </a:p>
+        </p:txBody>
+      </p:sp>
+      <p:sp>
+        <p:nvSpPr>
+          <p:cNvPr id="3" name="Date Placeholder 2"/>
+          <p:cNvSpPr>
+            <a:spLocks noGrp="1"/>
+          </p:cNvSpPr>
+          <p:nvPr>
+            <p:ph type="dt" sz="half" idx="10"/>
+          </p:nvPr>
+        </p:nvSpPr>
+        <p:spPr/>
+        <p:txBody>
+          <a:bodyPr/>
+          <a:lstStyle/>
+          <a:p>
+            <a:pPr>
+              <a:defRPr/>
+            </a:pPr>
+            <a:r>
+              <a:rPr lang="en-US" smtClean="0"/>
+              <a:t>28 Feb. 2013</a:t>
+            </a:r>
+            <a:endParaRPr lang="en-GB" dirty="0"/>
+          </a:p>
+        </p:txBody>
+      </p:sp>
+      <p:sp>
+        <p:nvSpPr>
+          <p:cNvPr id="5" name="Footer Placeholder 4"/>
+          <p:cNvSpPr>
+            <a:spLocks noGrp="1"/>
+          </p:cNvSpPr>
+          <p:nvPr>
+            <p:ph type="ftr" sz="quarter" idx="11"/>
+          </p:nvPr>
+        </p:nvSpPr>
+        <p:spPr/>
+        <p:txBody>
+          <a:bodyPr/>
+          <a:lstStyle/>
+          <a:p>
+            <a:pPr>
+              <a:defRPr/>
+            </a:pPr>
+            <a:r>
+              <a:rPr lang="fr-LU" smtClean="0"/>
+              <a:t>Introduction to agile methods</a:t>
+            </a:r>
+            <a:endParaRPr lang="en-GB" dirty="0"/>
+          </a:p>
+        </p:txBody>
+      </p:sp>
+      <p:sp>
+        <p:nvSpPr>
+          <p:cNvPr id="4" name="Slide Number Placeholder 3"/>
+          <p:cNvSpPr>
+            <a:spLocks noGrp="1"/>
+          </p:cNvSpPr>
+          <p:nvPr>
+            <p:ph type="sldNum" sz="quarter" idx="12"/>
+          </p:nvPr>
+        </p:nvSpPr>
+        <p:spPr/>
+        <p:txBody>
+          <a:bodyPr/>
+          <a:lstStyle/>
+          <a:p>
+            <a:pPr>
+              <a:defRPr/>
+            </a:pPr>
+            <a:fld id="{684DB56D-94B7-41CB-A6D7-5E8E90856FDB}" type="slidenum">
+              <a:rPr lang="en-GB"/>
+              <a:pPr>
+                <a:defRPr/>
+              </a:pPr>
+              <a:t>48</a:t>
+            </a:fld>
+            <a:endParaRPr lang="en-GB"/>
+          </a:p>
+        </p:txBody>
+      </p:sp>
+      <p:sp>
+        <p:nvSpPr>
+          <p:cNvPr id="2" name="Content Placeholder 1"/>
+          <p:cNvSpPr>
+            <a:spLocks noGrp="1"/>
+          </p:cNvSpPr>
+          <p:nvPr>
+            <p:ph idx="1"/>
+          </p:nvPr>
+        </p:nvSpPr>
+        <p:spPr/>
+        <p:txBody>
+          <a:bodyPr/>
+          <a:lstStyle/>
+          <a:p>
+            <a:r>
+              <a:rPr lang="en-US" dirty="0" smtClean="0"/>
+              <a:t>Call the service</a:t>
+            </a:r>
+          </a:p>
+          <a:p>
+            <a:pPr marL="0" indent="0">
+              <a:buNone/>
+            </a:pPr>
+            <a:endParaRPr lang="en-US" dirty="0" smtClean="0"/>
+          </a:p>
+        </p:txBody>
+      </p:sp>
+      <p:pic>
+        <p:nvPicPr>
+          <p:cNvPr id="6" name="Picture 5" descr="Screen Shot 2015-04-24 at 11.36.45.png"/>
+          <p:cNvPicPr>
+            <a:picLocks noChangeAspect="1"/>
+          </p:cNvPicPr>
+          <p:nvPr/>
+        </p:nvPicPr>
+        <p:blipFill>
+          <a:blip r:embed="rId2">
+            <a:extLst>
+              <a:ext uri="{28A0092B-C50C-407E-A947-70E740481C1C}">
+                <a14:useLocalDpi xmlns:a14="http://schemas.microsoft.com/office/drawing/2010/main" val="0"/>
+              </a:ext>
+            </a:extLst>
+          </a:blip>
+          <a:stretch>
+            <a:fillRect/>
+          </a:stretch>
+        </p:blipFill>
+        <p:spPr>
+          <a:xfrm>
+            <a:off x="114300" y="2374900"/>
+            <a:ext cx="8902700" cy="2095500"/>
+          </a:xfrm>
+          <a:prstGeom prst="rect">
+            <a:avLst/>
+          </a:prstGeom>
+        </p:spPr>
+      </p:pic>
+    </p:spTree>
+    <p:extLst>
+      <p:ext uri="{BB962C8B-B14F-4D97-AF65-F5344CB8AC3E}">
+        <p14:creationId xmlns:p14="http://schemas.microsoft.com/office/powerpoint/2010/main" val="2416949"/>
+      </p:ext>
+    </p:extLst>
+  </p:cSld>
+  <p:clrMapOvr>
+    <a:masterClrMapping/>
+  </p:clrMapOvr>
+  <p:transition/>
+  <p:timing>
+    <p:tnLst>
+      <p:par>
+        <p:cTn id="1" dur="indefinite" restart="never" nodeType="tmRoot"/>
+      </p:par>
+    </p:tnLst>
+  </p:timing>
+</p:sld>
+</file>
+
+<file path=ppt/slides/slide49.xml><?xml version="1.0" encoding="utf-8"?>
+<p:sld xmlns:a="http://schemas.openxmlformats.org/drawingml/2006/main" xmlns:r="http://schemas.openxmlformats.org/officeDocument/2006/relationships" xmlns:p="http://schemas.openxmlformats.org/presentationml/2006/main">
+  <p:cSld>
+    <p:spTree>
+      <p:nvGrpSpPr>
+        <p:cNvPr id="1" name=""/>
+        <p:cNvGrpSpPr/>
+        <p:nvPr/>
+      </p:nvGrpSpPr>
+      <p:grpSpPr>
+        <a:xfrm>
+          <a:off x="0" y="0"/>
+          <a:ext cx="0" cy="0"/>
+          <a:chOff x="0" y="0"/>
+          <a:chExt cx="0" cy="0"/>
+        </a:xfrm>
+      </p:grpSpPr>
+      <p:sp>
+        <p:nvSpPr>
+          <p:cNvPr id="27653" name="Title 5"/>
+          <p:cNvSpPr>
+            <a:spLocks noGrp="1"/>
+          </p:cNvSpPr>
+          <p:nvPr>
+            <p:ph type="title"/>
+          </p:nvPr>
+        </p:nvSpPr>
+        <p:spPr/>
+        <p:txBody>
+          <a:bodyPr/>
+          <a:lstStyle/>
+          <a:p>
+            <a:endParaRPr lang="fr-LU" dirty="0" smtClean="0"/>
+          </a:p>
+        </p:txBody>
+      </p:sp>
+      <p:sp>
+        <p:nvSpPr>
+          <p:cNvPr id="3" name="Date Placeholder 2"/>
+          <p:cNvSpPr>
+            <a:spLocks noGrp="1"/>
+          </p:cNvSpPr>
+          <p:nvPr>
+            <p:ph type="dt" sz="half" idx="10"/>
+          </p:nvPr>
+        </p:nvSpPr>
+        <p:spPr/>
+        <p:txBody>
+          <a:bodyPr/>
+          <a:lstStyle/>
+          <a:p>
+            <a:pPr>
+              <a:defRPr/>
+            </a:pPr>
+            <a:r>
+              <a:rPr lang="en-US" smtClean="0"/>
+              <a:t>28 Feb. 2013</a:t>
+            </a:r>
+            <a:endParaRPr lang="en-GB" dirty="0"/>
+          </a:p>
+        </p:txBody>
+      </p:sp>
+      <p:sp>
+        <p:nvSpPr>
+          <p:cNvPr id="5" name="Footer Placeholder 4"/>
+          <p:cNvSpPr>
+            <a:spLocks noGrp="1"/>
+          </p:cNvSpPr>
+          <p:nvPr>
+            <p:ph type="ftr" sz="quarter" idx="11"/>
+          </p:nvPr>
+        </p:nvSpPr>
+        <p:spPr/>
+        <p:txBody>
+          <a:bodyPr/>
+          <a:lstStyle/>
+          <a:p>
+            <a:pPr>
+              <a:defRPr/>
+            </a:pPr>
+            <a:r>
+              <a:rPr lang="fr-LU" smtClean="0"/>
+              <a:t>Introduction to agile methods</a:t>
+            </a:r>
+            <a:endParaRPr lang="en-GB" dirty="0"/>
+          </a:p>
+        </p:txBody>
+      </p:sp>
+      <p:sp>
+        <p:nvSpPr>
+          <p:cNvPr id="4" name="Slide Number Placeholder 3"/>
+          <p:cNvSpPr>
+            <a:spLocks noGrp="1"/>
+          </p:cNvSpPr>
+          <p:nvPr>
+            <p:ph type="sldNum" sz="quarter" idx="12"/>
+          </p:nvPr>
+        </p:nvSpPr>
+        <p:spPr/>
+        <p:txBody>
+          <a:bodyPr/>
+          <a:lstStyle/>
+          <a:p>
+            <a:pPr>
+              <a:defRPr/>
+            </a:pPr>
+            <a:fld id="{684DB56D-94B7-41CB-A6D7-5E8E90856FDB}" type="slidenum">
+              <a:rPr lang="en-GB"/>
+              <a:pPr>
+                <a:defRPr/>
+              </a:pPr>
+              <a:t>49</a:t>
+            </a:fld>
+            <a:endParaRPr lang="en-GB"/>
+          </a:p>
+        </p:txBody>
+      </p:sp>
+      <p:sp>
+        <p:nvSpPr>
+          <p:cNvPr id="2" name="Content Placeholder 1"/>
+          <p:cNvSpPr>
+            <a:spLocks noGrp="1"/>
+          </p:cNvSpPr>
+          <p:nvPr>
+            <p:ph idx="1"/>
+          </p:nvPr>
+        </p:nvSpPr>
+        <p:spPr/>
+        <p:txBody>
+          <a:bodyPr/>
+          <a:lstStyle/>
+          <a:p>
+            <a:r>
+              <a:rPr lang="en-US" dirty="0" smtClean="0"/>
+              <a:t>Call </a:t>
+            </a:r>
+            <a:r>
+              <a:rPr lang="en-US" smtClean="0"/>
+              <a:t>the service</a:t>
+            </a:r>
+            <a:endParaRPr lang="en-US" dirty="0" smtClean="0"/>
+          </a:p>
+          <a:p>
+            <a:pPr marL="0" indent="0">
+              <a:buNone/>
+            </a:pPr>
+            <a:endParaRPr lang="en-US" dirty="0" smtClean="0"/>
+          </a:p>
+        </p:txBody>
+      </p:sp>
+      <p:pic>
+        <p:nvPicPr>
+          <p:cNvPr id="7" name="Picture 6" descr="Screen Shot 2015-04-24 at 11.37.25.png"/>
+          <p:cNvPicPr>
+            <a:picLocks noChangeAspect="1"/>
+          </p:cNvPicPr>
+          <p:nvPr/>
+        </p:nvPicPr>
+        <p:blipFill>
+          <a:blip r:embed="rId2">
+            <a:extLst>
+              <a:ext uri="{28A0092B-C50C-407E-A947-70E740481C1C}">
+                <a14:useLocalDpi xmlns:a14="http://schemas.microsoft.com/office/drawing/2010/main" val="0"/>
+              </a:ext>
+            </a:extLst>
+          </a:blip>
+          <a:stretch>
+            <a:fillRect/>
+          </a:stretch>
+        </p:blipFill>
+        <p:spPr>
+          <a:xfrm>
+            <a:off x="482600" y="3136900"/>
+            <a:ext cx="8166100" cy="584200"/>
+          </a:xfrm>
+          <a:prstGeom prst="rect">
+            <a:avLst/>
+          </a:prstGeom>
+        </p:spPr>
+      </p:pic>
+    </p:spTree>
+    <p:extLst>
+      <p:ext uri="{BB962C8B-B14F-4D97-AF65-F5344CB8AC3E}">
+        <p14:creationId xmlns:p14="http://schemas.microsoft.com/office/powerpoint/2010/main" val="500618996"/>
+      </p:ext>
+    </p:extLst>
+  </p:cSld>
+  <p:clrMapOvr>
+    <a:masterClrMapping/>
+  </p:clrMapOvr>
+  <p:transition/>
+  <p:timing>
+    <p:tnLst>
+      <p:par>
+        <p:cTn id="1" dur="indefinite" restart="never" nodeType="tmRoot"/>
+      </p:par>
+    </p:tnLst>
+  </p:timing>
+</p:sld>
+</file>
+
+<file path=ppt/slides/slide5.xml><?xml version="1.0" encoding="utf-8"?>
+<p:sld xmlns:a="http://schemas.openxmlformats.org/drawingml/2006/main" xmlns:r="http://schemas.openxmlformats.org/officeDocument/2006/relationships" xmlns:p="http://schemas.openxmlformats.org/presentationml/2006/main">
+  <p:cSld>
+    <p:spTree>
+      <p:nvGrpSpPr>
+        <p:cNvPr id="1" name=""/>
+        <p:cNvGrpSpPr/>
+        <p:nvPr/>
+      </p:nvGrpSpPr>
+      <p:grpSpPr>
+        <a:xfrm>
+          <a:off x="0" y="0"/>
+          <a:ext cx="0" cy="0"/>
+          <a:chOff x="0" y="0"/>
+          <a:chExt cx="0" cy="0"/>
+        </a:xfrm>
+      </p:grpSpPr>
+      <p:sp>
+        <p:nvSpPr>
+          <p:cNvPr id="2" name="Title 1"/>
+          <p:cNvSpPr>
+            <a:spLocks noGrp="1"/>
+          </p:cNvSpPr>
+          <p:nvPr>
+            <p:ph type="title"/>
+          </p:nvPr>
+        </p:nvSpPr>
+        <p:spPr/>
+        <p:txBody>
+          <a:bodyPr/>
+          <a:lstStyle/>
+          <a:p>
+            <a:endParaRPr lang="en-US" dirty="0"/>
+          </a:p>
+        </p:txBody>
+      </p:sp>
+      <p:sp>
+        <p:nvSpPr>
+          <p:cNvPr id="3" name="Content Placeholder 2"/>
+          <p:cNvSpPr>
+            <a:spLocks noGrp="1"/>
+          </p:cNvSpPr>
+          <p:nvPr>
+            <p:ph idx="1"/>
+          </p:nvPr>
+        </p:nvSpPr>
+        <p:spPr/>
+        <p:txBody>
+          <a:bodyPr/>
+          <a:lstStyle/>
+          <a:p>
+            <a:pPr marL="0" indent="0">
+              <a:buNone/>
+            </a:pPr>
+            <a:r>
+              <a:rPr lang="en-US" dirty="0" smtClean="0"/>
+              <a:t>What about you?</a:t>
+            </a:r>
+          </a:p>
+          <a:p>
+            <a:endParaRPr lang="en-US" dirty="0"/>
+          </a:p>
+          <a:p>
+            <a:endParaRPr lang="en-US" dirty="0" smtClean="0"/>
+          </a:p>
+          <a:p>
+            <a:endParaRPr lang="en-US" dirty="0"/>
+          </a:p>
+          <a:p>
+            <a:endParaRPr lang="en-US" dirty="0" smtClean="0"/>
+          </a:p>
+          <a:p>
+            <a:r>
+              <a:rPr lang="en-US" dirty="0" smtClean="0"/>
+              <a:t>What </a:t>
+            </a:r>
+            <a:r>
+              <a:rPr lang="en-US" dirty="0"/>
+              <a:t>do you know </a:t>
+            </a:r>
+            <a:r>
+              <a:rPr lang="en-US" dirty="0" err="1" smtClean="0"/>
+              <a:t>Javascript</a:t>
+            </a:r>
+            <a:r>
+              <a:rPr lang="en-US" dirty="0" smtClean="0"/>
+              <a:t>?</a:t>
+            </a:r>
+          </a:p>
+          <a:p>
+            <a:pPr marL="0" indent="0">
+              <a:buNone/>
+            </a:pPr>
+            <a:endParaRPr lang="en-US" dirty="0"/>
+          </a:p>
+        </p:txBody>
+      </p:sp>
+      <p:sp>
+        <p:nvSpPr>
+          <p:cNvPr id="4" name="Date Placeholder 3"/>
+          <p:cNvSpPr>
+            <a:spLocks noGrp="1"/>
+          </p:cNvSpPr>
+          <p:nvPr>
+            <p:ph type="dt" sz="half" idx="10"/>
+          </p:nvPr>
+        </p:nvSpPr>
+        <p:spPr/>
+        <p:txBody>
+          <a:bodyPr/>
+          <a:lstStyle/>
+          <a:p>
+            <a:r>
+              <a:rPr lang="en-US" smtClean="0"/>
+              <a:t>28 Feb. 2013</a:t>
+            </a:r>
+            <a:endParaRPr lang="en-GB" dirty="0"/>
+          </a:p>
+        </p:txBody>
+      </p:sp>
+      <p:sp>
+        <p:nvSpPr>
+          <p:cNvPr id="5" name="Footer Placeholder 4"/>
+          <p:cNvSpPr>
+            <a:spLocks noGrp="1"/>
+          </p:cNvSpPr>
+          <p:nvPr>
+            <p:ph type="ftr" sz="quarter" idx="11"/>
+          </p:nvPr>
+        </p:nvSpPr>
+        <p:spPr/>
+        <p:txBody>
+          <a:bodyPr/>
+          <a:lstStyle/>
+          <a:p>
+            <a:r>
+              <a:rPr lang="fr-LU" smtClean="0"/>
+              <a:t>Introduction to agile methods</a:t>
+            </a:r>
+            <a:endParaRPr lang="en-GB" dirty="0"/>
+          </a:p>
+        </p:txBody>
+      </p:sp>
+      <p:sp>
+        <p:nvSpPr>
+          <p:cNvPr id="6" name="Slide Number Placeholder 5"/>
+          <p:cNvSpPr>
+            <a:spLocks noGrp="1"/>
+          </p:cNvSpPr>
+          <p:nvPr>
+            <p:ph type="sldNum" sz="quarter" idx="12"/>
+          </p:nvPr>
+        </p:nvSpPr>
+        <p:spPr/>
+        <p:txBody>
+          <a:bodyPr/>
+          <a:lstStyle/>
+          <a:p>
+            <a:fld id="{9716DCE3-3314-4329-BDB9-F369F3DB74C6}" type="slidenum">
+              <a:rPr lang="en-GB" smtClean="0"/>
+              <a:pPr/>
+              <a:t>5</a:t>
+            </a:fld>
+            <a:endParaRPr lang="en-GB"/>
+          </a:p>
+        </p:txBody>
+      </p:sp>
+      <p:pic>
+        <p:nvPicPr>
+          <p:cNvPr id="8" name="Picture 2" descr="http://www.babelio.com/users/AVT_inconnu_4578.gif"/>
+          <p:cNvPicPr>
+            <a:picLocks noChangeAspect="1" noChangeArrowheads="1"/>
+          </p:cNvPicPr>
+          <p:nvPr/>
+        </p:nvPicPr>
+        <p:blipFill>
+          <a:blip r:embed="rId2">
+            <a:extLst>
+              <a:ext uri="{28A0092B-C50C-407E-A947-70E740481C1C}">
+                <a14:useLocalDpi xmlns:a14="http://schemas.microsoft.com/office/drawing/2010/main"/>
+              </a:ext>
+            </a:extLst>
+          </a:blip>
+          <a:srcRect/>
+          <a:stretch>
+            <a:fillRect/>
+          </a:stretch>
+        </p:blipFill>
+        <p:spPr bwMode="auto">
+          <a:xfrm>
+            <a:off x="5513531" y="1124744"/>
+            <a:ext cx="2588558" cy="2514600"/>
+          </a:xfrm>
+          <a:prstGeom prst="rect">
+            <a:avLst/>
+          </a:prstGeom>
+          <a:noFill/>
+          <a:extLst>
+            <a:ext uri="{909E8E84-426E-40dd-AFC4-6F175D3DCCD1}">
+              <a14:hiddenFill xmlns="" xmlns:a14="http://schemas.microsoft.com/office/drawing/2010/main">
+                <a:solidFill>
+                  <a:srgbClr val="FFFFFF"/>
+                </a:solidFill>
+              </a14:hiddenFill>
+            </a:ext>
+          </a:extLst>
+        </p:spPr>
+      </p:pic>
+    </p:spTree>
+    <p:extLst>
+      <p:ext uri="{BB962C8B-B14F-4D97-AF65-F5344CB8AC3E}">
+        <p14:creationId xmlns:p14="http://schemas.microsoft.com/office/powerpoint/2010/main" val="2437652735"/>
+      </p:ext>
+    </p:extLst>
+  </p:cSld>
+  <p:clrMapOvr>
+    <a:masterClrMapping/>
+  </p:clrMapOvr>
+  <p:timing>
+    <p:tnLst>
+      <p:par>
+        <p:cTn id="1" dur="indefinite" restart="never" nodeType="tmRoot"/>
+      </p:par>
+    </p:tnLst>
+  </p:timing>
+</p:sld>
+</file>
+
+<file path=ppt/slides/slide50.xml><?xml version="1.0" encoding="utf-8"?>
+<p:sld xmlns:a="http://schemas.openxmlformats.org/drawingml/2006/main" xmlns:r="http://schemas.openxmlformats.org/officeDocument/2006/relationships" xmlns:p="http://schemas.openxmlformats.org/presentationml/2006/main">
+  <p:cSld>
+    <p:spTree>
+      <p:nvGrpSpPr>
+        <p:cNvPr id="1" name=""/>
+        <p:cNvGrpSpPr/>
+        <p:nvPr/>
+      </p:nvGrpSpPr>
+      <p:grpSpPr>
+        <a:xfrm>
+          <a:off x="0" y="0"/>
+          <a:ext cx="0" cy="0"/>
+          <a:chOff x="0" y="0"/>
+          <a:chExt cx="0" cy="0"/>
+        </a:xfrm>
+      </p:grpSpPr>
+      <p:sp>
+        <p:nvSpPr>
+          <p:cNvPr id="27653" name="Title 5"/>
+          <p:cNvSpPr>
+            <a:spLocks noGrp="1"/>
+          </p:cNvSpPr>
+          <p:nvPr>
+            <p:ph type="title"/>
+          </p:nvPr>
+        </p:nvSpPr>
+        <p:spPr/>
+        <p:txBody>
+          <a:bodyPr/>
+          <a:lstStyle/>
+          <a:p>
+            <a:endParaRPr lang="fr-LU" dirty="0" smtClean="0"/>
+          </a:p>
+        </p:txBody>
+      </p:sp>
+      <p:sp>
+        <p:nvSpPr>
+          <p:cNvPr id="3" name="Date Placeholder 2"/>
+          <p:cNvSpPr>
+            <a:spLocks noGrp="1"/>
+          </p:cNvSpPr>
+          <p:nvPr>
+            <p:ph type="dt" sz="half" idx="10"/>
+          </p:nvPr>
+        </p:nvSpPr>
+        <p:spPr/>
+        <p:txBody>
+          <a:bodyPr/>
+          <a:lstStyle/>
+          <a:p>
+            <a:pPr>
+              <a:defRPr/>
+            </a:pPr>
+            <a:r>
+              <a:rPr lang="en-US" smtClean="0"/>
+              <a:t>28 Feb. 2013</a:t>
+            </a:r>
+            <a:endParaRPr lang="en-GB" dirty="0"/>
+          </a:p>
+        </p:txBody>
+      </p:sp>
+      <p:sp>
+        <p:nvSpPr>
+          <p:cNvPr id="5" name="Footer Placeholder 4"/>
+          <p:cNvSpPr>
+            <a:spLocks noGrp="1"/>
+          </p:cNvSpPr>
+          <p:nvPr>
+            <p:ph type="ftr" sz="quarter" idx="11"/>
+          </p:nvPr>
+        </p:nvSpPr>
+        <p:spPr/>
+        <p:txBody>
+          <a:bodyPr/>
+          <a:lstStyle/>
+          <a:p>
+            <a:pPr>
+              <a:defRPr/>
+            </a:pPr>
+            <a:r>
+              <a:rPr lang="fr-LU" smtClean="0"/>
+              <a:t>Introduction to agile methods</a:t>
+            </a:r>
+            <a:endParaRPr lang="en-GB" dirty="0"/>
+          </a:p>
+        </p:txBody>
+      </p:sp>
+      <p:sp>
+        <p:nvSpPr>
+          <p:cNvPr id="4" name="Slide Number Placeholder 3"/>
+          <p:cNvSpPr>
+            <a:spLocks noGrp="1"/>
+          </p:cNvSpPr>
+          <p:nvPr>
+            <p:ph type="sldNum" sz="quarter" idx="12"/>
+          </p:nvPr>
+        </p:nvSpPr>
+        <p:spPr/>
+        <p:txBody>
+          <a:bodyPr/>
+          <a:lstStyle/>
+          <a:p>
+            <a:pPr>
+              <a:defRPr/>
+            </a:pPr>
+            <a:fld id="{684DB56D-94B7-41CB-A6D7-5E8E90856FDB}" type="slidenum">
+              <a:rPr lang="en-GB"/>
+              <a:pPr>
+                <a:defRPr/>
+              </a:pPr>
+              <a:t>50</a:t>
+            </a:fld>
+            <a:endParaRPr lang="en-GB"/>
+          </a:p>
+        </p:txBody>
+      </p:sp>
+      <p:sp>
+        <p:nvSpPr>
+          <p:cNvPr id="2" name="Content Placeholder 1"/>
+          <p:cNvSpPr>
+            <a:spLocks noGrp="1"/>
+          </p:cNvSpPr>
+          <p:nvPr>
+            <p:ph idx="1"/>
+          </p:nvPr>
+        </p:nvSpPr>
+        <p:spPr/>
+        <p:txBody>
+          <a:bodyPr/>
+          <a:lstStyle/>
+          <a:p>
+            <a:r>
+              <a:rPr lang="en-US" smtClean="0"/>
+              <a:t>Test expectations</a:t>
+            </a:r>
+            <a:endParaRPr lang="en-US" dirty="0" smtClean="0"/>
+          </a:p>
+          <a:p>
+            <a:pPr marL="0" indent="0">
+              <a:buNone/>
+            </a:pPr>
+            <a:endParaRPr lang="en-US" dirty="0" smtClean="0"/>
+          </a:p>
+        </p:txBody>
+      </p:sp>
+      <p:pic>
+        <p:nvPicPr>
+          <p:cNvPr id="6" name="Picture 5" descr="Screen Shot 2015-04-24 at 11.38.17.png"/>
+          <p:cNvPicPr>
+            <a:picLocks noChangeAspect="1"/>
+          </p:cNvPicPr>
+          <p:nvPr/>
+        </p:nvPicPr>
+        <p:blipFill>
+          <a:blip r:embed="rId2">
+            <a:extLst>
+              <a:ext uri="{28A0092B-C50C-407E-A947-70E740481C1C}">
+                <a14:useLocalDpi xmlns:a14="http://schemas.microsoft.com/office/drawing/2010/main" val="0"/>
+              </a:ext>
+            </a:extLst>
+          </a:blip>
+          <a:stretch>
+            <a:fillRect/>
+          </a:stretch>
+        </p:blipFill>
+        <p:spPr>
+          <a:xfrm>
+            <a:off x="0" y="1628800"/>
+            <a:ext cx="9144000" cy="4627984"/>
+          </a:xfrm>
+          <a:prstGeom prst="rect">
+            <a:avLst/>
+          </a:prstGeom>
+        </p:spPr>
+      </p:pic>
+    </p:spTree>
+    <p:extLst>
+      <p:ext uri="{BB962C8B-B14F-4D97-AF65-F5344CB8AC3E}">
+        <p14:creationId xmlns:p14="http://schemas.microsoft.com/office/powerpoint/2010/main" val="2137390358"/>
+      </p:ext>
+    </p:extLst>
+  </p:cSld>
+  <p:clrMapOvr>
+    <a:masterClrMapping/>
+  </p:clrMapOvr>
+  <p:transition/>
+  <p:timing>
+    <p:tnLst>
+      <p:par>
+        <p:cTn id="1" dur="indefinite" restart="never" nodeType="tmRoot"/>
+      </p:par>
+    </p:tnLst>
+  </p:timing>
+</p:sld>
+</file>
+
+<file path=ppt/slides/slide51.xml><?xml version="1.0" encoding="utf-8"?>
+<p:sld xmlns:a="http://schemas.openxmlformats.org/drawingml/2006/main" xmlns:r="http://schemas.openxmlformats.org/officeDocument/2006/relationships" xmlns:p="http://schemas.openxmlformats.org/presentationml/2006/main">
+  <p:cSld>
+    <p:spTree>
+      <p:nvGrpSpPr>
+        <p:cNvPr id="1" name=""/>
+        <p:cNvGrpSpPr/>
+        <p:nvPr/>
+      </p:nvGrpSpPr>
+      <p:grpSpPr>
+        <a:xfrm>
+          <a:off x="0" y="0"/>
+          <a:ext cx="0" cy="0"/>
+          <a:chOff x="0" y="0"/>
+          <a:chExt cx="0" cy="0"/>
+        </a:xfrm>
+      </p:grpSpPr>
+      <p:sp>
+        <p:nvSpPr>
+          <p:cNvPr id="27653" name="Title 5"/>
+          <p:cNvSpPr>
+            <a:spLocks noGrp="1"/>
+          </p:cNvSpPr>
+          <p:nvPr>
+            <p:ph type="title"/>
+          </p:nvPr>
+        </p:nvSpPr>
+        <p:spPr/>
+        <p:txBody>
+          <a:bodyPr/>
+          <a:lstStyle/>
+          <a:p>
+            <a:r>
+              <a:rPr lang="fr-LU" dirty="0" smtClean="0"/>
+              <a:t>QUESTIONS &amp; ANSWERS</a:t>
+            </a:r>
+          </a:p>
+        </p:txBody>
+      </p:sp>
+      <p:sp>
+        <p:nvSpPr>
+          <p:cNvPr id="3" name="Date Placeholder 2"/>
+          <p:cNvSpPr>
+            <a:spLocks noGrp="1"/>
+          </p:cNvSpPr>
+          <p:nvPr>
+            <p:ph type="dt" sz="half" idx="10"/>
+          </p:nvPr>
+        </p:nvSpPr>
+        <p:spPr/>
+        <p:txBody>
+          <a:bodyPr/>
+          <a:lstStyle/>
+          <a:p>
+            <a:pPr>
+              <a:defRPr/>
+            </a:pPr>
+            <a:r>
+              <a:rPr lang="en-US" smtClean="0"/>
+              <a:t>28 Feb. 2013</a:t>
+            </a:r>
+            <a:endParaRPr lang="en-GB" dirty="0"/>
+          </a:p>
+        </p:txBody>
+      </p:sp>
+      <p:sp>
+        <p:nvSpPr>
+          <p:cNvPr id="5" name="Footer Placeholder 4"/>
+          <p:cNvSpPr>
+            <a:spLocks noGrp="1"/>
+          </p:cNvSpPr>
+          <p:nvPr>
+            <p:ph type="ftr" sz="quarter" idx="11"/>
+          </p:nvPr>
+        </p:nvSpPr>
+        <p:spPr/>
+        <p:txBody>
+          <a:bodyPr/>
+          <a:lstStyle/>
+          <a:p>
+            <a:pPr>
+              <a:defRPr/>
+            </a:pPr>
+            <a:r>
+              <a:rPr lang="fr-LU" smtClean="0"/>
+              <a:t>Introduction to agile methods</a:t>
+            </a:r>
+            <a:endParaRPr lang="en-GB" dirty="0"/>
+          </a:p>
+        </p:txBody>
+      </p:sp>
+      <p:sp>
+        <p:nvSpPr>
+          <p:cNvPr id="4" name="Slide Number Placeholder 3"/>
+          <p:cNvSpPr>
+            <a:spLocks noGrp="1"/>
+          </p:cNvSpPr>
+          <p:nvPr>
+            <p:ph type="sldNum" sz="quarter" idx="12"/>
+          </p:nvPr>
+        </p:nvSpPr>
+        <p:spPr/>
+        <p:txBody>
+          <a:bodyPr/>
+          <a:lstStyle/>
+          <a:p>
+            <a:pPr>
+              <a:defRPr/>
+            </a:pPr>
+            <a:fld id="{684DB56D-94B7-41CB-A6D7-5E8E90856FDB}" type="slidenum">
+              <a:rPr lang="en-GB"/>
+              <a:pPr>
+                <a:defRPr/>
+              </a:pPr>
+              <a:t>51</a:t>
             </a:fld>
             <a:endParaRPr lang="en-GB"/>
           </a:p>
@@ -11197,7 +13235,7 @@
 </p:sld>
 </file>
 
-<file path=ppt/slides/slide43.xml><?xml version="1.0" encoding="utf-8"?>
+<file path=ppt/slides/slide52.xml><?xml version="1.0" encoding="utf-8"?>
 <p:sld xmlns:a="http://schemas.openxmlformats.org/drawingml/2006/main" xmlns:r="http://schemas.openxmlformats.org/officeDocument/2006/relationships" xmlns:p="http://schemas.openxmlformats.org/presentationml/2006/main">
   <p:cSld>
     <p:spTree>
@@ -11305,7 +13343,7 @@
             <a:fld id="{2CFDF742-C97A-4DE4-AE03-D0A42DA7E310}" type="slidenum">
               <a:rPr lang="en-GB" smtClean="0"/>
               <a:pPr/>
-              <a:t>43</a:t>
+              <a:t>52</a:t>
             </a:fld>
             <a:endParaRPr lang="en-GB"/>
           </a:p>
@@ -11370,7 +13408,7 @@
 </p:sld>
 </file>
 
-<file path=ppt/slides/slide44.xml><?xml version="1.0" encoding="utf-8"?>
+<file path=ppt/slides/slide53.xml><?xml version="1.0" encoding="utf-8"?>
 <p:sld xmlns:a="http://schemas.openxmlformats.org/drawingml/2006/main" xmlns:r="http://schemas.openxmlformats.org/officeDocument/2006/relationships" xmlns:p="http://schemas.openxmlformats.org/presentationml/2006/main">
   <p:cSld>
     <p:spTree>
@@ -11482,7 +13520,7 @@
             <a:fld id="{9716DCE3-3314-4329-BDB9-F369F3DB74C6}" type="slidenum">
               <a:rPr lang="en-GB" smtClean="0"/>
               <a:pPr/>
-              <a:t>44</a:t>
+              <a:t>53</a:t>
             </a:fld>
             <a:endParaRPr lang="en-GB"/>
           </a:p>
@@ -11584,7 +13622,7 @@
 </p:sld>
 </file>
 
-<file path=ppt/slides/slide45.xml><?xml version="1.0" encoding="utf-8"?>
+<file path=ppt/slides/slide54.xml><?xml version="1.0" encoding="utf-8"?>
 <p:sld xmlns:a="http://schemas.openxmlformats.org/drawingml/2006/main" xmlns:r="http://schemas.openxmlformats.org/officeDocument/2006/relationships" xmlns:p="http://schemas.openxmlformats.org/presentationml/2006/main">
   <p:cSld>
     <p:spTree>
@@ -11817,7 +13855,7 @@
             <a:fld id="{9716DCE3-3314-4329-BDB9-F369F3DB74C6}" type="slidenum">
               <a:rPr lang="en-GB" smtClean="0"/>
               <a:pPr/>
-              <a:t>45</a:t>
+              <a:t>54</a:t>
             </a:fld>
             <a:endParaRPr lang="en-GB"/>
           </a:p>
@@ -11843,7 +13881,7 @@
 </p:sld>
 </file>
 
-<file path=ppt/slides/slide46.xml><?xml version="1.0" encoding="utf-8"?>
+<file path=ppt/slides/slide55.xml><?xml version="1.0" encoding="utf-8"?>
 <p:sld xmlns:a="http://schemas.openxmlformats.org/drawingml/2006/main" xmlns:r="http://schemas.openxmlformats.org/officeDocument/2006/relationships" xmlns:p="http://schemas.openxmlformats.org/presentationml/2006/main">
   <p:cSld>
     <p:spTree>
@@ -11955,7 +13993,7 @@
             <a:fld id="{2CFDF742-C97A-4DE4-AE03-D0A42DA7E310}" type="slidenum">
               <a:rPr lang="en-GB" smtClean="0"/>
               <a:pPr/>
-              <a:t>46</a:t>
+              <a:t>55</a:t>
             </a:fld>
             <a:endParaRPr lang="en-GB"/>
           </a:p>
@@ -12010,234 +14048,6 @@
       <p:transition spd="slow"/>
     </mc:Fallback>
   </mc:AlternateContent>
-  <p:timing>
-    <p:tnLst>
-      <p:par>
-        <p:cTn id="1" dur="indefinite" restart="never" nodeType="tmRoot"/>
-      </p:par>
-    </p:tnLst>
-  </p:timing>
-</p:sld>
-</file>
-
-<file path=ppt/slides/slide5.xml><?xml version="1.0" encoding="utf-8"?>
-<p:sld xmlns:a="http://schemas.openxmlformats.org/drawingml/2006/main" xmlns:r="http://schemas.openxmlformats.org/officeDocument/2006/relationships" xmlns:p="http://schemas.openxmlformats.org/presentationml/2006/main">
-  <p:cSld>
-    <p:spTree>
-      <p:nvGrpSpPr>
-        <p:cNvPr id="1" name=""/>
-        <p:cNvGrpSpPr/>
-        <p:nvPr/>
-      </p:nvGrpSpPr>
-      <p:grpSpPr>
-        <a:xfrm>
-          <a:off x="0" y="0"/>
-          <a:ext cx="0" cy="0"/>
-          <a:chOff x="0" y="0"/>
-          <a:chExt cx="0" cy="0"/>
-        </a:xfrm>
-      </p:grpSpPr>
-      <p:sp>
-        <p:nvSpPr>
-          <p:cNvPr id="2" name="Title 1"/>
-          <p:cNvSpPr>
-            <a:spLocks noGrp="1"/>
-          </p:cNvSpPr>
-          <p:nvPr>
-            <p:ph type="title"/>
-          </p:nvPr>
-        </p:nvSpPr>
-        <p:spPr/>
-        <p:txBody>
-          <a:bodyPr/>
-          <a:lstStyle/>
-          <a:p>
-            <a:endParaRPr lang="en-US" dirty="0"/>
-          </a:p>
-        </p:txBody>
-      </p:sp>
-      <p:sp>
-        <p:nvSpPr>
-          <p:cNvPr id="3" name="Content Placeholder 2"/>
-          <p:cNvSpPr>
-            <a:spLocks noGrp="1"/>
-          </p:cNvSpPr>
-          <p:nvPr>
-            <p:ph idx="1"/>
-          </p:nvPr>
-        </p:nvSpPr>
-        <p:spPr/>
-        <p:txBody>
-          <a:bodyPr/>
-          <a:lstStyle/>
-          <a:p>
-            <a:pPr marL="0" indent="0">
-              <a:buNone/>
-            </a:pPr>
-            <a:r>
-              <a:rPr lang="en-US" dirty="0" smtClean="0"/>
-              <a:t>What about you?</a:t>
-            </a:r>
-          </a:p>
-          <a:p>
-            <a:endParaRPr lang="en-US" dirty="0"/>
-          </a:p>
-          <a:p>
-            <a:endParaRPr lang="en-US" dirty="0" smtClean="0"/>
-          </a:p>
-          <a:p>
-            <a:endParaRPr lang="en-US" dirty="0"/>
-          </a:p>
-          <a:p>
-            <a:endParaRPr lang="en-US" dirty="0" smtClean="0"/>
-          </a:p>
-          <a:p>
-            <a:r>
-              <a:rPr lang="en-US" dirty="0" smtClean="0"/>
-              <a:t>What </a:t>
-            </a:r>
-            <a:r>
-              <a:rPr lang="en-US" dirty="0"/>
-              <a:t>do you know </a:t>
-            </a:r>
-            <a:r>
-              <a:rPr lang="en-US" dirty="0" err="1" smtClean="0"/>
-              <a:t>Javascript</a:t>
-            </a:r>
-            <a:r>
-              <a:rPr lang="en-US" dirty="0" smtClean="0"/>
-              <a:t>?</a:t>
-            </a:r>
-          </a:p>
-          <a:p>
-            <a:pPr marL="0" indent="0">
-              <a:buNone/>
-            </a:pPr>
-            <a:endParaRPr lang="en-US" dirty="0"/>
-          </a:p>
-        </p:txBody>
-      </p:sp>
-      <p:sp>
-        <p:nvSpPr>
-          <p:cNvPr id="4" name="Date Placeholder 3"/>
-          <p:cNvSpPr>
-            <a:spLocks noGrp="1"/>
-          </p:cNvSpPr>
-          <p:nvPr>
-            <p:ph type="dt" sz="half" idx="10"/>
-          </p:nvPr>
-        </p:nvSpPr>
-        <p:spPr/>
-        <p:txBody>
-          <a:bodyPr/>
-          <a:lstStyle/>
-          <a:p>
-            <a:r>
-              <a:rPr lang="en-US" smtClean="0"/>
-              <a:t>28 Feb. 2013</a:t>
-            </a:r>
-            <a:endParaRPr lang="en-GB" dirty="0"/>
-          </a:p>
-        </p:txBody>
-      </p:sp>
-      <p:sp>
-        <p:nvSpPr>
-          <p:cNvPr id="5" name="Footer Placeholder 4"/>
-          <p:cNvSpPr>
-            <a:spLocks noGrp="1"/>
-          </p:cNvSpPr>
-          <p:nvPr>
-            <p:ph type="ftr" sz="quarter" idx="11"/>
-          </p:nvPr>
-        </p:nvSpPr>
-        <p:spPr/>
-        <p:txBody>
-          <a:bodyPr/>
-          <a:lstStyle/>
-          <a:p>
-            <a:r>
-              <a:rPr lang="fr-LU" smtClean="0"/>
-              <a:t>Introduction to agile methods</a:t>
-            </a:r>
-            <a:endParaRPr lang="en-GB" dirty="0"/>
-          </a:p>
-        </p:txBody>
-      </p:sp>
-      <p:sp>
-        <p:nvSpPr>
-          <p:cNvPr id="6" name="Slide Number Placeholder 5"/>
-          <p:cNvSpPr>
-            <a:spLocks noGrp="1"/>
-          </p:cNvSpPr>
-          <p:nvPr>
-            <p:ph type="sldNum" sz="quarter" idx="12"/>
-          </p:nvPr>
-        </p:nvSpPr>
-        <p:spPr/>
-        <p:txBody>
-          <a:bodyPr/>
-          <a:lstStyle/>
-          <a:p>
-            <a:fld id="{9716DCE3-3314-4329-BDB9-F369F3DB74C6}" type="slidenum">
-              <a:rPr lang="en-GB" smtClean="0"/>
-              <a:pPr/>
-              <a:t>5</a:t>
-            </a:fld>
-            <a:endParaRPr lang="en-GB"/>
-          </a:p>
-        </p:txBody>
-      </p:sp>
-      <p:pic>
-        <p:nvPicPr>
-          <p:cNvPr id="8" name="Picture 2" descr="http://www.babelio.com/users/AVT_inconnu_4578.gif"/>
-          <p:cNvPicPr>
-            <a:picLocks noChangeAspect="1" noChangeArrowheads="1"/>
-          </p:cNvPicPr>
-          <p:nvPr/>
-        </p:nvPicPr>
-        <p:blipFill>
-          <a:blip r:embed="rId2">
-            <a:extLst>
-              <a:ext uri="{28A0092B-C50C-407E-A947-70E740481C1C}">
-                <a14:useLocalDpi xmlns:a14="http://schemas.microsoft.com/office/drawing/2010/main"/>
-              </a:ext>
-            </a:extLst>
-          </a:blip>
-          <a:srcRect/>
-          <a:stretch>
-            <a:fillRect/>
-          </a:stretch>
-        </p:blipFill>
-        <p:spPr bwMode="auto">
-          <a:xfrm>
-            <a:off x="5513531" y="1124744"/>
-            <a:ext cx="2588558" cy="2514600"/>
-          </a:xfrm>
-          <a:prstGeom prst="rect">
-            <a:avLst/>
-          </a:prstGeom>
-          <a:noFill/>
-          <a:extLst>
-            <a:ext uri="{909E8E84-426E-40dd-AFC4-6F175D3DCCD1}">
-              <a14:hiddenFill xmlns:a14="http://schemas.microsoft.com/office/drawing/2010/main" xmlns="">
-                <a:solidFill>
-                  <a:srgbClr val="FFFFFF"/>
-                </a:solidFill>
-              </a14:hiddenFill>
-            </a:ext>
-          </a:extLst>
-        </p:spPr>
-      </p:pic>
-    </p:spTree>
-    <p:extLst>
-      <p:ext uri="{BB962C8B-B14F-4D97-AF65-F5344CB8AC3E}">
-        <p14:creationId xmlns:p14="http://schemas.microsoft.com/office/powerpoint/2010/main" val="2437652735"/>
-      </p:ext>
-    </p:extLst>
-  </p:cSld>
-  <p:clrMapOvr>
-    <a:masterClrMapping/>
-  </p:clrMapOvr>
   <p:timing>
     <p:tnLst>
       <p:par>

--- a/AP-BrownBag(Javascript).pptx
+++ b/AP-BrownBag(Javascript).pptx
@@ -5,7 +5,7 @@
     <p:sldMasterId id="2147483648" r:id="rId4"/>
   </p:sldMasterIdLst>
   <p:notesMasterIdLst>
-    <p:notesMasterId r:id="rId60"/>
+    <p:notesMasterId r:id="rId62"/>
   </p:notesMasterIdLst>
   <p:sldIdLst>
     <p:sldId id="646" r:id="rId5"/>
@@ -40,15 +40,15 @@
     <p:sldId id="687" r:id="rId34"/>
     <p:sldId id="651" r:id="rId35"/>
     <p:sldId id="689" r:id="rId36"/>
-    <p:sldId id="690" r:id="rId37"/>
+    <p:sldId id="703" r:id="rId37"/>
     <p:sldId id="691" r:id="rId38"/>
-    <p:sldId id="655" r:id="rId39"/>
-    <p:sldId id="656" r:id="rId40"/>
-    <p:sldId id="657" r:id="rId41"/>
-    <p:sldId id="659" r:id="rId42"/>
-    <p:sldId id="660" r:id="rId43"/>
-    <p:sldId id="662" r:id="rId44"/>
-    <p:sldId id="650" r:id="rId45"/>
+    <p:sldId id="705" r:id="rId39"/>
+    <p:sldId id="655" r:id="rId40"/>
+    <p:sldId id="656" r:id="rId41"/>
+    <p:sldId id="657" r:id="rId42"/>
+    <p:sldId id="659" r:id="rId43"/>
+    <p:sldId id="660" r:id="rId44"/>
+    <p:sldId id="662" r:id="rId45"/>
     <p:sldId id="695" r:id="rId46"/>
     <p:sldId id="694" r:id="rId47"/>
     <p:sldId id="692" r:id="rId48"/>
@@ -58,11 +58,13 @@
     <p:sldId id="700" r:id="rId52"/>
     <p:sldId id="701" r:id="rId53"/>
     <p:sldId id="702" r:id="rId54"/>
-    <p:sldId id="569" r:id="rId55"/>
-    <p:sldId id="620" r:id="rId56"/>
-    <p:sldId id="559" r:id="rId57"/>
-    <p:sldId id="621" r:id="rId58"/>
-    <p:sldId id="622" r:id="rId59"/>
+    <p:sldId id="706" r:id="rId55"/>
+    <p:sldId id="707" r:id="rId56"/>
+    <p:sldId id="569" r:id="rId57"/>
+    <p:sldId id="620" r:id="rId58"/>
+    <p:sldId id="559" r:id="rId59"/>
+    <p:sldId id="621" r:id="rId60"/>
+    <p:sldId id="622" r:id="rId61"/>
   </p:sldIdLst>
   <p:sldSz cx="9144000" cy="6858000" type="screen4x3"/>
   <p:notesSz cx="6858000" cy="9144000"/>
@@ -866,7 +868,7 @@
             <a:fld id="{1723DFB0-B4C9-47EE-B82C-757E5342C1E8}" type="slidenum">
               <a:rPr lang="fr-LU" smtClean="0"/>
               <a:pPr/>
-              <a:t>52</a:t>
+              <a:t>54</a:t>
             </a:fld>
             <a:endParaRPr lang="fr-LU"/>
           </a:p>
@@ -953,7 +955,7 @@
             <a:fld id="{1723DFB0-B4C9-47EE-B82C-757E5342C1E8}" type="slidenum">
               <a:rPr lang="fr-LU" smtClean="0"/>
               <a:pPr/>
-              <a:t>55</a:t>
+              <a:t>57</a:t>
             </a:fld>
             <a:endParaRPr lang="fr-LU"/>
           </a:p>
@@ -9162,48 +9164,47 @@
           <a:bodyPr/>
           <a:lstStyle/>
           <a:p>
+            <a:pPr marL="0" indent="0">
+              <a:buNone/>
+            </a:pPr>
+            <a:endParaRPr lang="en-US" dirty="0" smtClean="0"/>
+          </a:p>
+          <a:p>
+            <a:pPr marL="0" indent="0">
+              <a:buNone/>
+            </a:pPr>
+            <a:endParaRPr lang="en-US" dirty="0"/>
+          </a:p>
+          <a:p>
+            <a:pPr marL="0" indent="0">
+              <a:buNone/>
+            </a:pPr>
+            <a:endParaRPr lang="en-US" dirty="0" smtClean="0"/>
+          </a:p>
+          <a:p>
+            <a:pPr marL="0" indent="0">
+              <a:buNone/>
+            </a:pPr>
+            <a:r>
+              <a:rPr lang="en-US" dirty="0"/>
+              <a:t>	</a:t>
+            </a:r>
             <a:r>
               <a:rPr lang="en-US" dirty="0" smtClean="0"/>
-              <a:t>Server</a:t>
-            </a:r>
-          </a:p>
-          <a:p>
-            <a:endParaRPr lang="en-US" dirty="0"/>
-          </a:p>
-          <a:p>
-            <a:pPr lvl="1"/>
+              <a:t>			</a:t>
+            </a:r>
             <a:r>
               <a:rPr lang="en-US" dirty="0" smtClean="0"/>
-              <a:t>Layered in :</a:t>
-            </a:r>
-          </a:p>
-          <a:p>
-            <a:pPr lvl="2"/>
-            <a:r>
-              <a:rPr lang="en-US" dirty="0" smtClean="0"/>
-              <a:t>Routes (controller)</a:t>
-            </a:r>
-          </a:p>
-          <a:p>
-            <a:pPr lvl="2"/>
-            <a:r>
-              <a:rPr lang="en-US" dirty="0" smtClean="0"/>
-              <a:t>Services</a:t>
-            </a:r>
-          </a:p>
-          <a:p>
-            <a:pPr lvl="2"/>
-            <a:r>
-              <a:rPr lang="en-US" dirty="0" smtClean="0"/>
-              <a:t>Repository</a:t>
-            </a:r>
+              <a:t>Unit test</a:t>
+            </a:r>
+            <a:endParaRPr lang="en-US" dirty="0" smtClean="0"/>
           </a:p>
         </p:txBody>
       </p:sp>
     </p:spTree>
     <p:extLst>
       <p:ext uri="{BB962C8B-B14F-4D97-AF65-F5344CB8AC3E}">
-        <p14:creationId xmlns:p14="http://schemas.microsoft.com/office/powerpoint/2010/main" val="1220585472"/>
+        <p14:creationId xmlns:p14="http://schemas.microsoft.com/office/powerpoint/2010/main" val="37487770"/>
       </p:ext>
     </p:extLst>
   </p:cSld>
@@ -9355,35 +9356,36 @@
           <a:p>
             <a:r>
               <a:rPr lang="en-US" dirty="0" smtClean="0"/>
-              <a:t>Unit test - </a:t>
+              <a:t>Runtime</a:t>
+            </a:r>
+            <a:r>
+              <a:rPr lang="en-US" dirty="0" smtClean="0"/>
+              <a:t>: </a:t>
+            </a:r>
+            <a:r>
+              <a:rPr lang="en-US" dirty="0" smtClean="0"/>
+              <a:t>mocha</a:t>
+            </a:r>
+          </a:p>
+          <a:p>
+            <a:pPr marL="0" indent="0">
+              <a:buNone/>
+            </a:pPr>
+            <a:endParaRPr lang="en-US" dirty="0" smtClean="0"/>
+          </a:p>
+          <a:p>
+            <a:r>
+              <a:rPr lang="en-US" dirty="0" smtClean="0"/>
+              <a:t>Framework</a:t>
+            </a:r>
+            <a:r>
+              <a:rPr lang="en-US" dirty="0" smtClean="0"/>
+              <a:t>: </a:t>
             </a:r>
             <a:r>
               <a:rPr lang="en-US" dirty="0" err="1" smtClean="0"/>
               <a:t>sinonJS</a:t>
             </a:r>
-            <a:endParaRPr lang="en-US" dirty="0" smtClean="0"/>
-          </a:p>
-          <a:p>
-            <a:endParaRPr lang="en-US" dirty="0" smtClean="0"/>
-          </a:p>
-          <a:p>
-            <a:pPr lvl="1"/>
-            <a:r>
-              <a:rPr lang="en-US" dirty="0" smtClean="0"/>
-              <a:t>Runtime: mocha</a:t>
-            </a:r>
-            <a:endParaRPr lang="en-US" dirty="0"/>
-          </a:p>
-          <a:p>
-            <a:pPr lvl="1"/>
-            <a:r>
-              <a:rPr lang="en-US" dirty="0" smtClean="0"/>
-              <a:t>Framework: </a:t>
-            </a:r>
-            <a:r>
-              <a:rPr lang="en-US" dirty="0" err="1" smtClean="0"/>
-              <a:t>sinonJS</a:t>
-            </a:r>
             <a:endParaRPr lang="en-US" dirty="0"/>
           </a:p>
           <a:p>
@@ -9411,8 +9413,13 @@
             <a:pPr lvl="2"/>
             <a:r>
               <a:rPr lang="en-US" dirty="0" smtClean="0"/>
-              <a:t>And more…</a:t>
-            </a:r>
+              <a:t>And more</a:t>
+            </a:r>
+            <a:r>
+              <a:rPr lang="en-US" dirty="0" smtClean="0"/>
+              <a:t>…</a:t>
+            </a:r>
+            <a:endParaRPr lang="en-US" dirty="0" smtClean="0"/>
           </a:p>
         </p:txBody>
       </p:sp>
@@ -9569,48 +9576,47 @@
           <a:bodyPr/>
           <a:lstStyle/>
           <a:p>
+            <a:endParaRPr lang="en-US" dirty="0" smtClean="0"/>
+          </a:p>
+          <a:p>
+            <a:endParaRPr lang="en-US" dirty="0"/>
+          </a:p>
+          <a:p>
+            <a:pPr marL="457200" lvl="1" indent="0">
+              <a:buNone/>
+            </a:pPr>
+            <a:endParaRPr lang="en-US" dirty="0"/>
+          </a:p>
+          <a:p>
+            <a:pPr marL="457200" lvl="1" indent="0">
+              <a:buNone/>
+            </a:pPr>
+            <a:endParaRPr lang="en-US" dirty="0" smtClean="0"/>
+          </a:p>
+          <a:p>
+            <a:pPr marL="457200" lvl="1" indent="0">
+              <a:buNone/>
+            </a:pPr>
+            <a:r>
+              <a:rPr lang="en-US" dirty="0"/>
+              <a:t>	</a:t>
+            </a:r>
+            <a:r>
+              <a:rPr lang="en-US" dirty="0" smtClean="0"/>
+              <a:t>		     </a:t>
+            </a:r>
             <a:r>
               <a:rPr lang="en-US" dirty="0" err="1" smtClean="0"/>
               <a:t>sinonJS</a:t>
             </a:r>
-            <a:r>
-              <a:rPr lang="en-US" dirty="0" smtClean="0"/>
-              <a:t> - Spies</a:t>
-            </a:r>
-          </a:p>
-          <a:p>
-            <a:endParaRPr lang="en-US" dirty="0"/>
-          </a:p>
-          <a:p>
-            <a:pPr lvl="1"/>
-            <a:r>
-              <a:rPr lang="en-US" dirty="0" smtClean="0"/>
-              <a:t>A </a:t>
-            </a:r>
-            <a:r>
-              <a:rPr lang="en-US" dirty="0"/>
-              <a:t>test spy is a function </a:t>
-            </a:r>
-            <a:r>
-              <a:rPr lang="en-US" b="1" dirty="0"/>
-              <a:t>that records arguments, return value, the value </a:t>
-            </a:r>
-            <a:r>
-              <a:rPr lang="en-US" dirty="0"/>
-              <a:t>of this and exception thrown (if any) for all its calls. A test spy </a:t>
-            </a:r>
-            <a:r>
-              <a:rPr lang="en-US" b="1" dirty="0"/>
-              <a:t>can be an anonymous function or it can wrap an existing function.</a:t>
-            </a:r>
-            <a:endParaRPr lang="en-US" b="1" dirty="0" smtClean="0"/>
+            <a:endParaRPr lang="en-US" dirty="0" smtClean="0"/>
           </a:p>
         </p:txBody>
       </p:sp>
     </p:spTree>
     <p:extLst>
       <p:ext uri="{BB962C8B-B14F-4D97-AF65-F5344CB8AC3E}">
-        <p14:creationId xmlns:p14="http://schemas.microsoft.com/office/powerpoint/2010/main" val="1255387090"/>
+        <p14:creationId xmlns:p14="http://schemas.microsoft.com/office/powerpoint/2010/main" val="524305153"/>
       </p:ext>
     </p:extLst>
   </p:cSld>
@@ -9766,7 +9772,7 @@
             </a:r>
             <a:r>
               <a:rPr lang="en-US" dirty="0" smtClean="0"/>
-              <a:t> - Stubs</a:t>
+              <a:t> - Spies</a:t>
             </a:r>
           </a:p>
           <a:p>
@@ -9775,46 +9781,24 @@
           <a:p>
             <a:pPr lvl="1"/>
             <a:r>
+              <a:rPr lang="en-US" dirty="0" smtClean="0"/>
+              <a:t>A </a:t>
+            </a:r>
+            <a:r>
               <a:rPr lang="en-US" dirty="0"/>
-              <a:t>Test stubs are functions (spies) with </a:t>
+              <a:t>test spy is a function </a:t>
             </a:r>
             <a:r>
               <a:rPr lang="en-US" b="1" dirty="0"/>
-              <a:t>pre-programmed </a:t>
-            </a:r>
-            <a:r>
-              <a:rPr lang="en-US" b="1" dirty="0" smtClean="0"/>
-              <a:t>behavior</a:t>
-            </a:r>
-            <a:r>
-              <a:rPr lang="en-US" dirty="0" smtClean="0"/>
-              <a:t>.</a:t>
-            </a:r>
-            <a:br>
-              <a:rPr lang="en-US" dirty="0" smtClean="0"/>
-            </a:br>
-            <a:r>
-              <a:rPr lang="en-US" dirty="0" smtClean="0"/>
-              <a:t>They </a:t>
+              <a:t>that records arguments, return value, the value </a:t>
             </a:r>
             <a:r>
               <a:rPr lang="en-US" dirty="0"/>
-              <a:t>support the full test spy API in addition to methods which can be used to alter the stub’s </a:t>
-            </a:r>
-            <a:r>
-              <a:rPr lang="en-US" dirty="0" smtClean="0"/>
-              <a:t>behavior.</a:t>
-            </a:r>
-            <a:br>
-              <a:rPr lang="en-US" dirty="0" smtClean="0"/>
-            </a:br>
-            <a:r>
-              <a:rPr lang="en-US" dirty="0" smtClean="0"/>
-              <a:t>As </a:t>
-            </a:r>
-            <a:r>
-              <a:rPr lang="en-US" dirty="0"/>
-              <a:t>spies, stubs can be either anonymous, or wrap existing functions. When wrapping an existing function with a stub, the original function is not called.</a:t>
+              <a:t>of this and exception thrown (if any) for all its calls. A test spy </a:t>
+            </a:r>
+            <a:r>
+              <a:rPr lang="en-US" b="1" dirty="0"/>
+              <a:t>can be an anonymous function or it can wrap an existing function.</a:t>
             </a:r>
             <a:endParaRPr lang="en-US" b="1" dirty="0" smtClean="0"/>
           </a:p>
@@ -9823,7 +9807,7 @@
     </p:spTree>
     <p:extLst>
       <p:ext uri="{BB962C8B-B14F-4D97-AF65-F5344CB8AC3E}">
-        <p14:creationId xmlns:p14="http://schemas.microsoft.com/office/powerpoint/2010/main" val="690367770"/>
+        <p14:creationId xmlns:p14="http://schemas.microsoft.com/office/powerpoint/2010/main" val="1255387090"/>
       </p:ext>
     </p:extLst>
   </p:cSld>
@@ -9979,7 +9963,7 @@
             </a:r>
             <a:r>
               <a:rPr lang="en-US" dirty="0" smtClean="0"/>
-              <a:t> - Mock</a:t>
+              <a:t> - Stubs</a:t>
             </a:r>
           </a:p>
           <a:p>
@@ -9989,26 +9973,45 @@
             <a:pPr lvl="1"/>
             <a:r>
               <a:rPr lang="en-US" dirty="0"/>
-              <a:t>Mocks (and mock expectations) are fake methods (like spies) with pre-programmed behavior (like stubs) as well </a:t>
+              <a:t>Test stubs are functions (spies) with </a:t>
             </a:r>
             <a:r>
               <a:rPr lang="en-US" b="1" dirty="0"/>
-              <a:t>as pre-programmed expectations</a:t>
+              <a:t>pre-programmed </a:t>
+            </a:r>
+            <a:r>
+              <a:rPr lang="en-US" b="1" dirty="0" smtClean="0"/>
+              <a:t>behavior</a:t>
+            </a:r>
+            <a:r>
+              <a:rPr lang="en-US" dirty="0" smtClean="0"/>
+              <a:t>.</a:t>
+            </a:r>
+            <a:br>
+              <a:rPr lang="en-US" dirty="0" smtClean="0"/>
+            </a:br>
+            <a:r>
+              <a:rPr lang="en-US" dirty="0" smtClean="0"/>
+              <a:t>They </a:t>
             </a:r>
             <a:r>
               <a:rPr lang="en-US" dirty="0"/>
-              <a:t>. </a:t>
+              <a:t>support the full test spy API in addition to methods which can be used to alter the stub’s </a:t>
+            </a:r>
+            <a:r>
+              <a:rPr lang="en-US" dirty="0" smtClean="0"/>
+              <a:t>behavior.</a:t>
             </a:r>
             <a:br>
+              <a:rPr lang="en-US" dirty="0" smtClean="0"/>
+            </a:br>
+            <a:r>
+              <a:rPr lang="en-US" dirty="0" smtClean="0"/>
+              <a:t>As </a:t>
+            </a:r>
+            <a:r>
               <a:rPr lang="en-US" dirty="0"/>
-            </a:br>
-            <a:r>
-              <a:rPr lang="en-US" dirty="0" smtClean="0"/>
-              <a:t>A </a:t>
-            </a:r>
-            <a:r>
-              <a:rPr lang="en-US" dirty="0"/>
-              <a:t>mock will fail your test if it is not used as expected.</a:t>
+              <a:t>spies, stubs can be either anonymous, or wrap existing functions. When wrapping an existing function with a stub, the original function is not called.</a:t>
             </a:r>
             <a:endParaRPr lang="en-US" b="1" dirty="0" smtClean="0"/>
           </a:p>
@@ -10017,7 +10020,7 @@
     </p:spTree>
     <p:extLst>
       <p:ext uri="{BB962C8B-B14F-4D97-AF65-F5344CB8AC3E}">
-        <p14:creationId xmlns:p14="http://schemas.microsoft.com/office/powerpoint/2010/main" val="1761250573"/>
+        <p14:creationId xmlns:p14="http://schemas.microsoft.com/office/powerpoint/2010/main" val="690367770"/>
       </p:ext>
     </p:extLst>
   </p:cSld>
@@ -10168,8 +10171,12 @@
           <a:lstStyle/>
           <a:p>
             <a:r>
+              <a:rPr lang="en-US" dirty="0" err="1" smtClean="0"/>
+              <a:t>sinonJS</a:t>
+            </a:r>
+            <a:r>
               <a:rPr lang="en-US" dirty="0" smtClean="0"/>
-              <a:t>Server</a:t>
+              <a:t> - Mock</a:t>
             </a:r>
           </a:p>
           <a:p>
@@ -10178,37 +10185,36 @@
           <a:p>
             <a:pPr lvl="1"/>
             <a:r>
+              <a:rPr lang="en-US" dirty="0"/>
+              <a:t>Mocks (and mock expectations) are fake methods (like spies) with pre-programmed behavior (like stubs) as well </a:t>
+            </a:r>
+            <a:r>
+              <a:rPr lang="en-US" b="1" dirty="0"/>
+              <a:t>as pre-programmed expectations</a:t>
+            </a:r>
+            <a:r>
+              <a:rPr lang="en-US" dirty="0"/>
+              <a:t>. </a:t>
+            </a:r>
+            <a:br>
+              <a:rPr lang="en-US" dirty="0"/>
+            </a:br>
+            <a:r>
               <a:rPr lang="en-US" dirty="0" smtClean="0"/>
-              <a:t>Layered in :</a:t>
-            </a:r>
-          </a:p>
-          <a:p>
-            <a:pPr lvl="2"/>
-            <a:r>
-              <a:rPr lang="en-US" dirty="0" smtClean="0"/>
-              <a:t>Routes (controller)</a:t>
-            </a:r>
-          </a:p>
-          <a:p>
-            <a:pPr lvl="2"/>
-            <a:r>
-              <a:rPr lang="en-US" dirty="0" smtClean="0"/>
-              <a:t>Services</a:t>
-            </a:r>
-          </a:p>
-          <a:p>
-            <a:pPr lvl="2"/>
-            <a:r>
-              <a:rPr lang="en-US" dirty="0" smtClean="0"/>
-              <a:t>Repository</a:t>
-            </a:r>
+              <a:t>A </a:t>
+            </a:r>
+            <a:r>
+              <a:rPr lang="en-US" dirty="0"/>
+              <a:t>mock will fail your test if it is not used as expected.</a:t>
+            </a:r>
+            <a:endParaRPr lang="en-US" b="1" dirty="0" smtClean="0"/>
           </a:p>
         </p:txBody>
       </p:sp>
     </p:spTree>
     <p:extLst>
       <p:ext uri="{BB962C8B-B14F-4D97-AF65-F5344CB8AC3E}">
-        <p14:creationId xmlns:p14="http://schemas.microsoft.com/office/powerpoint/2010/main" val="2006138722"/>
+        <p14:creationId xmlns:p14="http://schemas.microsoft.com/office/powerpoint/2010/main" val="1761250573"/>
       </p:ext>
     </p:extLst>
   </p:cSld>
@@ -10377,62 +10383,29 @@
             <a:pPr lvl="2"/>
             <a:r>
               <a:rPr lang="en-US" dirty="0" smtClean="0"/>
-              <a:t>Routes (controller) </a:t>
-            </a:r>
-            <a:r>
-              <a:rPr lang="en-US" dirty="0" smtClean="0">
-                <a:sym typeface="Wingdings"/>
-              </a:rPr>
-              <a:t> i/o glue</a:t>
-            </a:r>
-            <a:endParaRPr lang="en-US" dirty="0" smtClean="0"/>
+              <a:t>Routes (controller)</a:t>
+            </a:r>
           </a:p>
           <a:p>
             <a:pPr lvl="2"/>
             <a:r>
               <a:rPr lang="en-US" dirty="0" smtClean="0"/>
-              <a:t>Services </a:t>
-            </a:r>
-            <a:r>
-              <a:rPr lang="en-US" dirty="0" smtClean="0">
-                <a:sym typeface="Wingdings"/>
-              </a:rPr>
-              <a:t> Business logic</a:t>
-            </a:r>
-            <a:endParaRPr lang="en-US" dirty="0" smtClean="0"/>
+              <a:t>Services</a:t>
+            </a:r>
           </a:p>
           <a:p>
             <a:pPr lvl="2"/>
             <a:r>
               <a:rPr lang="en-US" dirty="0" smtClean="0"/>
-              <a:t>Repository </a:t>
-            </a:r>
-            <a:r>
-              <a:rPr lang="en-US" dirty="0" smtClean="0">
-                <a:sym typeface="Wingdings"/>
-              </a:rPr>
-              <a:t> </a:t>
-            </a:r>
-            <a:r>
-              <a:rPr lang="en-US" dirty="0" err="1" smtClean="0">
-                <a:sym typeface="Wingdings"/>
-              </a:rPr>
-              <a:t>db</a:t>
-            </a:r>
-            <a:r>
-              <a:rPr lang="en-US" dirty="0" smtClean="0">
-                <a:sym typeface="Wingdings"/>
-              </a:rPr>
-              <a:t> glue</a:t>
-            </a:r>
-            <a:endParaRPr lang="en-US" dirty="0" smtClean="0"/>
+              <a:t>Repository</a:t>
+            </a:r>
           </a:p>
         </p:txBody>
       </p:sp>
     </p:spTree>
     <p:extLst>
       <p:ext uri="{BB962C8B-B14F-4D97-AF65-F5344CB8AC3E}">
-        <p14:creationId xmlns:p14="http://schemas.microsoft.com/office/powerpoint/2010/main" val="63299708"/>
+        <p14:creationId xmlns:p14="http://schemas.microsoft.com/office/powerpoint/2010/main" val="2006138722"/>
       </p:ext>
     </p:extLst>
   </p:cSld>
@@ -10818,7 +10791,7 @@
               <a:rPr lang="en-US" dirty="0" smtClean="0">
                 <a:sym typeface="Wingdings"/>
               </a:rPr>
-              <a:t> integration test</a:t>
+              <a:t> i/o glue</a:t>
             </a:r>
             <a:endParaRPr lang="en-US" dirty="0" smtClean="0"/>
           </a:p>
@@ -10832,7 +10805,7 @@
               <a:rPr lang="en-US" dirty="0" smtClean="0">
                 <a:sym typeface="Wingdings"/>
               </a:rPr>
-              <a:t> unit test, stubs, mocks…</a:t>
+              <a:t> Business logic</a:t>
             </a:r>
             <a:endParaRPr lang="en-US" dirty="0" smtClean="0"/>
           </a:p>
@@ -10846,19 +10819,19 @@
               <a:rPr lang="en-US" dirty="0" smtClean="0">
                 <a:sym typeface="Wingdings"/>
               </a:rPr>
-              <a:t> “don</a:t>
-            </a:r>
-            <a:r>
-              <a:rPr lang="fr-FR" dirty="0" smtClean="0">
+              <a:t> </a:t>
+            </a:r>
+            <a:r>
+              <a:rPr lang="en-US" dirty="0" err="1" smtClean="0">
                 <a:sym typeface="Wingdings"/>
               </a:rPr>
-              <a:t>’</a:t>
+              <a:t>db</a:t>
             </a:r>
             <a:r>
               <a:rPr lang="en-US" dirty="0" smtClean="0">
                 <a:sym typeface="Wingdings"/>
               </a:rPr>
-              <a:t>t test the product”</a:t>
+              <a:t> glue</a:t>
             </a:r>
             <a:endParaRPr lang="en-US" dirty="0" smtClean="0"/>
           </a:p>
@@ -10867,7 +10840,7 @@
     </p:spTree>
     <p:extLst>
       <p:ext uri="{BB962C8B-B14F-4D97-AF65-F5344CB8AC3E}">
-        <p14:creationId xmlns:p14="http://schemas.microsoft.com/office/powerpoint/2010/main" val="1476453195"/>
+        <p14:creationId xmlns:p14="http://schemas.microsoft.com/office/powerpoint/2010/main" val="63299708"/>
       </p:ext>
     </p:extLst>
   </p:cSld>
@@ -11017,25 +10990,85 @@
           <a:bodyPr/>
           <a:lstStyle/>
           <a:p>
+            <a:r>
+              <a:rPr lang="en-US" dirty="0" smtClean="0"/>
+              <a:t>Server</a:t>
+            </a:r>
+          </a:p>
+          <a:p>
+            <a:endParaRPr lang="en-US" dirty="0"/>
+          </a:p>
+          <a:p>
+            <a:pPr lvl="1"/>
+            <a:r>
+              <a:rPr lang="en-US" dirty="0" smtClean="0"/>
+              <a:t>Layered in :</a:t>
+            </a:r>
+          </a:p>
+          <a:p>
+            <a:pPr lvl="2"/>
+            <a:r>
+              <a:rPr lang="en-US" dirty="0" smtClean="0"/>
+              <a:t>Routes (controller) </a:t>
+            </a:r>
+            <a:r>
+              <a:rPr lang="en-US" dirty="0" smtClean="0">
+                <a:sym typeface="Wingdings"/>
+              </a:rPr>
+              <a:t> integration test</a:t>
+            </a:r>
             <a:endParaRPr lang="en-US" dirty="0" smtClean="0"/>
           </a:p>
           <a:p>
-            <a:endParaRPr lang="en-US" dirty="0"/>
-          </a:p>
-          <a:p>
+            <a:pPr lvl="2"/>
+            <a:r>
+              <a:rPr lang="en-US" dirty="0" smtClean="0"/>
+              <a:t>Services </a:t>
+            </a:r>
+            <a:r>
+              <a:rPr lang="en-US" dirty="0" smtClean="0">
+                <a:sym typeface="Wingdings"/>
+              </a:rPr>
+              <a:t> unit </a:t>
+            </a:r>
+            <a:r>
+              <a:rPr lang="en-US" dirty="0" smtClean="0">
+                <a:sym typeface="Wingdings"/>
+              </a:rPr>
+              <a:t>test: spies, </a:t>
+            </a:r>
+            <a:r>
+              <a:rPr lang="en-US" dirty="0" smtClean="0">
+                <a:sym typeface="Wingdings"/>
+              </a:rPr>
+              <a:t>stubs, mocks…</a:t>
+            </a:r>
             <a:endParaRPr lang="en-US" dirty="0" smtClean="0"/>
           </a:p>
           <a:p>
-            <a:r>
-              <a:rPr lang="en-US" dirty="0" err="1" smtClean="0"/>
-              <a:t>NodeJS</a:t>
-            </a:r>
+            <a:pPr lvl="2"/>
             <a:r>
               <a:rPr lang="en-US" dirty="0" smtClean="0"/>
-              <a:t> – product repository</a:t>
-            </a:r>
-          </a:p>
-          <a:p>
+              <a:t>Repository </a:t>
+            </a:r>
+            <a:r>
+              <a:rPr lang="en-US" dirty="0" smtClean="0">
+                <a:sym typeface="Wingdings"/>
+              </a:rPr>
+              <a:t> “don</a:t>
+            </a:r>
+            <a:r>
+              <a:rPr lang="fr-FR" dirty="0" smtClean="0">
+                <a:sym typeface="Wingdings"/>
+              </a:rPr>
+              <a:t>’</a:t>
+            </a:r>
+            <a:r>
+              <a:rPr lang="en-US" dirty="0" smtClean="0">
+                <a:sym typeface="Wingdings"/>
+              </a:rPr>
+              <a:t>t test the product”</a:t>
+            </a:r>
             <a:endParaRPr lang="en-US" dirty="0" smtClean="0"/>
           </a:p>
         </p:txBody>
@@ -11043,7 +11076,7 @@
     </p:spTree>
     <p:extLst>
       <p:ext uri="{BB962C8B-B14F-4D97-AF65-F5344CB8AC3E}">
-        <p14:creationId xmlns:p14="http://schemas.microsoft.com/office/powerpoint/2010/main" val="1407392292"/>
+        <p14:creationId xmlns:p14="http://schemas.microsoft.com/office/powerpoint/2010/main" val="1476453195"/>
       </p:ext>
     </p:extLst>
   </p:cSld>
@@ -13007,10 +13040,9 @@
           <a:lstStyle/>
           <a:p>
             <a:r>
-              <a:rPr lang="en-US" smtClean="0"/>
+              <a:rPr lang="en-US" dirty="0" smtClean="0"/>
               <a:t>Test expectations</a:t>
             </a:r>
-            <a:endParaRPr lang="en-US" dirty="0" smtClean="0"/>
           </a:p>
           <a:p>
             <a:pPr marL="0" indent="0">
@@ -13103,10 +13135,7 @@
           <a:bodyPr/>
           <a:lstStyle/>
           <a:p>
-            <a:r>
-              <a:rPr lang="fr-LU" dirty="0" smtClean="0"/>
-              <a:t>QUESTIONS &amp; ANSWERS</a:t>
-            </a:r>
+            <a:endParaRPr lang="fr-LU" dirty="0" smtClean="0"/>
           </a:p>
         </p:txBody>
       </p:sp>
@@ -13186,6 +13215,379 @@
                 <a:defRPr/>
               </a:pPr>
               <a:t>51</a:t>
+            </a:fld>
+            <a:endParaRPr lang="en-GB"/>
+          </a:p>
+        </p:txBody>
+      </p:sp>
+      <p:sp>
+        <p:nvSpPr>
+          <p:cNvPr id="2" name="Content Placeholder 1"/>
+          <p:cNvSpPr>
+            <a:spLocks noGrp="1"/>
+          </p:cNvSpPr>
+          <p:nvPr>
+            <p:ph idx="1"/>
+          </p:nvPr>
+        </p:nvSpPr>
+        <p:spPr/>
+        <p:txBody>
+          <a:bodyPr/>
+          <a:lstStyle/>
+          <a:p>
+            <a:r>
+              <a:rPr lang="en-US" dirty="0" smtClean="0"/>
+              <a:t>Use libraries!</a:t>
+            </a:r>
+          </a:p>
+          <a:p>
+            <a:pPr lvl="1"/>
+            <a:r>
+              <a:rPr lang="en-US" dirty="0" smtClean="0"/>
+              <a:t>Better readability</a:t>
+            </a:r>
+          </a:p>
+          <a:p>
+            <a:pPr lvl="1"/>
+            <a:r>
+              <a:rPr lang="en-US" dirty="0" smtClean="0"/>
+              <a:t>Safe everywhere!</a:t>
+            </a:r>
+          </a:p>
+          <a:p>
+            <a:endParaRPr lang="en-US" dirty="0"/>
+          </a:p>
+          <a:p>
+            <a:endParaRPr lang="en-US" dirty="0" smtClean="0"/>
+          </a:p>
+        </p:txBody>
+      </p:sp>
+    </p:spTree>
+    <p:extLst>
+      <p:ext uri="{BB962C8B-B14F-4D97-AF65-F5344CB8AC3E}">
+        <p14:creationId xmlns:p14="http://schemas.microsoft.com/office/powerpoint/2010/main" val="1694887982"/>
+      </p:ext>
+    </p:extLst>
+  </p:cSld>
+  <p:clrMapOvr>
+    <a:masterClrMapping/>
+  </p:clrMapOvr>
+  <p:transition/>
+  <p:timing>
+    <p:tnLst>
+      <p:par>
+        <p:cTn id="1" dur="indefinite" restart="never" nodeType="tmRoot"/>
+      </p:par>
+    </p:tnLst>
+  </p:timing>
+</p:sld>
+</file>
+
+<file path=ppt/slides/slide52.xml><?xml version="1.0" encoding="utf-8"?>
+<p:sld xmlns:a="http://schemas.openxmlformats.org/drawingml/2006/main" xmlns:r="http://schemas.openxmlformats.org/officeDocument/2006/relationships" xmlns:p="http://schemas.openxmlformats.org/presentationml/2006/main">
+  <p:cSld>
+    <p:spTree>
+      <p:nvGrpSpPr>
+        <p:cNvPr id="1" name=""/>
+        <p:cNvGrpSpPr/>
+        <p:nvPr/>
+      </p:nvGrpSpPr>
+      <p:grpSpPr>
+        <a:xfrm>
+          <a:off x="0" y="0"/>
+          <a:ext cx="0" cy="0"/>
+          <a:chOff x="0" y="0"/>
+          <a:chExt cx="0" cy="0"/>
+        </a:xfrm>
+      </p:grpSpPr>
+      <p:sp>
+        <p:nvSpPr>
+          <p:cNvPr id="27653" name="Title 5"/>
+          <p:cNvSpPr>
+            <a:spLocks noGrp="1"/>
+          </p:cNvSpPr>
+          <p:nvPr>
+            <p:ph type="title"/>
+          </p:nvPr>
+        </p:nvSpPr>
+        <p:spPr/>
+        <p:txBody>
+          <a:bodyPr/>
+          <a:lstStyle/>
+          <a:p>
+            <a:endParaRPr lang="fr-LU" dirty="0" smtClean="0"/>
+          </a:p>
+        </p:txBody>
+      </p:sp>
+      <p:sp>
+        <p:nvSpPr>
+          <p:cNvPr id="3" name="Date Placeholder 2"/>
+          <p:cNvSpPr>
+            <a:spLocks noGrp="1"/>
+          </p:cNvSpPr>
+          <p:nvPr>
+            <p:ph type="dt" sz="half" idx="10"/>
+          </p:nvPr>
+        </p:nvSpPr>
+        <p:spPr/>
+        <p:txBody>
+          <a:bodyPr/>
+          <a:lstStyle/>
+          <a:p>
+            <a:pPr>
+              <a:defRPr/>
+            </a:pPr>
+            <a:r>
+              <a:rPr lang="en-US" smtClean="0"/>
+              <a:t>28 Feb. 2013</a:t>
+            </a:r>
+            <a:endParaRPr lang="en-GB" dirty="0"/>
+          </a:p>
+        </p:txBody>
+      </p:sp>
+      <p:sp>
+        <p:nvSpPr>
+          <p:cNvPr id="5" name="Footer Placeholder 4"/>
+          <p:cNvSpPr>
+            <a:spLocks noGrp="1"/>
+          </p:cNvSpPr>
+          <p:nvPr>
+            <p:ph type="ftr" sz="quarter" idx="11"/>
+          </p:nvPr>
+        </p:nvSpPr>
+        <p:spPr/>
+        <p:txBody>
+          <a:bodyPr/>
+          <a:lstStyle/>
+          <a:p>
+            <a:pPr>
+              <a:defRPr/>
+            </a:pPr>
+            <a:r>
+              <a:rPr lang="fr-LU" smtClean="0"/>
+              <a:t>Introduction to agile methods</a:t>
+            </a:r>
+            <a:endParaRPr lang="en-GB" dirty="0"/>
+          </a:p>
+        </p:txBody>
+      </p:sp>
+      <p:sp>
+        <p:nvSpPr>
+          <p:cNvPr id="4" name="Slide Number Placeholder 3"/>
+          <p:cNvSpPr>
+            <a:spLocks noGrp="1"/>
+          </p:cNvSpPr>
+          <p:nvPr>
+            <p:ph type="sldNum" sz="quarter" idx="12"/>
+          </p:nvPr>
+        </p:nvSpPr>
+        <p:spPr/>
+        <p:txBody>
+          <a:bodyPr/>
+          <a:lstStyle/>
+          <a:p>
+            <a:pPr>
+              <a:defRPr/>
+            </a:pPr>
+            <a:fld id="{684DB56D-94B7-41CB-A6D7-5E8E90856FDB}" type="slidenum">
+              <a:rPr lang="en-GB"/>
+              <a:pPr>
+                <a:defRPr/>
+              </a:pPr>
+              <a:t>52</a:t>
+            </a:fld>
+            <a:endParaRPr lang="en-GB"/>
+          </a:p>
+        </p:txBody>
+      </p:sp>
+      <p:sp>
+        <p:nvSpPr>
+          <p:cNvPr id="2" name="Content Placeholder 1"/>
+          <p:cNvSpPr>
+            <a:spLocks noGrp="1"/>
+          </p:cNvSpPr>
+          <p:nvPr>
+            <p:ph idx="1"/>
+          </p:nvPr>
+        </p:nvSpPr>
+        <p:spPr/>
+        <p:txBody>
+          <a:bodyPr/>
+          <a:lstStyle/>
+          <a:p>
+            <a:endParaRPr lang="en-US" dirty="0"/>
+          </a:p>
+          <a:p>
+            <a:endParaRPr lang="en-US" dirty="0" smtClean="0"/>
+          </a:p>
+        </p:txBody>
+      </p:sp>
+      <p:pic>
+        <p:nvPicPr>
+          <p:cNvPr id="7" name="Picture 6" descr="Screen Shot 2015-04-24 at 12.04.24.png"/>
+          <p:cNvPicPr>
+            <a:picLocks noChangeAspect="1"/>
+          </p:cNvPicPr>
+          <p:nvPr/>
+        </p:nvPicPr>
+        <p:blipFill>
+          <a:blip r:embed="rId2">
+            <a:extLst>
+              <a:ext uri="{28A0092B-C50C-407E-A947-70E740481C1C}">
+                <a14:useLocalDpi xmlns:a14="http://schemas.microsoft.com/office/drawing/2010/main" val="0"/>
+              </a:ext>
+            </a:extLst>
+          </a:blip>
+          <a:stretch>
+            <a:fillRect/>
+          </a:stretch>
+        </p:blipFill>
+        <p:spPr>
+          <a:xfrm>
+            <a:off x="330200" y="1008054"/>
+            <a:ext cx="8483600" cy="5181600"/>
+          </a:xfrm>
+          <a:prstGeom prst="rect">
+            <a:avLst/>
+          </a:prstGeom>
+        </p:spPr>
+      </p:pic>
+    </p:spTree>
+    <p:extLst>
+      <p:ext uri="{BB962C8B-B14F-4D97-AF65-F5344CB8AC3E}">
+        <p14:creationId xmlns:p14="http://schemas.microsoft.com/office/powerpoint/2010/main" val="1664423428"/>
+      </p:ext>
+    </p:extLst>
+  </p:cSld>
+  <p:clrMapOvr>
+    <a:masterClrMapping/>
+  </p:clrMapOvr>
+  <p:transition/>
+  <p:timing>
+    <p:tnLst>
+      <p:par>
+        <p:cTn id="1" dur="indefinite" restart="never" nodeType="tmRoot"/>
+      </p:par>
+    </p:tnLst>
+  </p:timing>
+</p:sld>
+</file>
+
+<file path=ppt/slides/slide53.xml><?xml version="1.0" encoding="utf-8"?>
+<p:sld xmlns:a="http://schemas.openxmlformats.org/drawingml/2006/main" xmlns:r="http://schemas.openxmlformats.org/officeDocument/2006/relationships" xmlns:p="http://schemas.openxmlformats.org/presentationml/2006/main">
+  <p:cSld>
+    <p:spTree>
+      <p:nvGrpSpPr>
+        <p:cNvPr id="1" name=""/>
+        <p:cNvGrpSpPr/>
+        <p:nvPr/>
+      </p:nvGrpSpPr>
+      <p:grpSpPr>
+        <a:xfrm>
+          <a:off x="0" y="0"/>
+          <a:ext cx="0" cy="0"/>
+          <a:chOff x="0" y="0"/>
+          <a:chExt cx="0" cy="0"/>
+        </a:xfrm>
+      </p:grpSpPr>
+      <p:sp>
+        <p:nvSpPr>
+          <p:cNvPr id="27653" name="Title 5"/>
+          <p:cNvSpPr>
+            <a:spLocks noGrp="1"/>
+          </p:cNvSpPr>
+          <p:nvPr>
+            <p:ph type="title"/>
+          </p:nvPr>
+        </p:nvSpPr>
+        <p:spPr/>
+        <p:txBody>
+          <a:bodyPr/>
+          <a:lstStyle/>
+          <a:p>
+            <a:r>
+              <a:rPr lang="fr-LU" dirty="0" smtClean="0"/>
+              <a:t>QUESTIONS &amp; ANSWERS</a:t>
+            </a:r>
+          </a:p>
+        </p:txBody>
+      </p:sp>
+      <p:sp>
+        <p:nvSpPr>
+          <p:cNvPr id="3" name="Date Placeholder 2"/>
+          <p:cNvSpPr>
+            <a:spLocks noGrp="1"/>
+          </p:cNvSpPr>
+          <p:nvPr>
+            <p:ph type="dt" sz="half" idx="10"/>
+          </p:nvPr>
+        </p:nvSpPr>
+        <p:spPr/>
+        <p:txBody>
+          <a:bodyPr/>
+          <a:lstStyle/>
+          <a:p>
+            <a:pPr>
+              <a:defRPr/>
+            </a:pPr>
+            <a:r>
+              <a:rPr lang="en-US" smtClean="0"/>
+              <a:t>28 Feb. 2013</a:t>
+            </a:r>
+            <a:endParaRPr lang="en-GB" dirty="0"/>
+          </a:p>
+        </p:txBody>
+      </p:sp>
+      <p:sp>
+        <p:nvSpPr>
+          <p:cNvPr id="5" name="Footer Placeholder 4"/>
+          <p:cNvSpPr>
+            <a:spLocks noGrp="1"/>
+          </p:cNvSpPr>
+          <p:nvPr>
+            <p:ph type="ftr" sz="quarter" idx="11"/>
+          </p:nvPr>
+        </p:nvSpPr>
+        <p:spPr/>
+        <p:txBody>
+          <a:bodyPr/>
+          <a:lstStyle/>
+          <a:p>
+            <a:pPr>
+              <a:defRPr/>
+            </a:pPr>
+            <a:r>
+              <a:rPr lang="fr-LU" smtClean="0"/>
+              <a:t>Introduction to agile methods</a:t>
+            </a:r>
+            <a:endParaRPr lang="en-GB" dirty="0"/>
+          </a:p>
+        </p:txBody>
+      </p:sp>
+      <p:sp>
+        <p:nvSpPr>
+          <p:cNvPr id="4" name="Slide Number Placeholder 3"/>
+          <p:cNvSpPr>
+            <a:spLocks noGrp="1"/>
+          </p:cNvSpPr>
+          <p:nvPr>
+            <p:ph type="sldNum" sz="quarter" idx="12"/>
+          </p:nvPr>
+        </p:nvSpPr>
+        <p:spPr/>
+        <p:txBody>
+          <a:bodyPr/>
+          <a:lstStyle/>
+          <a:p>
+            <a:pPr>
+              <a:defRPr/>
+            </a:pPr>
+            <a:fld id="{684DB56D-94B7-41CB-A6D7-5E8E90856FDB}" type="slidenum">
+              <a:rPr lang="en-GB"/>
+              <a:pPr>
+                <a:defRPr/>
+              </a:pPr>
+              <a:t>53</a:t>
             </a:fld>
             <a:endParaRPr lang="en-GB"/>
           </a:p>
@@ -13235,7 +13637,7 @@
 </p:sld>
 </file>
 
-<file path=ppt/slides/slide52.xml><?xml version="1.0" encoding="utf-8"?>
+<file path=ppt/slides/slide54.xml><?xml version="1.0" encoding="utf-8"?>
 <p:sld xmlns:a="http://schemas.openxmlformats.org/drawingml/2006/main" xmlns:r="http://schemas.openxmlformats.org/officeDocument/2006/relationships" xmlns:p="http://schemas.openxmlformats.org/presentationml/2006/main">
   <p:cSld>
     <p:spTree>
@@ -13343,7 +13745,7 @@
             <a:fld id="{2CFDF742-C97A-4DE4-AE03-D0A42DA7E310}" type="slidenum">
               <a:rPr lang="en-GB" smtClean="0"/>
               <a:pPr/>
-              <a:t>52</a:t>
+              <a:t>54</a:t>
             </a:fld>
             <a:endParaRPr lang="en-GB"/>
           </a:p>
@@ -13408,7 +13810,7 @@
 </p:sld>
 </file>
 
-<file path=ppt/slides/slide53.xml><?xml version="1.0" encoding="utf-8"?>
+<file path=ppt/slides/slide55.xml><?xml version="1.0" encoding="utf-8"?>
 <p:sld xmlns:a="http://schemas.openxmlformats.org/drawingml/2006/main" xmlns:r="http://schemas.openxmlformats.org/officeDocument/2006/relationships" xmlns:p="http://schemas.openxmlformats.org/presentationml/2006/main">
   <p:cSld>
     <p:spTree>
@@ -13520,7 +13922,7 @@
             <a:fld id="{9716DCE3-3314-4329-BDB9-F369F3DB74C6}" type="slidenum">
               <a:rPr lang="en-GB" smtClean="0"/>
               <a:pPr/>
-              <a:t>53</a:t>
+              <a:t>55</a:t>
             </a:fld>
             <a:endParaRPr lang="en-GB"/>
           </a:p>
@@ -13622,7 +14024,7 @@
 </p:sld>
 </file>
 
-<file path=ppt/slides/slide54.xml><?xml version="1.0" encoding="utf-8"?>
+<file path=ppt/slides/slide56.xml><?xml version="1.0" encoding="utf-8"?>
 <p:sld xmlns:a="http://schemas.openxmlformats.org/drawingml/2006/main" xmlns:r="http://schemas.openxmlformats.org/officeDocument/2006/relationships" xmlns:p="http://schemas.openxmlformats.org/presentationml/2006/main">
   <p:cSld>
     <p:spTree>
@@ -13855,7 +14257,7 @@
             <a:fld id="{9716DCE3-3314-4329-BDB9-F369F3DB74C6}" type="slidenum">
               <a:rPr lang="en-GB" smtClean="0"/>
               <a:pPr/>
-              <a:t>54</a:t>
+              <a:t>56</a:t>
             </a:fld>
             <a:endParaRPr lang="en-GB"/>
           </a:p>
@@ -13881,7 +14283,7 @@
 </p:sld>
 </file>
 
-<file path=ppt/slides/slide55.xml><?xml version="1.0" encoding="utf-8"?>
+<file path=ppt/slides/slide57.xml><?xml version="1.0" encoding="utf-8"?>
 <p:sld xmlns:a="http://schemas.openxmlformats.org/drawingml/2006/main" xmlns:r="http://schemas.openxmlformats.org/officeDocument/2006/relationships" xmlns:p="http://schemas.openxmlformats.org/presentationml/2006/main">
   <p:cSld>
     <p:spTree>
@@ -13993,7 +14395,7 @@
             <a:fld id="{2CFDF742-C97A-4DE4-AE03-D0A42DA7E310}" type="slidenum">
               <a:rPr lang="en-GB" smtClean="0"/>
               <a:pPr/>
-              <a:t>55</a:t>
+              <a:t>57</a:t>
             </a:fld>
             <a:endParaRPr lang="en-GB"/>
           </a:p>
